--- a/Documentation/Chipi Park.pptx
+++ b/Documentation/Chipi Park.pptx
@@ -7,6 +7,32 @@
   <p:sldIdLst>
     <p:sldId id="256" r:id="rId2"/>
     <p:sldId id="257" r:id="rId3"/>
+    <p:sldId id="258" r:id="rId4"/>
+    <p:sldId id="259" r:id="rId5"/>
+    <p:sldId id="260" r:id="rId6"/>
+    <p:sldId id="261" r:id="rId7"/>
+    <p:sldId id="262" r:id="rId8"/>
+    <p:sldId id="263" r:id="rId9"/>
+    <p:sldId id="264" r:id="rId10"/>
+    <p:sldId id="265" r:id="rId11"/>
+    <p:sldId id="266" r:id="rId12"/>
+    <p:sldId id="267" r:id="rId13"/>
+    <p:sldId id="268" r:id="rId14"/>
+    <p:sldId id="269" r:id="rId15"/>
+    <p:sldId id="270" r:id="rId16"/>
+    <p:sldId id="271" r:id="rId17"/>
+    <p:sldId id="272" r:id="rId18"/>
+    <p:sldId id="273" r:id="rId19"/>
+    <p:sldId id="274" r:id="rId20"/>
+    <p:sldId id="275" r:id="rId21"/>
+    <p:sldId id="276" r:id="rId22"/>
+    <p:sldId id="277" r:id="rId23"/>
+    <p:sldId id="278" r:id="rId24"/>
+    <p:sldId id="279" r:id="rId25"/>
+    <p:sldId id="280" r:id="rId26"/>
+    <p:sldId id="281" r:id="rId27"/>
+    <p:sldId id="282" r:id="rId28"/>
+    <p:sldId id="283" r:id="rId29"/>
   </p:sldIdLst>
   <p:sldSz cx="12192000" cy="6858000"/>
   <p:notesSz cx="6858000" cy="9144000"/>
@@ -105,6 +131,11 @@
       </a:defRPr>
     </a:lvl9pPr>
   </p:defaultTextStyle>
+  <p:extLst>
+    <p:ext uri="{EFAFB233-063F-42B5-8137-9DF3F51BA10A}">
+      <p15:sldGuideLst xmlns:p15="http://schemas.microsoft.com/office/powerpoint/2012/main"/>
+    </p:ext>
+  </p:extLst>
 </p:presentation>
 </file>
 
@@ -382,7 +413,7 @@
           <a:p>
             <a:fld id="{2D98C68D-F4F0-49CD-81C4-DA9887D4319C}" type="datetimeFigureOut">
               <a:rPr lang="es-ES" smtClean="0"/>
-              <a:t>19/01/2026</a:t>
+              <a:t>22/01/2026</a:t>
             </a:fld>
             <a:endParaRPr lang="es-ES"/>
           </a:p>
@@ -796,7 +827,7 @@
           <a:p>
             <a:fld id="{2D98C68D-F4F0-49CD-81C4-DA9887D4319C}" type="datetimeFigureOut">
               <a:rPr lang="es-ES" smtClean="0"/>
-              <a:t>19/01/2026</a:t>
+              <a:t>22/01/2026</a:t>
             </a:fld>
             <a:endParaRPr lang="es-ES"/>
           </a:p>
@@ -1132,7 +1163,7 @@
           <a:p>
             <a:fld id="{2D98C68D-F4F0-49CD-81C4-DA9887D4319C}" type="datetimeFigureOut">
               <a:rPr lang="es-ES" smtClean="0"/>
-              <a:t>19/01/2026</a:t>
+              <a:t>22/01/2026</a:t>
             </a:fld>
             <a:endParaRPr lang="es-ES"/>
           </a:p>
@@ -1537,7 +1568,7 @@
           <a:p>
             <a:fld id="{2D98C68D-F4F0-49CD-81C4-DA9887D4319C}" type="datetimeFigureOut">
               <a:rPr lang="es-ES" smtClean="0"/>
-              <a:t>19/01/2026</a:t>
+              <a:t>22/01/2026</a:t>
             </a:fld>
             <a:endParaRPr lang="es-ES"/>
           </a:p>
@@ -2105,7 +2136,7 @@
           <a:p>
             <a:fld id="{2D98C68D-F4F0-49CD-81C4-DA9887D4319C}" type="datetimeFigureOut">
               <a:rPr lang="es-ES" smtClean="0"/>
-              <a:t>19/01/2026</a:t>
+              <a:t>22/01/2026</a:t>
             </a:fld>
             <a:endParaRPr lang="es-ES"/>
           </a:p>
@@ -2786,7 +2817,7 @@
           <a:p>
             <a:fld id="{2D98C68D-F4F0-49CD-81C4-DA9887D4319C}" type="datetimeFigureOut">
               <a:rPr lang="es-ES" smtClean="0"/>
-              <a:t>19/01/2026</a:t>
+              <a:t>22/01/2026</a:t>
             </a:fld>
             <a:endParaRPr lang="es-ES"/>
           </a:p>
@@ -3699,7 +3730,7 @@
           <a:p>
             <a:fld id="{2D98C68D-F4F0-49CD-81C4-DA9887D4319C}" type="datetimeFigureOut">
               <a:rPr lang="es-ES" smtClean="0"/>
-              <a:t>19/01/2026</a:t>
+              <a:t>22/01/2026</a:t>
             </a:fld>
             <a:endParaRPr lang="es-ES"/>
           </a:p>
@@ -4012,7 +4043,7 @@
           <a:p>
             <a:fld id="{2D98C68D-F4F0-49CD-81C4-DA9887D4319C}" type="datetimeFigureOut">
               <a:rPr lang="es-ES" smtClean="0"/>
-              <a:t>19/01/2026</a:t>
+              <a:t>22/01/2026</a:t>
             </a:fld>
             <a:endParaRPr lang="es-ES"/>
           </a:p>
@@ -4276,7 +4307,7 @@
           <a:p>
             <a:fld id="{2D98C68D-F4F0-49CD-81C4-DA9887D4319C}" type="datetimeFigureOut">
               <a:rPr lang="es-ES" smtClean="0"/>
-              <a:t>19/01/2026</a:t>
+              <a:t>22/01/2026</a:t>
             </a:fld>
             <a:endParaRPr lang="es-ES"/>
           </a:p>
@@ -4599,7 +4630,7 @@
           <a:p>
             <a:fld id="{2D98C68D-F4F0-49CD-81C4-DA9887D4319C}" type="datetimeFigureOut">
               <a:rPr lang="es-ES" smtClean="0"/>
-              <a:t>19/01/2026</a:t>
+              <a:t>22/01/2026</a:t>
             </a:fld>
             <a:endParaRPr lang="es-ES"/>
           </a:p>
@@ -4988,7 +5019,7 @@
           <a:p>
             <a:fld id="{2D98C68D-F4F0-49CD-81C4-DA9887D4319C}" type="datetimeFigureOut">
               <a:rPr lang="es-ES" smtClean="0"/>
-              <a:t>19/01/2026</a:t>
+              <a:t>22/01/2026</a:t>
             </a:fld>
             <a:endParaRPr lang="es-ES"/>
           </a:p>
@@ -5364,7 +5395,7 @@
           <a:p>
             <a:fld id="{2D98C68D-F4F0-49CD-81C4-DA9887D4319C}" type="datetimeFigureOut">
               <a:rPr lang="es-ES" smtClean="0"/>
-              <a:t>19/01/2026</a:t>
+              <a:t>22/01/2026</a:t>
             </a:fld>
             <a:endParaRPr lang="es-ES"/>
           </a:p>
@@ -5870,7 +5901,7 @@
           <a:p>
             <a:fld id="{2D98C68D-F4F0-49CD-81C4-DA9887D4319C}" type="datetimeFigureOut">
               <a:rPr lang="es-ES" smtClean="0"/>
-              <a:t>19/01/2026</a:t>
+              <a:t>22/01/2026</a:t>
             </a:fld>
             <a:endParaRPr lang="es-ES"/>
           </a:p>
@@ -6127,7 +6158,7 @@
           <a:p>
             <a:fld id="{2D98C68D-F4F0-49CD-81C4-DA9887D4319C}" type="datetimeFigureOut">
               <a:rPr lang="es-ES" smtClean="0"/>
-              <a:t>19/01/2026</a:t>
+              <a:t>22/01/2026</a:t>
             </a:fld>
             <a:endParaRPr lang="es-ES"/>
           </a:p>
@@ -6290,7 +6321,7 @@
           <a:p>
             <a:fld id="{2D98C68D-F4F0-49CD-81C4-DA9887D4319C}" type="datetimeFigureOut">
               <a:rPr lang="es-ES" smtClean="0"/>
-              <a:t>19/01/2026</a:t>
+              <a:t>22/01/2026</a:t>
             </a:fld>
             <a:endParaRPr lang="es-ES"/>
           </a:p>
@@ -6680,7 +6711,7 @@
           <a:p>
             <a:fld id="{2D98C68D-F4F0-49CD-81C4-DA9887D4319C}" type="datetimeFigureOut">
               <a:rPr lang="es-ES" smtClean="0"/>
-              <a:t>19/01/2026</a:t>
+              <a:t>22/01/2026</a:t>
             </a:fld>
             <a:endParaRPr lang="es-ES"/>
           </a:p>
@@ -7089,7 +7120,7 @@
           <a:p>
             <a:fld id="{2D98C68D-F4F0-49CD-81C4-DA9887D4319C}" type="datetimeFigureOut">
               <a:rPr lang="es-ES" smtClean="0"/>
-              <a:t>19/01/2026</a:t>
+              <a:t>22/01/2026</a:t>
             </a:fld>
             <a:endParaRPr lang="es-ES"/>
           </a:p>
@@ -7333,7 +7364,7 @@
           <a:p>
             <a:fld id="{2D98C68D-F4F0-49CD-81C4-DA9887D4319C}" type="datetimeFigureOut">
               <a:rPr lang="es-ES" smtClean="0"/>
-              <a:t>19/01/2026</a:t>
+              <a:t>22/01/2026</a:t>
             </a:fld>
             <a:endParaRPr lang="es-ES"/>
           </a:p>
@@ -7744,34 +7775,42 @@
           <a:chExt cx="0" cy="0"/>
         </a:xfrm>
       </p:grpSpPr>
-      <p:sp>
-        <p:nvSpPr>
-          <p:cNvPr id="2" name="Título 1">
+      <p:pic>
+        <p:nvPicPr>
+          <p:cNvPr id="5" name="Imagen 4">
             <a:extLst>
               <a:ext uri="{FF2B5EF4-FFF2-40B4-BE49-F238E27FC236}">
-                <a16:creationId xmlns:a16="http://schemas.microsoft.com/office/drawing/2014/main" id="{A4704D4D-49D5-F3B2-26EE-D5B6F170FFA1}"/>
+                <a16:creationId xmlns:a16="http://schemas.microsoft.com/office/drawing/2014/main" id="{9356EBA1-F5C9-5AF2-6D86-74B5FB68A976}"/>
               </a:ext>
             </a:extLst>
           </p:cNvPr>
-          <p:cNvSpPr>
-            <a:spLocks noGrp="1"/>
-          </p:cNvSpPr>
-          <p:nvPr>
-            <p:ph type="ctrTitle"/>
-          </p:nvPr>
-        </p:nvSpPr>
-        <p:spPr/>
-        <p:txBody>
-          <a:bodyPr/>
-          <a:lstStyle/>
-          <a:p>
-            <a:r>
-              <a:rPr lang="es-ES" dirty="0"/>
-              <a:t>Chipi Park</a:t>
-            </a:r>
-          </a:p>
-        </p:txBody>
-      </p:sp>
+          <p:cNvPicPr>
+            <a:picLocks noChangeAspect="1"/>
+          </p:cNvPicPr>
+          <p:nvPr/>
+        </p:nvPicPr>
+        <p:blipFill>
+          <a:blip r:embed="rId2">
+            <a:extLst>
+              <a:ext uri="{28A0092B-C50C-407E-A947-70E740481C1C}">
+                <a14:useLocalDpi xmlns:a14="http://schemas.microsoft.com/office/drawing/2010/main" val="0"/>
+              </a:ext>
+            </a:extLst>
+          </a:blip>
+          <a:stretch>
+            <a:fillRect/>
+          </a:stretch>
+        </p:blipFill>
+        <p:spPr>
+          <a:xfrm>
+            <a:off x="-92765" y="0"/>
+            <a:ext cx="12294704" cy="6858000"/>
+          </a:xfrm>
+          <a:prstGeom prst="rect">
+            <a:avLst/>
+          </a:prstGeom>
+        </p:spPr>
+      </p:pic>
       <p:sp>
         <p:nvSpPr>
           <p:cNvPr id="3" name="Subtítulo 2">
@@ -7788,21 +7827,77 @@
             <p:ph type="subTitle" idx="1"/>
           </p:nvPr>
         </p:nvSpPr>
-        <p:spPr/>
+        <p:spPr>
+          <a:xfrm>
+            <a:off x="3244617" y="5099717"/>
+            <a:ext cx="8144134" cy="1117687"/>
+          </a:xfrm>
+        </p:spPr>
         <p:txBody>
           <a:bodyPr/>
           <a:lstStyle/>
           <a:p>
             <a:r>
-              <a:rPr lang="es-ES" dirty="0"/>
-              <a:t>Proyecto personal Factoría F5</a:t>
-            </a:r>
-          </a:p>
-          <a:p>
-            <a:r>
-              <a:rPr lang="es-ES" dirty="0"/>
+              <a:rPr lang="es-ES" dirty="0">
+                <a:solidFill>
+                  <a:schemeClr val="bg1"/>
+                </a:solidFill>
+              </a:rPr>
+              <a:t>Proyecto personal Factoría F5 </a:t>
+            </a:r>
+            <a:r>
+              <a:rPr lang="es-ES" dirty="0" err="1">
+                <a:solidFill>
+                  <a:schemeClr val="bg1"/>
+                </a:solidFill>
+              </a:rPr>
+              <a:t>Superkode</a:t>
+            </a:r>
+            <a:endParaRPr lang="es-ES" dirty="0">
+              <a:solidFill>
+                <a:schemeClr val="bg1"/>
+              </a:solidFill>
+            </a:endParaRPr>
+          </a:p>
+          <a:p>
+            <a:r>
+              <a:rPr lang="es-ES" dirty="0">
+                <a:solidFill>
+                  <a:schemeClr val="bg1"/>
+                </a:solidFill>
+              </a:rPr>
               <a:t>Autor: David Vaamonde Bueno</a:t>
             </a:r>
+          </a:p>
+        </p:txBody>
+      </p:sp>
+      <p:sp>
+        <p:nvSpPr>
+          <p:cNvPr id="7" name="Título 6">
+            <a:extLst>
+              <a:ext uri="{FF2B5EF4-FFF2-40B4-BE49-F238E27FC236}">
+                <a16:creationId xmlns:a16="http://schemas.microsoft.com/office/drawing/2014/main" id="{5AC57331-67B3-397A-67F9-B82CC0511FB7}"/>
+              </a:ext>
+            </a:extLst>
+          </p:cNvPr>
+          <p:cNvSpPr>
+            <a:spLocks noGrp="1"/>
+          </p:cNvSpPr>
+          <p:nvPr>
+            <p:ph type="ctrTitle"/>
+          </p:nvPr>
+        </p:nvSpPr>
+        <p:spPr>
+          <a:xfrm>
+            <a:off x="974035" y="5319670"/>
+            <a:ext cx="1052055" cy="677779"/>
+          </a:xfrm>
+        </p:spPr>
+        <p:txBody>
+          <a:bodyPr/>
+          <a:lstStyle/>
+          <a:p>
+            <a:endParaRPr lang="es-ES" dirty="0"/>
           </a:p>
         </p:txBody>
       </p:sp>
@@ -7810,6 +7905,2987 @@
     <p:extLst>
       <p:ext uri="{BB962C8B-B14F-4D97-AF65-F5344CB8AC3E}">
         <p14:creationId xmlns:p14="http://schemas.microsoft.com/office/powerpoint/2010/main" val="2095278420"/>
+      </p:ext>
+    </p:extLst>
+  </p:cSld>
+  <p:clrMapOvr>
+    <a:masterClrMapping/>
+  </p:clrMapOvr>
+</p:sld>
+</file>
+
+<file path=ppt/slides/slide10.xml><?xml version="1.0" encoding="utf-8"?>
+<p:sld xmlns:a="http://schemas.openxmlformats.org/drawingml/2006/main" xmlns:r="http://schemas.openxmlformats.org/officeDocument/2006/relationships" xmlns:p="http://schemas.openxmlformats.org/presentationml/2006/main">
+  <p:cSld>
+    <p:spTree>
+      <p:nvGrpSpPr>
+        <p:cNvPr id="1" name=""/>
+        <p:cNvGrpSpPr/>
+        <p:nvPr/>
+      </p:nvGrpSpPr>
+      <p:grpSpPr>
+        <a:xfrm>
+          <a:off x="0" y="0"/>
+          <a:ext cx="0" cy="0"/>
+          <a:chOff x="0" y="0"/>
+          <a:chExt cx="0" cy="0"/>
+        </a:xfrm>
+      </p:grpSpPr>
+      <p:sp>
+        <p:nvSpPr>
+          <p:cNvPr id="2" name="Título 1">
+            <a:extLst>
+              <a:ext uri="{FF2B5EF4-FFF2-40B4-BE49-F238E27FC236}">
+                <a16:creationId xmlns:a16="http://schemas.microsoft.com/office/drawing/2014/main" id="{93325A83-B6EE-485E-86D9-9221AD80D500}"/>
+              </a:ext>
+            </a:extLst>
+          </p:cNvPr>
+          <p:cNvSpPr>
+            <a:spLocks noGrp="1"/>
+          </p:cNvSpPr>
+          <p:nvPr>
+            <p:ph type="title"/>
+          </p:nvPr>
+        </p:nvSpPr>
+        <p:spPr/>
+        <p:txBody>
+          <a:bodyPr/>
+          <a:lstStyle/>
+          <a:p>
+            <a:r>
+              <a:rPr lang="es-ES" dirty="0"/>
+              <a:t>Arquitectura del sistema</a:t>
+            </a:r>
+          </a:p>
+        </p:txBody>
+      </p:sp>
+      <p:pic>
+        <p:nvPicPr>
+          <p:cNvPr id="5" name="Marcador de contenido 4">
+            <a:extLst>
+              <a:ext uri="{FF2B5EF4-FFF2-40B4-BE49-F238E27FC236}">
+                <a16:creationId xmlns:a16="http://schemas.microsoft.com/office/drawing/2014/main" id="{82F91358-B2A2-71C6-EF7E-55908A6EC3E8}"/>
+              </a:ext>
+            </a:extLst>
+          </p:cNvPr>
+          <p:cNvPicPr>
+            <a:picLocks noGrp="1" noChangeAspect="1"/>
+          </p:cNvPicPr>
+          <p:nvPr>
+            <p:ph idx="1"/>
+          </p:nvPr>
+        </p:nvPicPr>
+        <p:blipFill>
+          <a:blip r:embed="rId2">
+            <a:extLst>
+              <a:ext uri="{28A0092B-C50C-407E-A947-70E740481C1C}">
+                <a14:useLocalDpi xmlns:a14="http://schemas.microsoft.com/office/drawing/2010/main" val="0"/>
+              </a:ext>
+            </a:extLst>
+          </a:blip>
+          <a:stretch>
+            <a:fillRect/>
+          </a:stretch>
+        </p:blipFill>
+        <p:spPr>
+          <a:xfrm>
+            <a:off x="6715856" y="2215873"/>
+            <a:ext cx="2935039" cy="4271944"/>
+          </a:xfrm>
+        </p:spPr>
+      </p:pic>
+      <p:sp>
+        <p:nvSpPr>
+          <p:cNvPr id="6" name="CuadroTexto 5">
+            <a:extLst>
+              <a:ext uri="{FF2B5EF4-FFF2-40B4-BE49-F238E27FC236}">
+                <a16:creationId xmlns:a16="http://schemas.microsoft.com/office/drawing/2014/main" id="{519F42F7-9726-4D25-FEB4-0ECC6629FE2F}"/>
+              </a:ext>
+            </a:extLst>
+          </p:cNvPr>
+          <p:cNvSpPr txBox="1"/>
+          <p:nvPr/>
+        </p:nvSpPr>
+        <p:spPr>
+          <a:xfrm>
+            <a:off x="858907" y="3236541"/>
+            <a:ext cx="4532010" cy="1015663"/>
+          </a:xfrm>
+          <a:prstGeom prst="rect">
+            <a:avLst/>
+          </a:prstGeom>
+          <a:noFill/>
+        </p:spPr>
+        <p:txBody>
+          <a:bodyPr wrap="none" rtlCol="0">
+            <a:spAutoFit/>
+          </a:bodyPr>
+          <a:lstStyle/>
+          <a:p>
+            <a:r>
+              <a:rPr lang="es-ES" sz="2000" b="1" dirty="0">
+                <a:solidFill>
+                  <a:schemeClr val="bg1"/>
+                </a:solidFill>
+              </a:rPr>
+              <a:t>Patrón: </a:t>
+            </a:r>
+            <a:r>
+              <a:rPr lang="es-ES" sz="2000" dirty="0">
+                <a:solidFill>
+                  <a:schemeClr val="bg1"/>
+                </a:solidFill>
+              </a:rPr>
+              <a:t>Arquitectura Cliente-Servidor</a:t>
+            </a:r>
+          </a:p>
+          <a:p>
+            <a:r>
+              <a:rPr lang="es-ES" sz="2000" b="1" dirty="0">
+                <a:solidFill>
+                  <a:schemeClr val="bg1"/>
+                </a:solidFill>
+              </a:rPr>
+              <a:t>Comunicación: </a:t>
+            </a:r>
+            <a:r>
+              <a:rPr lang="es-ES" sz="2000" dirty="0">
+                <a:solidFill>
+                  <a:schemeClr val="bg1"/>
+                </a:solidFill>
+              </a:rPr>
+              <a:t>API </a:t>
+            </a:r>
+            <a:r>
+              <a:rPr lang="es-ES" sz="2000" dirty="0" err="1">
+                <a:solidFill>
+                  <a:schemeClr val="bg1"/>
+                </a:solidFill>
+              </a:rPr>
+              <a:t>Restful</a:t>
+            </a:r>
+            <a:r>
+              <a:rPr lang="es-ES" sz="2000" dirty="0">
+                <a:solidFill>
+                  <a:schemeClr val="bg1"/>
+                </a:solidFill>
+              </a:rPr>
+              <a:t> JSON</a:t>
+            </a:r>
+          </a:p>
+          <a:p>
+            <a:r>
+              <a:rPr lang="es-ES" sz="2000" b="1" dirty="0">
+                <a:solidFill>
+                  <a:schemeClr val="bg1"/>
+                </a:solidFill>
+              </a:rPr>
+              <a:t>Autenticación: </a:t>
+            </a:r>
+            <a:r>
+              <a:rPr lang="es-ES" sz="2000" dirty="0">
+                <a:solidFill>
+                  <a:schemeClr val="bg1"/>
+                </a:solidFill>
+              </a:rPr>
+              <a:t>Token-</a:t>
+            </a:r>
+            <a:r>
+              <a:rPr lang="es-ES" sz="2000" dirty="0" err="1">
+                <a:solidFill>
+                  <a:schemeClr val="bg1"/>
+                </a:solidFill>
+              </a:rPr>
+              <a:t>based</a:t>
+            </a:r>
+            <a:r>
+              <a:rPr lang="es-ES" sz="2000" dirty="0">
+                <a:solidFill>
+                  <a:schemeClr val="bg1"/>
+                </a:solidFill>
+              </a:rPr>
+              <a:t> (JWT)</a:t>
+            </a:r>
+          </a:p>
+        </p:txBody>
+      </p:sp>
+    </p:spTree>
+    <p:extLst>
+      <p:ext uri="{BB962C8B-B14F-4D97-AF65-F5344CB8AC3E}">
+        <p14:creationId xmlns:p14="http://schemas.microsoft.com/office/powerpoint/2010/main" val="403062297"/>
+      </p:ext>
+    </p:extLst>
+  </p:cSld>
+  <p:clrMapOvr>
+    <a:masterClrMapping/>
+  </p:clrMapOvr>
+</p:sld>
+</file>
+
+<file path=ppt/slides/slide11.xml><?xml version="1.0" encoding="utf-8"?>
+<p:sld xmlns:a="http://schemas.openxmlformats.org/drawingml/2006/main" xmlns:r="http://schemas.openxmlformats.org/officeDocument/2006/relationships" xmlns:p="http://schemas.openxmlformats.org/presentationml/2006/main">
+  <p:cSld>
+    <p:spTree>
+      <p:nvGrpSpPr>
+        <p:cNvPr id="1" name=""/>
+        <p:cNvGrpSpPr/>
+        <p:nvPr/>
+      </p:nvGrpSpPr>
+      <p:grpSpPr>
+        <a:xfrm>
+          <a:off x="0" y="0"/>
+          <a:ext cx="0" cy="0"/>
+          <a:chOff x="0" y="0"/>
+          <a:chExt cx="0" cy="0"/>
+        </a:xfrm>
+      </p:grpSpPr>
+      <p:sp>
+        <p:nvSpPr>
+          <p:cNvPr id="2" name="Título 1">
+            <a:extLst>
+              <a:ext uri="{FF2B5EF4-FFF2-40B4-BE49-F238E27FC236}">
+                <a16:creationId xmlns:a16="http://schemas.microsoft.com/office/drawing/2014/main" id="{EF74BDE1-A69E-239F-91E3-B14B8ED90986}"/>
+              </a:ext>
+            </a:extLst>
+          </p:cNvPr>
+          <p:cNvSpPr>
+            <a:spLocks noGrp="1"/>
+          </p:cNvSpPr>
+          <p:nvPr>
+            <p:ph type="title"/>
+          </p:nvPr>
+        </p:nvSpPr>
+        <p:spPr/>
+        <p:txBody>
+          <a:bodyPr/>
+          <a:lstStyle/>
+          <a:p>
+            <a:r>
+              <a:rPr lang="es-ES" dirty="0"/>
+              <a:t>Base de datos normalizada</a:t>
+            </a:r>
+          </a:p>
+        </p:txBody>
+      </p:sp>
+      <p:pic>
+        <p:nvPicPr>
+          <p:cNvPr id="5" name="Marcador de contenido 4">
+            <a:extLst>
+              <a:ext uri="{FF2B5EF4-FFF2-40B4-BE49-F238E27FC236}">
+                <a16:creationId xmlns:a16="http://schemas.microsoft.com/office/drawing/2014/main" id="{EF424C06-7A36-E74F-8938-F4CA8CF9EC8B}"/>
+              </a:ext>
+            </a:extLst>
+          </p:cNvPr>
+          <p:cNvPicPr>
+            <a:picLocks noGrp="1" noChangeAspect="1"/>
+          </p:cNvPicPr>
+          <p:nvPr>
+            <p:ph idx="1"/>
+          </p:nvPr>
+        </p:nvPicPr>
+        <p:blipFill>
+          <a:blip r:embed="rId2">
+            <a:extLst>
+              <a:ext uri="{28A0092B-C50C-407E-A947-70E740481C1C}">
+                <a14:useLocalDpi xmlns:a14="http://schemas.microsoft.com/office/drawing/2010/main" val="0"/>
+              </a:ext>
+            </a:extLst>
+          </a:blip>
+          <a:stretch>
+            <a:fillRect/>
+          </a:stretch>
+        </p:blipFill>
+        <p:spPr>
+          <a:xfrm>
+            <a:off x="1709674" y="2147957"/>
+            <a:ext cx="8196882" cy="4350070"/>
+          </a:xfrm>
+        </p:spPr>
+      </p:pic>
+    </p:spTree>
+    <p:extLst>
+      <p:ext uri="{BB962C8B-B14F-4D97-AF65-F5344CB8AC3E}">
+        <p14:creationId xmlns:p14="http://schemas.microsoft.com/office/powerpoint/2010/main" val="2341305713"/>
+      </p:ext>
+    </p:extLst>
+  </p:cSld>
+  <p:clrMapOvr>
+    <a:masterClrMapping/>
+  </p:clrMapOvr>
+</p:sld>
+</file>
+
+<file path=ppt/slides/slide12.xml><?xml version="1.0" encoding="utf-8"?>
+<p:sld xmlns:a="http://schemas.openxmlformats.org/drawingml/2006/main" xmlns:r="http://schemas.openxmlformats.org/officeDocument/2006/relationships" xmlns:p="http://schemas.openxmlformats.org/presentationml/2006/main">
+  <p:cSld>
+    <p:spTree>
+      <p:nvGrpSpPr>
+        <p:cNvPr id="1" name=""/>
+        <p:cNvGrpSpPr/>
+        <p:nvPr/>
+      </p:nvGrpSpPr>
+      <p:grpSpPr>
+        <a:xfrm>
+          <a:off x="0" y="0"/>
+          <a:ext cx="0" cy="0"/>
+          <a:chOff x="0" y="0"/>
+          <a:chExt cx="0" cy="0"/>
+        </a:xfrm>
+      </p:grpSpPr>
+      <p:sp>
+        <p:nvSpPr>
+          <p:cNvPr id="2" name="Título 1">
+            <a:extLst>
+              <a:ext uri="{FF2B5EF4-FFF2-40B4-BE49-F238E27FC236}">
+                <a16:creationId xmlns:a16="http://schemas.microsoft.com/office/drawing/2014/main" id="{5BD6193D-4BAF-347F-FF0C-51C0610CFE2F}"/>
+              </a:ext>
+            </a:extLst>
+          </p:cNvPr>
+          <p:cNvSpPr>
+            <a:spLocks noGrp="1"/>
+          </p:cNvSpPr>
+          <p:nvPr>
+            <p:ph type="title"/>
+          </p:nvPr>
+        </p:nvSpPr>
+        <p:spPr/>
+        <p:txBody>
+          <a:bodyPr/>
+          <a:lstStyle/>
+          <a:p>
+            <a:r>
+              <a:rPr lang="es-ES" dirty="0"/>
+              <a:t>Proceso de Normalización</a:t>
+            </a:r>
+          </a:p>
+        </p:txBody>
+      </p:sp>
+      <p:sp>
+        <p:nvSpPr>
+          <p:cNvPr id="3" name="Marcador de contenido 2">
+            <a:extLst>
+              <a:ext uri="{FF2B5EF4-FFF2-40B4-BE49-F238E27FC236}">
+                <a16:creationId xmlns:a16="http://schemas.microsoft.com/office/drawing/2014/main" id="{B2363960-771B-63EA-A98B-28CEF3392F22}"/>
+              </a:ext>
+            </a:extLst>
+          </p:cNvPr>
+          <p:cNvSpPr>
+            <a:spLocks noGrp="1"/>
+          </p:cNvSpPr>
+          <p:nvPr>
+            <p:ph idx="1"/>
+          </p:nvPr>
+        </p:nvSpPr>
+        <p:spPr>
+          <a:xfrm>
+            <a:off x="382148" y="2932044"/>
+            <a:ext cx="4140156" cy="2604052"/>
+          </a:xfrm>
+        </p:spPr>
+        <p:txBody>
+          <a:bodyPr>
+            <a:normAutofit/>
+          </a:bodyPr>
+          <a:lstStyle/>
+          <a:p>
+            <a:pPr>
+              <a:spcAft>
+                <a:spcPts val="600"/>
+              </a:spcAft>
+            </a:pPr>
+            <a:r>
+              <a:rPr lang="es-ES" sz="1600" b="1" dirty="0">
+                <a:solidFill>
+                  <a:schemeClr val="bg1"/>
+                </a:solidFill>
+              </a:rPr>
+              <a:t>Sin Normalizar → 1FN → 2FN → 3FN</a:t>
+            </a:r>
+            <a:endParaRPr lang="es-ES" sz="1600" dirty="0">
+              <a:solidFill>
+                <a:schemeClr val="bg1"/>
+              </a:solidFill>
+            </a:endParaRPr>
+          </a:p>
+          <a:p>
+            <a:pPr>
+              <a:spcAft>
+                <a:spcPts val="600"/>
+              </a:spcAft>
+            </a:pPr>
+            <a:r>
+              <a:rPr lang="es-ES" sz="1600" b="1" dirty="0">
+                <a:solidFill>
+                  <a:schemeClr val="bg1"/>
+                </a:solidFill>
+              </a:rPr>
+              <a:t>Problemas Iniciales:</a:t>
+            </a:r>
+            <a:r>
+              <a:rPr lang="es-ES" sz="1600" dirty="0">
+                <a:solidFill>
+                  <a:schemeClr val="bg1"/>
+                </a:solidFill>
+              </a:rPr>
+              <a:t> </a:t>
+            </a:r>
+          </a:p>
+          <a:p>
+            <a:pPr marL="447675">
+              <a:spcAft>
+                <a:spcPts val="600"/>
+              </a:spcAft>
+            </a:pPr>
+            <a:r>
+              <a:rPr lang="es-ES" sz="1600" dirty="0">
+                <a:solidFill>
+                  <a:schemeClr val="bg1"/>
+                </a:solidFill>
+              </a:rPr>
+              <a:t>❌ Datos repetidos (redundancia) </a:t>
+            </a:r>
+          </a:p>
+          <a:p>
+            <a:pPr marL="447675">
+              <a:spcAft>
+                <a:spcPts val="600"/>
+              </a:spcAft>
+            </a:pPr>
+            <a:r>
+              <a:rPr lang="es-ES" sz="1600" dirty="0">
+                <a:solidFill>
+                  <a:schemeClr val="bg1"/>
+                </a:solidFill>
+              </a:rPr>
+              <a:t>❌ Campos multivaluados </a:t>
+            </a:r>
+          </a:p>
+          <a:p>
+            <a:pPr marL="447675">
+              <a:spcAft>
+                <a:spcPts val="600"/>
+              </a:spcAft>
+            </a:pPr>
+            <a:r>
+              <a:rPr lang="es-ES" sz="1600" dirty="0">
+                <a:solidFill>
+                  <a:schemeClr val="bg1"/>
+                </a:solidFill>
+              </a:rPr>
+              <a:t>❌ Dependencias transitivas</a:t>
+            </a:r>
+          </a:p>
+          <a:p>
+            <a:endParaRPr lang="es-ES" dirty="0"/>
+          </a:p>
+        </p:txBody>
+      </p:sp>
+      <p:sp>
+        <p:nvSpPr>
+          <p:cNvPr id="4" name="CuadroTexto 3">
+            <a:extLst>
+              <a:ext uri="{FF2B5EF4-FFF2-40B4-BE49-F238E27FC236}">
+                <a16:creationId xmlns:a16="http://schemas.microsoft.com/office/drawing/2014/main" id="{02088F6B-CE84-2476-63A8-93B70D22DCAA}"/>
+              </a:ext>
+            </a:extLst>
+          </p:cNvPr>
+          <p:cNvSpPr txBox="1"/>
+          <p:nvPr/>
+        </p:nvSpPr>
+        <p:spPr>
+          <a:xfrm>
+            <a:off x="8563069" y="2922106"/>
+            <a:ext cx="3876261" cy="2446824"/>
+          </a:xfrm>
+          <a:prstGeom prst="rect">
+            <a:avLst/>
+          </a:prstGeom>
+          <a:noFill/>
+        </p:spPr>
+        <p:txBody>
+          <a:bodyPr wrap="square" rtlCol="0">
+            <a:spAutoFit/>
+          </a:bodyPr>
+          <a:lstStyle/>
+          <a:p>
+            <a:pPr marL="285750" indent="-285750">
+              <a:spcBef>
+                <a:spcPts val="600"/>
+              </a:spcBef>
+              <a:spcAft>
+                <a:spcPts val="600"/>
+              </a:spcAft>
+              <a:buFont typeface="Arial" panose="020B0604020202020204" pitchFamily="34" charset="0"/>
+              <a:buChar char="•"/>
+            </a:pPr>
+            <a:r>
+              <a:rPr lang="es-ES" b="1" dirty="0">
+                <a:solidFill>
+                  <a:schemeClr val="bg1"/>
+                </a:solidFill>
+              </a:rPr>
+              <a:t>Beneficios:</a:t>
+            </a:r>
+            <a:endParaRPr lang="es-ES" dirty="0">
+              <a:solidFill>
+                <a:schemeClr val="bg1"/>
+              </a:solidFill>
+            </a:endParaRPr>
+          </a:p>
+          <a:p>
+            <a:pPr marL="536575" indent="-285750">
+              <a:spcBef>
+                <a:spcPts val="600"/>
+              </a:spcBef>
+              <a:spcAft>
+                <a:spcPts val="600"/>
+              </a:spcAft>
+              <a:buFont typeface="Arial" panose="020B0604020202020204" pitchFamily="34" charset="0"/>
+              <a:buChar char="•"/>
+            </a:pPr>
+            <a:r>
+              <a:rPr lang="es-ES" dirty="0">
+                <a:solidFill>
+                  <a:schemeClr val="bg1"/>
+                </a:solidFill>
+              </a:rPr>
+              <a:t>Menos redundancia</a:t>
+            </a:r>
+          </a:p>
+          <a:p>
+            <a:pPr marL="536575" indent="-285750">
+              <a:spcBef>
+                <a:spcPts val="600"/>
+              </a:spcBef>
+              <a:spcAft>
+                <a:spcPts val="600"/>
+              </a:spcAft>
+              <a:buFont typeface="Arial" panose="020B0604020202020204" pitchFamily="34" charset="0"/>
+              <a:buChar char="•"/>
+            </a:pPr>
+            <a:r>
+              <a:rPr lang="es-ES" dirty="0">
+                <a:solidFill>
+                  <a:schemeClr val="bg1"/>
+                </a:solidFill>
+              </a:rPr>
+              <a:t>Fácil mantenimiento</a:t>
+            </a:r>
+          </a:p>
+          <a:p>
+            <a:pPr marL="536575" indent="-285750">
+              <a:spcBef>
+                <a:spcPts val="600"/>
+              </a:spcBef>
+              <a:spcAft>
+                <a:spcPts val="600"/>
+              </a:spcAft>
+              <a:buFont typeface="Arial" panose="020B0604020202020204" pitchFamily="34" charset="0"/>
+              <a:buChar char="•"/>
+            </a:pPr>
+            <a:r>
+              <a:rPr lang="es-ES" dirty="0">
+                <a:solidFill>
+                  <a:schemeClr val="bg1"/>
+                </a:solidFill>
+              </a:rPr>
+              <a:t>Consultas optimizadas</a:t>
+            </a:r>
+          </a:p>
+          <a:p>
+            <a:pPr marL="536575" indent="-285750">
+              <a:spcBef>
+                <a:spcPts val="600"/>
+              </a:spcBef>
+              <a:spcAft>
+                <a:spcPts val="600"/>
+              </a:spcAft>
+              <a:buFont typeface="Arial" panose="020B0604020202020204" pitchFamily="34" charset="0"/>
+              <a:buChar char="•"/>
+            </a:pPr>
+            <a:r>
+              <a:rPr lang="es-ES" dirty="0">
+                <a:solidFill>
+                  <a:schemeClr val="bg1"/>
+                </a:solidFill>
+              </a:rPr>
+              <a:t>Escalabilidad</a:t>
+            </a:r>
+          </a:p>
+          <a:p>
+            <a:endParaRPr lang="es-ES" dirty="0"/>
+          </a:p>
+        </p:txBody>
+      </p:sp>
+      <p:sp>
+        <p:nvSpPr>
+          <p:cNvPr id="6" name="CuadroTexto 5">
+            <a:extLst>
+              <a:ext uri="{FF2B5EF4-FFF2-40B4-BE49-F238E27FC236}">
+                <a16:creationId xmlns:a16="http://schemas.microsoft.com/office/drawing/2014/main" id="{CAB0F865-ECA3-B906-E62A-3F1177EC6A92}"/>
+              </a:ext>
+            </a:extLst>
+          </p:cNvPr>
+          <p:cNvSpPr txBox="1"/>
+          <p:nvPr/>
+        </p:nvSpPr>
+        <p:spPr>
+          <a:xfrm>
+            <a:off x="4422913" y="2912166"/>
+            <a:ext cx="4363695" cy="2015936"/>
+          </a:xfrm>
+          <a:prstGeom prst="rect">
+            <a:avLst/>
+          </a:prstGeom>
+          <a:noFill/>
+        </p:spPr>
+        <p:txBody>
+          <a:bodyPr wrap="none" rtlCol="0">
+            <a:spAutoFit/>
+          </a:bodyPr>
+          <a:lstStyle/>
+          <a:p>
+            <a:pPr marL="285750" indent="-285750">
+              <a:spcAft>
+                <a:spcPts val="600"/>
+              </a:spcAft>
+              <a:buFont typeface="Arial" panose="020B0604020202020204" pitchFamily="34" charset="0"/>
+              <a:buChar char="•"/>
+            </a:pPr>
+            <a:r>
+              <a:rPr lang="es-ES" sz="1600" b="1" dirty="0">
+                <a:solidFill>
+                  <a:schemeClr val="bg1"/>
+                </a:solidFill>
+              </a:rPr>
+              <a:t>Solución 3FN:</a:t>
+            </a:r>
+            <a:r>
+              <a:rPr lang="es-ES" sz="1600" dirty="0">
+                <a:solidFill>
+                  <a:schemeClr val="bg1"/>
+                </a:solidFill>
+              </a:rPr>
+              <a:t> </a:t>
+            </a:r>
+          </a:p>
+          <a:p>
+            <a:pPr marL="447675">
+              <a:spcAft>
+                <a:spcPts val="600"/>
+              </a:spcAft>
+            </a:pPr>
+            <a:r>
+              <a:rPr lang="es-ES" sz="1600" dirty="0">
+                <a:solidFill>
+                  <a:schemeClr val="bg1"/>
+                </a:solidFill>
+              </a:rPr>
+              <a:t>✅ Cada dato en un solo lugar </a:t>
+            </a:r>
+          </a:p>
+          <a:p>
+            <a:pPr marL="447675">
+              <a:spcAft>
+                <a:spcPts val="600"/>
+              </a:spcAft>
+            </a:pPr>
+            <a:r>
+              <a:rPr lang="es-ES" sz="1600" dirty="0">
+                <a:solidFill>
+                  <a:schemeClr val="bg1"/>
+                </a:solidFill>
+              </a:rPr>
+              <a:t>✅ Valores atómicos </a:t>
+            </a:r>
+          </a:p>
+          <a:p>
+            <a:pPr marL="447675">
+              <a:spcAft>
+                <a:spcPts val="600"/>
+              </a:spcAft>
+            </a:pPr>
+            <a:r>
+              <a:rPr lang="es-ES" sz="1600" dirty="0">
+                <a:solidFill>
+                  <a:schemeClr val="bg1"/>
+                </a:solidFill>
+              </a:rPr>
+              <a:t>✅ Eliminadas dependencias transitivas </a:t>
+            </a:r>
+          </a:p>
+          <a:p>
+            <a:pPr marL="447675">
+              <a:spcAft>
+                <a:spcPts val="600"/>
+              </a:spcAft>
+            </a:pPr>
+            <a:r>
+              <a:rPr lang="es-ES" sz="1600" dirty="0">
+                <a:solidFill>
+                  <a:schemeClr val="bg1"/>
+                </a:solidFill>
+              </a:rPr>
+              <a:t>✅ Categorías en tabla separada </a:t>
+            </a:r>
+          </a:p>
+          <a:p>
+            <a:pPr marL="447675">
+              <a:spcAft>
+                <a:spcPts val="600"/>
+              </a:spcAft>
+            </a:pPr>
+            <a:r>
+              <a:rPr lang="es-ES" sz="1600" dirty="0">
+                <a:solidFill>
+                  <a:schemeClr val="bg1"/>
+                </a:solidFill>
+              </a:rPr>
+              <a:t>✅ Integridad referencial con </a:t>
+            </a:r>
+            <a:r>
+              <a:rPr lang="es-ES" sz="1600" dirty="0" err="1">
+                <a:solidFill>
+                  <a:schemeClr val="bg1"/>
+                </a:solidFill>
+              </a:rPr>
+              <a:t>FKs</a:t>
+            </a:r>
+            <a:endParaRPr lang="es-ES" sz="1600" dirty="0">
+              <a:solidFill>
+                <a:schemeClr val="bg1"/>
+              </a:solidFill>
+            </a:endParaRPr>
+          </a:p>
+        </p:txBody>
+      </p:sp>
+    </p:spTree>
+    <p:extLst>
+      <p:ext uri="{BB962C8B-B14F-4D97-AF65-F5344CB8AC3E}">
+        <p14:creationId xmlns:p14="http://schemas.microsoft.com/office/powerpoint/2010/main" val="1904136698"/>
+      </p:ext>
+    </p:extLst>
+  </p:cSld>
+  <p:clrMapOvr>
+    <a:masterClrMapping/>
+  </p:clrMapOvr>
+</p:sld>
+</file>
+
+<file path=ppt/slides/slide13.xml><?xml version="1.0" encoding="utf-8"?>
+<p:sld xmlns:a="http://schemas.openxmlformats.org/drawingml/2006/main" xmlns:r="http://schemas.openxmlformats.org/officeDocument/2006/relationships" xmlns:p="http://schemas.openxmlformats.org/presentationml/2006/main">
+  <p:cSld>
+    <p:spTree>
+      <p:nvGrpSpPr>
+        <p:cNvPr id="1" name=""/>
+        <p:cNvGrpSpPr/>
+        <p:nvPr/>
+      </p:nvGrpSpPr>
+      <p:grpSpPr>
+        <a:xfrm>
+          <a:off x="0" y="0"/>
+          <a:ext cx="0" cy="0"/>
+          <a:chOff x="0" y="0"/>
+          <a:chExt cx="0" cy="0"/>
+        </a:xfrm>
+      </p:grpSpPr>
+      <p:sp>
+        <p:nvSpPr>
+          <p:cNvPr id="2" name="Título 1">
+            <a:extLst>
+              <a:ext uri="{FF2B5EF4-FFF2-40B4-BE49-F238E27FC236}">
+                <a16:creationId xmlns:a16="http://schemas.microsoft.com/office/drawing/2014/main" id="{8E6545B1-051E-AB9B-7F3C-212DE1FC51BA}"/>
+              </a:ext>
+            </a:extLst>
+          </p:cNvPr>
+          <p:cNvSpPr>
+            <a:spLocks noGrp="1"/>
+          </p:cNvSpPr>
+          <p:nvPr>
+            <p:ph type="title"/>
+          </p:nvPr>
+        </p:nvSpPr>
+        <p:spPr/>
+        <p:txBody>
+          <a:bodyPr/>
+          <a:lstStyle/>
+          <a:p>
+            <a:r>
+              <a:rPr lang="es-ES" dirty="0"/>
+              <a:t>API REST – </a:t>
+            </a:r>
+            <a:r>
+              <a:rPr lang="es-ES" dirty="0" err="1"/>
+              <a:t>Princpipales</a:t>
+            </a:r>
+            <a:r>
+              <a:rPr lang="es-ES" dirty="0"/>
+              <a:t> </a:t>
+            </a:r>
+            <a:r>
+              <a:rPr lang="es-ES" dirty="0" err="1"/>
+              <a:t>Endpoints</a:t>
+            </a:r>
+            <a:endParaRPr lang="es-ES" dirty="0"/>
+          </a:p>
+        </p:txBody>
+      </p:sp>
+      <p:sp>
+        <p:nvSpPr>
+          <p:cNvPr id="3" name="Marcador de contenido 2">
+            <a:extLst>
+              <a:ext uri="{FF2B5EF4-FFF2-40B4-BE49-F238E27FC236}">
+                <a16:creationId xmlns:a16="http://schemas.microsoft.com/office/drawing/2014/main" id="{2EEF7F1D-710A-971A-4C96-FBFE7C21ABC7}"/>
+              </a:ext>
+            </a:extLst>
+          </p:cNvPr>
+          <p:cNvSpPr>
+            <a:spLocks noGrp="1"/>
+          </p:cNvSpPr>
+          <p:nvPr>
+            <p:ph idx="1"/>
+          </p:nvPr>
+        </p:nvSpPr>
+        <p:spPr>
+          <a:xfrm>
+            <a:off x="680321" y="2336872"/>
+            <a:ext cx="9613861" cy="4015801"/>
+          </a:xfrm>
+        </p:spPr>
+        <p:txBody>
+          <a:bodyPr>
+            <a:normAutofit fontScale="85000" lnSpcReduction="20000"/>
+          </a:bodyPr>
+          <a:lstStyle/>
+          <a:p>
+            <a:pPr marL="0" indent="0">
+              <a:spcBef>
+                <a:spcPts val="1200"/>
+              </a:spcBef>
+              <a:spcAft>
+                <a:spcPts val="600"/>
+              </a:spcAft>
+              <a:buNone/>
+            </a:pPr>
+            <a:r>
+              <a:rPr lang="es-ES" sz="1800" b="1" dirty="0">
+                <a:solidFill>
+                  <a:schemeClr val="bg1"/>
+                </a:solidFill>
+              </a:rPr>
+              <a:t>Autenticación:</a:t>
+            </a:r>
+          </a:p>
+          <a:p>
+            <a:pPr>
+              <a:spcBef>
+                <a:spcPts val="1200"/>
+              </a:spcBef>
+              <a:spcAft>
+                <a:spcPts val="600"/>
+              </a:spcAft>
+            </a:pPr>
+            <a:r>
+              <a:rPr lang="es-ES" sz="1800" b="1" dirty="0">
+                <a:solidFill>
+                  <a:schemeClr val="bg1"/>
+                </a:solidFill>
+              </a:rPr>
+              <a:t>POST /api/</a:t>
+            </a:r>
+            <a:r>
+              <a:rPr lang="es-ES" sz="1800" b="1" dirty="0" err="1">
+                <a:solidFill>
+                  <a:schemeClr val="bg1"/>
+                </a:solidFill>
+              </a:rPr>
+              <a:t>auth</a:t>
+            </a:r>
+            <a:r>
+              <a:rPr lang="es-ES" sz="1800" b="1" dirty="0">
+                <a:solidFill>
+                  <a:schemeClr val="bg1"/>
+                </a:solidFill>
+              </a:rPr>
+              <a:t>/</a:t>
+            </a:r>
+            <a:r>
+              <a:rPr lang="es-ES" sz="1800" b="1" dirty="0" err="1">
+                <a:solidFill>
+                  <a:schemeClr val="bg1"/>
+                </a:solidFill>
+              </a:rPr>
+              <a:t>register</a:t>
+            </a:r>
+            <a:r>
+              <a:rPr lang="es-ES" sz="1800" b="1" dirty="0">
+                <a:solidFill>
+                  <a:schemeClr val="bg1"/>
+                </a:solidFill>
+              </a:rPr>
+              <a:t>/ - Registro</a:t>
+            </a:r>
+          </a:p>
+          <a:p>
+            <a:pPr>
+              <a:spcBef>
+                <a:spcPts val="1200"/>
+              </a:spcBef>
+              <a:spcAft>
+                <a:spcPts val="600"/>
+              </a:spcAft>
+            </a:pPr>
+            <a:r>
+              <a:rPr lang="es-ES" sz="1800" b="1" dirty="0">
+                <a:solidFill>
+                  <a:schemeClr val="bg1"/>
+                </a:solidFill>
+              </a:rPr>
+              <a:t>POST (api/</a:t>
+            </a:r>
+            <a:r>
+              <a:rPr lang="es-ES" sz="1800" b="1" dirty="0" err="1">
+                <a:solidFill>
+                  <a:schemeClr val="bg1"/>
+                </a:solidFill>
+              </a:rPr>
+              <a:t>auth</a:t>
+            </a:r>
+            <a:r>
+              <a:rPr lang="es-ES" sz="1800" b="1" dirty="0">
+                <a:solidFill>
+                  <a:schemeClr val="bg1"/>
+                </a:solidFill>
+              </a:rPr>
+              <a:t>/</a:t>
+            </a:r>
+            <a:r>
+              <a:rPr lang="es-ES" sz="1800" b="1" dirty="0" err="1">
+                <a:solidFill>
+                  <a:schemeClr val="bg1"/>
+                </a:solidFill>
+              </a:rPr>
+              <a:t>login</a:t>
+            </a:r>
+            <a:r>
+              <a:rPr lang="es-ES" sz="1800" b="1" dirty="0">
+                <a:solidFill>
+                  <a:schemeClr val="bg1"/>
+                </a:solidFill>
+              </a:rPr>
+              <a:t>/ - </a:t>
+            </a:r>
+            <a:r>
+              <a:rPr lang="es-ES" sz="1800" b="1" dirty="0" err="1">
+                <a:solidFill>
+                  <a:schemeClr val="bg1"/>
+                </a:solidFill>
+              </a:rPr>
+              <a:t>Login</a:t>
+            </a:r>
+            <a:r>
+              <a:rPr lang="es-ES" sz="1800" b="1" dirty="0">
+                <a:solidFill>
+                  <a:schemeClr val="bg1"/>
+                </a:solidFill>
+              </a:rPr>
+              <a:t> (tokens)</a:t>
+            </a:r>
+          </a:p>
+          <a:p>
+            <a:pPr>
+              <a:spcBef>
+                <a:spcPts val="1200"/>
+              </a:spcBef>
+              <a:spcAft>
+                <a:spcPts val="600"/>
+              </a:spcAft>
+            </a:pPr>
+            <a:r>
+              <a:rPr lang="es-ES" sz="1800" b="1" dirty="0">
+                <a:solidFill>
+                  <a:schemeClr val="bg1"/>
+                </a:solidFill>
+              </a:rPr>
+              <a:t>POST /api/</a:t>
+            </a:r>
+            <a:r>
+              <a:rPr lang="es-ES" sz="1800" b="1" dirty="0" err="1">
+                <a:solidFill>
+                  <a:schemeClr val="bg1"/>
+                </a:solidFill>
+              </a:rPr>
+              <a:t>auth</a:t>
+            </a:r>
+            <a:r>
+              <a:rPr lang="es-ES" sz="1800" b="1" dirty="0">
+                <a:solidFill>
+                  <a:schemeClr val="bg1"/>
+                </a:solidFill>
+              </a:rPr>
+              <a:t>/</a:t>
+            </a:r>
+            <a:r>
+              <a:rPr lang="es-ES" sz="1800" b="1" dirty="0" err="1">
+                <a:solidFill>
+                  <a:schemeClr val="bg1"/>
+                </a:solidFill>
+              </a:rPr>
+              <a:t>refresh</a:t>
+            </a:r>
+            <a:r>
+              <a:rPr lang="es-ES" sz="1800" b="1" dirty="0">
+                <a:solidFill>
+                  <a:schemeClr val="bg1"/>
+                </a:solidFill>
+              </a:rPr>
+              <a:t>/ – Renovar Token</a:t>
+            </a:r>
+          </a:p>
+          <a:p>
+            <a:pPr>
+              <a:spcBef>
+                <a:spcPts val="1200"/>
+              </a:spcBef>
+              <a:spcAft>
+                <a:spcPts val="600"/>
+              </a:spcAft>
+            </a:pPr>
+            <a:r>
+              <a:rPr lang="es-ES" sz="1800" b="1" dirty="0">
+                <a:solidFill>
+                  <a:schemeClr val="bg1"/>
+                </a:solidFill>
+              </a:rPr>
+              <a:t>POST /api/</a:t>
+            </a:r>
+            <a:r>
+              <a:rPr lang="es-ES" sz="1800" b="1" dirty="0" err="1">
+                <a:solidFill>
+                  <a:schemeClr val="bg1"/>
+                </a:solidFill>
+              </a:rPr>
+              <a:t>auth</a:t>
+            </a:r>
+            <a:r>
+              <a:rPr lang="es-ES" sz="1800" b="1" dirty="0">
+                <a:solidFill>
+                  <a:schemeClr val="bg1"/>
+                </a:solidFill>
+              </a:rPr>
+              <a:t>/</a:t>
+            </a:r>
+            <a:r>
+              <a:rPr lang="es-ES" sz="1800" b="1" dirty="0" err="1">
+                <a:solidFill>
+                  <a:schemeClr val="bg1"/>
+                </a:solidFill>
+              </a:rPr>
+              <a:t>logout</a:t>
+            </a:r>
+            <a:r>
+              <a:rPr lang="es-ES" sz="1800" b="1" dirty="0">
+                <a:solidFill>
+                  <a:schemeClr val="bg1"/>
+                </a:solidFill>
+              </a:rPr>
+              <a:t>/ - Cerrar sesión</a:t>
+            </a:r>
+          </a:p>
+          <a:p>
+            <a:pPr marL="0" indent="0">
+              <a:spcBef>
+                <a:spcPts val="1200"/>
+              </a:spcBef>
+              <a:spcAft>
+                <a:spcPts val="600"/>
+              </a:spcAft>
+              <a:buNone/>
+            </a:pPr>
+            <a:r>
+              <a:rPr lang="es-ES" sz="1800" b="1" dirty="0">
+                <a:solidFill>
+                  <a:schemeClr val="bg1"/>
+                </a:solidFill>
+              </a:rPr>
+              <a:t>Productos:</a:t>
+            </a:r>
+          </a:p>
+          <a:p>
+            <a:pPr>
+              <a:spcBef>
+                <a:spcPts val="1200"/>
+              </a:spcBef>
+              <a:spcAft>
+                <a:spcPts val="600"/>
+              </a:spcAft>
+            </a:pPr>
+            <a:r>
+              <a:rPr lang="es-ES" sz="1800" b="1" dirty="0">
+                <a:solidFill>
+                  <a:schemeClr val="bg1"/>
+                </a:solidFill>
+              </a:rPr>
+              <a:t>GET /api/</a:t>
+            </a:r>
+            <a:r>
+              <a:rPr lang="es-ES" sz="1800" b="1" dirty="0" err="1">
+                <a:solidFill>
+                  <a:schemeClr val="bg1"/>
+                </a:solidFill>
+              </a:rPr>
+              <a:t>products</a:t>
+            </a:r>
+            <a:r>
+              <a:rPr lang="es-ES" sz="1800" b="1" dirty="0">
+                <a:solidFill>
+                  <a:schemeClr val="bg1"/>
+                </a:solidFill>
+              </a:rPr>
+              <a:t>/ - Listar productos (con filtros)</a:t>
+            </a:r>
+          </a:p>
+          <a:p>
+            <a:pPr>
+              <a:spcBef>
+                <a:spcPts val="1200"/>
+              </a:spcBef>
+              <a:spcAft>
+                <a:spcPts val="600"/>
+              </a:spcAft>
+            </a:pPr>
+            <a:r>
+              <a:rPr lang="es-ES" sz="1800" b="1" dirty="0">
+                <a:solidFill>
+                  <a:schemeClr val="bg1"/>
+                </a:solidFill>
+              </a:rPr>
+              <a:t>GET /api/</a:t>
+            </a:r>
+            <a:r>
+              <a:rPr lang="es-ES" sz="1800" b="1" dirty="0" err="1">
+                <a:solidFill>
+                  <a:schemeClr val="bg1"/>
+                </a:solidFill>
+              </a:rPr>
+              <a:t>products</a:t>
+            </a:r>
+            <a:r>
+              <a:rPr lang="es-ES" sz="1800" b="1" dirty="0">
+                <a:solidFill>
+                  <a:schemeClr val="bg1"/>
+                </a:solidFill>
+              </a:rPr>
+              <a:t>/:id/ - Detalle producto</a:t>
+            </a:r>
+          </a:p>
+          <a:p>
+            <a:pPr>
+              <a:spcBef>
+                <a:spcPts val="1200"/>
+              </a:spcBef>
+              <a:spcAft>
+                <a:spcPts val="600"/>
+              </a:spcAft>
+            </a:pPr>
+            <a:r>
+              <a:rPr lang="es-ES" sz="1800" b="1" dirty="0">
+                <a:solidFill>
+                  <a:schemeClr val="bg1"/>
+                </a:solidFill>
+              </a:rPr>
+              <a:t>GET /api/</a:t>
+            </a:r>
+            <a:r>
+              <a:rPr lang="es-ES" sz="1800" b="1" dirty="0" err="1">
+                <a:solidFill>
+                  <a:schemeClr val="bg1"/>
+                </a:solidFill>
+              </a:rPr>
+              <a:t>products</a:t>
+            </a:r>
+            <a:r>
+              <a:rPr lang="es-ES" sz="1800" b="1" dirty="0">
+                <a:solidFill>
+                  <a:schemeClr val="bg1"/>
+                </a:solidFill>
+              </a:rPr>
+              <a:t>/</a:t>
+            </a:r>
+            <a:r>
+              <a:rPr lang="es-ES" sz="1800" b="1" dirty="0" err="1">
+                <a:solidFill>
+                  <a:schemeClr val="bg1"/>
+                </a:solidFill>
+              </a:rPr>
+              <a:t>featured</a:t>
+            </a:r>
+            <a:r>
+              <a:rPr lang="es-ES" sz="1800" b="1" dirty="0">
+                <a:solidFill>
+                  <a:schemeClr val="bg1"/>
+                </a:solidFill>
+              </a:rPr>
+              <a:t>/ - Destacados</a:t>
+            </a:r>
+          </a:p>
+          <a:p>
+            <a:pPr>
+              <a:spcBef>
+                <a:spcPts val="1200"/>
+              </a:spcBef>
+              <a:spcAft>
+                <a:spcPts val="600"/>
+              </a:spcAft>
+            </a:pPr>
+            <a:r>
+              <a:rPr lang="es-ES" sz="1800" b="1" dirty="0">
+                <a:solidFill>
+                  <a:schemeClr val="bg1"/>
+                </a:solidFill>
+              </a:rPr>
+              <a:t>POST/PUT/DELETE /api/</a:t>
+            </a:r>
+            <a:r>
+              <a:rPr lang="es-ES" sz="1800" b="1" dirty="0" err="1">
+                <a:solidFill>
+                  <a:schemeClr val="bg1"/>
+                </a:solidFill>
+              </a:rPr>
+              <a:t>products</a:t>
+            </a:r>
+            <a:r>
+              <a:rPr lang="es-ES" sz="1800" b="1" dirty="0">
+                <a:solidFill>
+                  <a:schemeClr val="bg1"/>
+                </a:solidFill>
+              </a:rPr>
+              <a:t>/ - CRUD (</a:t>
+            </a:r>
+            <a:r>
+              <a:rPr lang="es-ES" sz="1800" b="1" dirty="0" err="1">
+                <a:solidFill>
+                  <a:schemeClr val="bg1"/>
+                </a:solidFill>
+              </a:rPr>
+              <a:t>admin</a:t>
+            </a:r>
+            <a:r>
+              <a:rPr lang="es-ES" sz="1800" b="1" dirty="0">
+                <a:solidFill>
+                  <a:schemeClr val="bg1"/>
+                </a:solidFill>
+              </a:rPr>
+              <a:t>)</a:t>
+            </a:r>
+          </a:p>
+          <a:p>
+            <a:endParaRPr lang="es-ES" sz="2000" b="1" dirty="0"/>
+          </a:p>
+        </p:txBody>
+      </p:sp>
+    </p:spTree>
+    <p:extLst>
+      <p:ext uri="{BB962C8B-B14F-4D97-AF65-F5344CB8AC3E}">
+        <p14:creationId xmlns:p14="http://schemas.microsoft.com/office/powerpoint/2010/main" val="2731433791"/>
+      </p:ext>
+    </p:extLst>
+  </p:cSld>
+  <p:clrMapOvr>
+    <a:masterClrMapping/>
+  </p:clrMapOvr>
+</p:sld>
+</file>
+
+<file path=ppt/slides/slide14.xml><?xml version="1.0" encoding="utf-8"?>
+<p:sld xmlns:a="http://schemas.openxmlformats.org/drawingml/2006/main" xmlns:r="http://schemas.openxmlformats.org/officeDocument/2006/relationships" xmlns:p="http://schemas.openxmlformats.org/presentationml/2006/main">
+  <p:cSld>
+    <p:spTree>
+      <p:nvGrpSpPr>
+        <p:cNvPr id="1" name="">
+          <a:extLst>
+            <a:ext uri="{FF2B5EF4-FFF2-40B4-BE49-F238E27FC236}">
+              <a16:creationId xmlns:a16="http://schemas.microsoft.com/office/drawing/2014/main" id="{6ECE78F9-F30E-32E4-DF26-A86772C944F9}"/>
+            </a:ext>
+          </a:extLst>
+        </p:cNvPr>
+        <p:cNvGrpSpPr/>
+        <p:nvPr/>
+      </p:nvGrpSpPr>
+      <p:grpSpPr>
+        <a:xfrm>
+          <a:off x="0" y="0"/>
+          <a:ext cx="0" cy="0"/>
+          <a:chOff x="0" y="0"/>
+          <a:chExt cx="0" cy="0"/>
+        </a:xfrm>
+      </p:grpSpPr>
+      <p:sp>
+        <p:nvSpPr>
+          <p:cNvPr id="2" name="Título 1">
+            <a:extLst>
+              <a:ext uri="{FF2B5EF4-FFF2-40B4-BE49-F238E27FC236}">
+                <a16:creationId xmlns:a16="http://schemas.microsoft.com/office/drawing/2014/main" id="{9665D2A1-320E-A26F-7E7D-C83FED3D94C7}"/>
+              </a:ext>
+            </a:extLst>
+          </p:cNvPr>
+          <p:cNvSpPr>
+            <a:spLocks noGrp="1"/>
+          </p:cNvSpPr>
+          <p:nvPr>
+            <p:ph type="title"/>
+          </p:nvPr>
+        </p:nvSpPr>
+        <p:spPr/>
+        <p:txBody>
+          <a:bodyPr/>
+          <a:lstStyle/>
+          <a:p>
+            <a:r>
+              <a:rPr lang="es-ES" dirty="0"/>
+              <a:t>API REST – </a:t>
+            </a:r>
+            <a:r>
+              <a:rPr lang="es-ES" dirty="0" err="1"/>
+              <a:t>Princpipales</a:t>
+            </a:r>
+            <a:r>
+              <a:rPr lang="es-ES" dirty="0"/>
+              <a:t> </a:t>
+            </a:r>
+            <a:r>
+              <a:rPr lang="es-ES" dirty="0" err="1"/>
+              <a:t>Endpoints</a:t>
+            </a:r>
+            <a:endParaRPr lang="es-ES" dirty="0"/>
+          </a:p>
+        </p:txBody>
+      </p:sp>
+      <p:sp>
+        <p:nvSpPr>
+          <p:cNvPr id="3" name="Marcador de contenido 2">
+            <a:extLst>
+              <a:ext uri="{FF2B5EF4-FFF2-40B4-BE49-F238E27FC236}">
+                <a16:creationId xmlns:a16="http://schemas.microsoft.com/office/drawing/2014/main" id="{09BA3302-2369-20CE-ACFE-6E264811CEF9}"/>
+              </a:ext>
+            </a:extLst>
+          </p:cNvPr>
+          <p:cNvSpPr>
+            <a:spLocks noGrp="1"/>
+          </p:cNvSpPr>
+          <p:nvPr>
+            <p:ph idx="1"/>
+          </p:nvPr>
+        </p:nvSpPr>
+        <p:spPr>
+          <a:xfrm>
+            <a:off x="680321" y="2336872"/>
+            <a:ext cx="9613861" cy="4015801"/>
+          </a:xfrm>
+        </p:spPr>
+        <p:txBody>
+          <a:bodyPr>
+            <a:normAutofit/>
+          </a:bodyPr>
+          <a:lstStyle/>
+          <a:p>
+            <a:pPr marL="0" indent="0">
+              <a:spcBef>
+                <a:spcPts val="1200"/>
+              </a:spcBef>
+              <a:spcAft>
+                <a:spcPts val="600"/>
+              </a:spcAft>
+              <a:buNone/>
+            </a:pPr>
+            <a:r>
+              <a:rPr lang="es-ES" sz="1800" b="1" dirty="0">
+                <a:solidFill>
+                  <a:schemeClr val="bg1"/>
+                </a:solidFill>
+              </a:rPr>
+              <a:t>Pedidos:</a:t>
+            </a:r>
+          </a:p>
+          <a:p>
+            <a:pPr>
+              <a:spcBef>
+                <a:spcPts val="1200"/>
+              </a:spcBef>
+              <a:spcAft>
+                <a:spcPts val="600"/>
+              </a:spcAft>
+            </a:pPr>
+            <a:r>
+              <a:rPr lang="es-ES" sz="1800" b="1" dirty="0">
+                <a:solidFill>
+                  <a:schemeClr val="bg1"/>
+                </a:solidFill>
+              </a:rPr>
+              <a:t>GET /api/</a:t>
+            </a:r>
+            <a:r>
+              <a:rPr lang="es-ES" sz="1800" b="1" dirty="0" err="1">
+                <a:solidFill>
+                  <a:schemeClr val="bg1"/>
+                </a:solidFill>
+              </a:rPr>
+              <a:t>orders</a:t>
+            </a:r>
+            <a:r>
+              <a:rPr lang="es-ES" sz="1800" b="1" dirty="0">
+                <a:solidFill>
+                  <a:schemeClr val="bg1"/>
+                </a:solidFill>
+              </a:rPr>
+              <a:t>/ - Mis pedidos</a:t>
+            </a:r>
+          </a:p>
+          <a:p>
+            <a:pPr>
+              <a:spcBef>
+                <a:spcPts val="1200"/>
+              </a:spcBef>
+              <a:spcAft>
+                <a:spcPts val="600"/>
+              </a:spcAft>
+            </a:pPr>
+            <a:r>
+              <a:rPr lang="es-ES" sz="1800" b="1" dirty="0">
+                <a:solidFill>
+                  <a:schemeClr val="bg1"/>
+                </a:solidFill>
+              </a:rPr>
+              <a:t>POST /api/</a:t>
+            </a:r>
+            <a:r>
+              <a:rPr lang="es-ES" sz="1800" b="1" dirty="0" err="1">
+                <a:solidFill>
+                  <a:schemeClr val="bg1"/>
+                </a:solidFill>
+              </a:rPr>
+              <a:t>orders</a:t>
+            </a:r>
+            <a:r>
+              <a:rPr lang="es-ES" sz="1800" b="1" dirty="0">
+                <a:solidFill>
+                  <a:schemeClr val="bg1"/>
+                </a:solidFill>
+              </a:rPr>
+              <a:t>/ - Crear pedido</a:t>
+            </a:r>
+          </a:p>
+          <a:p>
+            <a:pPr>
+              <a:spcBef>
+                <a:spcPts val="1200"/>
+              </a:spcBef>
+              <a:spcAft>
+                <a:spcPts val="600"/>
+              </a:spcAft>
+            </a:pPr>
+            <a:r>
+              <a:rPr lang="es-ES" sz="1800" b="1" dirty="0">
+                <a:solidFill>
+                  <a:schemeClr val="bg1"/>
+                </a:solidFill>
+              </a:rPr>
+              <a:t>PATCH /api/</a:t>
+            </a:r>
+            <a:r>
+              <a:rPr lang="es-ES" sz="1800" b="1" dirty="0" err="1">
+                <a:solidFill>
+                  <a:schemeClr val="bg1"/>
+                </a:solidFill>
+              </a:rPr>
+              <a:t>orders</a:t>
+            </a:r>
+            <a:r>
+              <a:rPr lang="es-ES" sz="1800" b="1" dirty="0">
+                <a:solidFill>
+                  <a:schemeClr val="bg1"/>
+                </a:solidFill>
+              </a:rPr>
+              <a:t>/:id/cancel/ - Cancelar</a:t>
+            </a:r>
+          </a:p>
+          <a:p>
+            <a:pPr marL="0" indent="0">
+              <a:spcBef>
+                <a:spcPts val="1200"/>
+              </a:spcBef>
+              <a:spcAft>
+                <a:spcPts val="600"/>
+              </a:spcAft>
+              <a:buNone/>
+            </a:pPr>
+            <a:r>
+              <a:rPr lang="es-ES" sz="1800" b="1" dirty="0">
+                <a:solidFill>
+                  <a:schemeClr val="bg1"/>
+                </a:solidFill>
+              </a:rPr>
+              <a:t>Reseñas:</a:t>
+            </a:r>
+          </a:p>
+          <a:p>
+            <a:pPr>
+              <a:spcBef>
+                <a:spcPts val="1200"/>
+              </a:spcBef>
+              <a:spcAft>
+                <a:spcPts val="600"/>
+              </a:spcAft>
+            </a:pPr>
+            <a:r>
+              <a:rPr lang="es-ES" sz="1800" b="1" dirty="0">
+                <a:solidFill>
+                  <a:schemeClr val="bg1"/>
+                </a:solidFill>
+              </a:rPr>
+              <a:t>GET /api/</a:t>
+            </a:r>
+            <a:r>
+              <a:rPr lang="es-ES" sz="1800" b="1" dirty="0" err="1">
+                <a:solidFill>
+                  <a:schemeClr val="bg1"/>
+                </a:solidFill>
+              </a:rPr>
+              <a:t>reviews</a:t>
+            </a:r>
+            <a:r>
+              <a:rPr lang="es-ES" sz="1800" b="1" dirty="0">
+                <a:solidFill>
+                  <a:schemeClr val="bg1"/>
+                </a:solidFill>
+              </a:rPr>
+              <a:t>/?</a:t>
+            </a:r>
+            <a:r>
+              <a:rPr lang="es-ES" sz="1800" b="1" dirty="0" err="1">
+                <a:solidFill>
+                  <a:schemeClr val="bg1"/>
+                </a:solidFill>
+              </a:rPr>
+              <a:t>products</a:t>
+            </a:r>
+            <a:r>
+              <a:rPr lang="es-ES" sz="1800" b="1" dirty="0">
+                <a:solidFill>
+                  <a:schemeClr val="bg1"/>
+                </a:solidFill>
+              </a:rPr>
+              <a:t>=:id – Por producto</a:t>
+            </a:r>
+          </a:p>
+          <a:p>
+            <a:pPr>
+              <a:spcBef>
+                <a:spcPts val="1200"/>
+              </a:spcBef>
+              <a:spcAft>
+                <a:spcPts val="600"/>
+              </a:spcAft>
+            </a:pPr>
+            <a:r>
+              <a:rPr lang="es-ES" sz="1800" b="1" dirty="0">
+                <a:solidFill>
+                  <a:schemeClr val="bg1"/>
+                </a:solidFill>
+              </a:rPr>
+              <a:t>POST /api/</a:t>
+            </a:r>
+            <a:r>
+              <a:rPr lang="es-ES" sz="1800" b="1" dirty="0" err="1">
+                <a:solidFill>
+                  <a:schemeClr val="bg1"/>
+                </a:solidFill>
+              </a:rPr>
+              <a:t>reviews</a:t>
+            </a:r>
+            <a:r>
+              <a:rPr lang="es-ES" sz="1800" b="1" dirty="0">
+                <a:solidFill>
+                  <a:schemeClr val="bg1"/>
+                </a:solidFill>
+              </a:rPr>
+              <a:t>/ - Crear reseña</a:t>
+            </a:r>
+            <a:endParaRPr lang="es-ES" sz="2000" b="1" dirty="0">
+              <a:solidFill>
+                <a:schemeClr val="bg1"/>
+              </a:solidFill>
+            </a:endParaRPr>
+          </a:p>
+        </p:txBody>
+      </p:sp>
+    </p:spTree>
+    <p:extLst>
+      <p:ext uri="{BB962C8B-B14F-4D97-AF65-F5344CB8AC3E}">
+        <p14:creationId xmlns:p14="http://schemas.microsoft.com/office/powerpoint/2010/main" val="3572224906"/>
+      </p:ext>
+    </p:extLst>
+  </p:cSld>
+  <p:clrMapOvr>
+    <a:masterClrMapping/>
+  </p:clrMapOvr>
+</p:sld>
+</file>
+
+<file path=ppt/slides/slide15.xml><?xml version="1.0" encoding="utf-8"?>
+<p:sld xmlns:a="http://schemas.openxmlformats.org/drawingml/2006/main" xmlns:r="http://schemas.openxmlformats.org/officeDocument/2006/relationships" xmlns:p="http://schemas.openxmlformats.org/presentationml/2006/main">
+  <p:cSld>
+    <p:spTree>
+      <p:nvGrpSpPr>
+        <p:cNvPr id="1" name=""/>
+        <p:cNvGrpSpPr/>
+        <p:nvPr/>
+      </p:nvGrpSpPr>
+      <p:grpSpPr>
+        <a:xfrm>
+          <a:off x="0" y="0"/>
+          <a:ext cx="0" cy="0"/>
+          <a:chOff x="0" y="0"/>
+          <a:chExt cx="0" cy="0"/>
+        </a:xfrm>
+      </p:grpSpPr>
+      <p:sp>
+        <p:nvSpPr>
+          <p:cNvPr id="2" name="Título 1">
+            <a:extLst>
+              <a:ext uri="{FF2B5EF4-FFF2-40B4-BE49-F238E27FC236}">
+                <a16:creationId xmlns:a16="http://schemas.microsoft.com/office/drawing/2014/main" id="{29CADE42-7A37-5EE7-ACF5-D442CE05DE68}"/>
+              </a:ext>
+            </a:extLst>
+          </p:cNvPr>
+          <p:cNvSpPr>
+            <a:spLocks noGrp="1"/>
+          </p:cNvSpPr>
+          <p:nvPr>
+            <p:ph type="title"/>
+          </p:nvPr>
+        </p:nvSpPr>
+        <p:spPr/>
+        <p:txBody>
+          <a:bodyPr/>
+          <a:lstStyle/>
+          <a:p>
+            <a:r>
+              <a:rPr lang="es-ES" dirty="0"/>
+              <a:t>Sistema de autenticación</a:t>
+            </a:r>
+          </a:p>
+        </p:txBody>
+      </p:sp>
+      <p:sp>
+        <p:nvSpPr>
+          <p:cNvPr id="3" name="Marcador de contenido 2">
+            <a:extLst>
+              <a:ext uri="{FF2B5EF4-FFF2-40B4-BE49-F238E27FC236}">
+                <a16:creationId xmlns:a16="http://schemas.microsoft.com/office/drawing/2014/main" id="{6A59C585-0CAE-293C-B317-0FED84A7F9CB}"/>
+              </a:ext>
+            </a:extLst>
+          </p:cNvPr>
+          <p:cNvSpPr>
+            <a:spLocks noGrp="1"/>
+          </p:cNvSpPr>
+          <p:nvPr>
+            <p:ph idx="1"/>
+          </p:nvPr>
+        </p:nvSpPr>
+        <p:spPr>
+          <a:xfrm>
+            <a:off x="680321" y="2336872"/>
+            <a:ext cx="9613861" cy="4063927"/>
+          </a:xfrm>
+        </p:spPr>
+        <p:txBody>
+          <a:bodyPr>
+            <a:normAutofit/>
+          </a:bodyPr>
+          <a:lstStyle/>
+          <a:p>
+            <a:pPr marL="0" indent="0">
+              <a:buNone/>
+            </a:pPr>
+            <a:r>
+              <a:rPr lang="es-ES" b="1" dirty="0">
+                <a:solidFill>
+                  <a:schemeClr val="bg1"/>
+                </a:solidFill>
+              </a:rPr>
+              <a:t>Flujo de Autenticación:</a:t>
+            </a:r>
+            <a:endParaRPr lang="es-ES" dirty="0">
+              <a:solidFill>
+                <a:schemeClr val="bg1"/>
+              </a:solidFill>
+            </a:endParaRPr>
+          </a:p>
+          <a:p>
+            <a:pPr marL="457200" indent="-457200">
+              <a:buFont typeface="+mj-lt"/>
+              <a:buAutoNum type="arabicPeriod"/>
+            </a:pPr>
+            <a:r>
+              <a:rPr lang="es-ES" b="1" dirty="0">
+                <a:solidFill>
+                  <a:schemeClr val="bg1"/>
+                </a:solidFill>
+              </a:rPr>
+              <a:t>Registro/</a:t>
+            </a:r>
+            <a:r>
+              <a:rPr lang="es-ES" b="1" dirty="0" err="1">
+                <a:solidFill>
+                  <a:schemeClr val="bg1"/>
+                </a:solidFill>
+              </a:rPr>
+              <a:t>Login</a:t>
+            </a:r>
+            <a:r>
+              <a:rPr lang="es-ES" dirty="0">
+                <a:solidFill>
+                  <a:schemeClr val="bg1"/>
+                </a:solidFill>
+              </a:rPr>
+              <a:t> → </a:t>
+            </a:r>
+            <a:r>
+              <a:rPr lang="es-ES" dirty="0" err="1">
+                <a:solidFill>
+                  <a:schemeClr val="bg1"/>
+                </a:solidFill>
+              </a:rPr>
+              <a:t>Backend</a:t>
+            </a:r>
+            <a:r>
+              <a:rPr lang="es-ES" dirty="0">
+                <a:solidFill>
+                  <a:schemeClr val="bg1"/>
+                </a:solidFill>
+              </a:rPr>
+              <a:t> genera 2 tokens </a:t>
+            </a:r>
+          </a:p>
+          <a:p>
+            <a:pPr lvl="1"/>
+            <a:r>
+              <a:rPr lang="es-ES" dirty="0">
+                <a:solidFill>
+                  <a:schemeClr val="bg1"/>
+                </a:solidFill>
+              </a:rPr>
+              <a:t>Access Token (1 día)</a:t>
+            </a:r>
+          </a:p>
+          <a:p>
+            <a:pPr lvl="1"/>
+            <a:r>
+              <a:rPr lang="es-ES" dirty="0" err="1">
+                <a:solidFill>
+                  <a:schemeClr val="bg1"/>
+                </a:solidFill>
+              </a:rPr>
+              <a:t>Refresh</a:t>
+            </a:r>
+            <a:r>
+              <a:rPr lang="es-ES" dirty="0">
+                <a:solidFill>
+                  <a:schemeClr val="bg1"/>
+                </a:solidFill>
+              </a:rPr>
+              <a:t> Token (7 días)</a:t>
+            </a:r>
+          </a:p>
+          <a:p>
+            <a:pPr marL="457200" indent="-457200">
+              <a:buFont typeface="+mj-lt"/>
+              <a:buAutoNum type="arabicPeriod"/>
+            </a:pPr>
+            <a:r>
+              <a:rPr lang="es-ES" b="1" dirty="0">
+                <a:solidFill>
+                  <a:schemeClr val="bg1"/>
+                </a:solidFill>
+              </a:rPr>
+              <a:t>Peticiones</a:t>
+            </a:r>
+            <a:r>
+              <a:rPr lang="es-ES" dirty="0">
+                <a:solidFill>
+                  <a:schemeClr val="bg1"/>
+                </a:solidFill>
+              </a:rPr>
+              <a:t> → </a:t>
+            </a:r>
+            <a:r>
+              <a:rPr lang="es-ES" dirty="0" err="1">
+                <a:solidFill>
+                  <a:schemeClr val="bg1"/>
+                </a:solidFill>
+              </a:rPr>
+              <a:t>Frontend</a:t>
+            </a:r>
+            <a:r>
+              <a:rPr lang="es-ES" dirty="0">
+                <a:solidFill>
+                  <a:schemeClr val="bg1"/>
+                </a:solidFill>
+              </a:rPr>
+              <a:t> envía Access Token </a:t>
+            </a:r>
+          </a:p>
+          <a:p>
+            <a:pPr lvl="1"/>
+            <a:r>
+              <a:rPr lang="es-ES" dirty="0" err="1">
+                <a:solidFill>
+                  <a:schemeClr val="bg1"/>
+                </a:solidFill>
+              </a:rPr>
+              <a:t>Header</a:t>
+            </a:r>
+            <a:r>
+              <a:rPr lang="es-ES" dirty="0">
+                <a:solidFill>
+                  <a:schemeClr val="bg1"/>
+                </a:solidFill>
+              </a:rPr>
+              <a:t>: </a:t>
+            </a:r>
+            <a:r>
+              <a:rPr lang="es-ES" dirty="0" err="1">
+                <a:solidFill>
+                  <a:schemeClr val="bg1"/>
+                </a:solidFill>
+              </a:rPr>
+              <a:t>Authorization</a:t>
+            </a:r>
+            <a:r>
+              <a:rPr lang="es-ES" dirty="0">
+                <a:solidFill>
+                  <a:schemeClr val="bg1"/>
+                </a:solidFill>
+              </a:rPr>
+              <a:t>: </a:t>
+            </a:r>
+            <a:r>
+              <a:rPr lang="es-ES" dirty="0" err="1">
+                <a:solidFill>
+                  <a:schemeClr val="bg1"/>
+                </a:solidFill>
+              </a:rPr>
+              <a:t>Bearer</a:t>
+            </a:r>
+            <a:r>
+              <a:rPr lang="es-ES" dirty="0">
+                <a:solidFill>
+                  <a:schemeClr val="bg1"/>
+                </a:solidFill>
+              </a:rPr>
+              <a:t> {token}</a:t>
+            </a:r>
+          </a:p>
+          <a:p>
+            <a:pPr marL="457200" indent="-457200">
+              <a:buFont typeface="+mj-lt"/>
+              <a:buAutoNum type="arabicPeriod"/>
+            </a:pPr>
+            <a:r>
+              <a:rPr lang="es-ES" b="1" dirty="0">
+                <a:solidFill>
+                  <a:schemeClr val="bg1"/>
+                </a:solidFill>
+              </a:rPr>
+              <a:t>Token Expira</a:t>
+            </a:r>
+            <a:r>
+              <a:rPr lang="es-ES" dirty="0">
+                <a:solidFill>
+                  <a:schemeClr val="bg1"/>
+                </a:solidFill>
+              </a:rPr>
+              <a:t> → Axios renueva automáticamente </a:t>
+            </a:r>
+          </a:p>
+          <a:p>
+            <a:pPr lvl="1"/>
+            <a:r>
+              <a:rPr lang="es-ES" dirty="0">
+                <a:solidFill>
+                  <a:schemeClr val="bg1"/>
+                </a:solidFill>
+              </a:rPr>
+              <a:t>Usa </a:t>
+            </a:r>
+            <a:r>
+              <a:rPr lang="es-ES" dirty="0" err="1">
+                <a:solidFill>
+                  <a:schemeClr val="bg1"/>
+                </a:solidFill>
+              </a:rPr>
+              <a:t>Refresh</a:t>
+            </a:r>
+            <a:r>
+              <a:rPr lang="es-ES" dirty="0">
+                <a:solidFill>
+                  <a:schemeClr val="bg1"/>
+                </a:solidFill>
+              </a:rPr>
+              <a:t> Token</a:t>
+            </a:r>
+          </a:p>
+          <a:p>
+            <a:pPr lvl="1"/>
+            <a:r>
+              <a:rPr lang="es-ES" dirty="0">
+                <a:solidFill>
+                  <a:schemeClr val="bg1"/>
+                </a:solidFill>
+              </a:rPr>
+              <a:t>Obtiene nuevo Access Token</a:t>
+            </a:r>
+          </a:p>
+          <a:p>
+            <a:pPr marL="457200" indent="-457200">
+              <a:buFont typeface="+mj-lt"/>
+              <a:buAutoNum type="arabicPeriod"/>
+            </a:pPr>
+            <a:r>
+              <a:rPr lang="es-ES" b="1" dirty="0" err="1">
+                <a:solidFill>
+                  <a:schemeClr val="bg1"/>
+                </a:solidFill>
+              </a:rPr>
+              <a:t>Logout</a:t>
+            </a:r>
+            <a:r>
+              <a:rPr lang="es-ES" dirty="0">
+                <a:solidFill>
+                  <a:schemeClr val="bg1"/>
+                </a:solidFill>
+              </a:rPr>
+              <a:t> → Token va a </a:t>
+            </a:r>
+            <a:r>
+              <a:rPr lang="es-ES" dirty="0" err="1">
+                <a:solidFill>
+                  <a:schemeClr val="bg1"/>
+                </a:solidFill>
+              </a:rPr>
+              <a:t>blacklist</a:t>
+            </a:r>
+            <a:endParaRPr lang="es-ES" dirty="0">
+              <a:solidFill>
+                <a:schemeClr val="bg1"/>
+              </a:solidFill>
+            </a:endParaRPr>
+          </a:p>
+          <a:p>
+            <a:endParaRPr lang="es-ES" dirty="0"/>
+          </a:p>
+        </p:txBody>
+      </p:sp>
+    </p:spTree>
+    <p:extLst>
+      <p:ext uri="{BB962C8B-B14F-4D97-AF65-F5344CB8AC3E}">
+        <p14:creationId xmlns:p14="http://schemas.microsoft.com/office/powerpoint/2010/main" val="333575657"/>
+      </p:ext>
+    </p:extLst>
+  </p:cSld>
+  <p:clrMapOvr>
+    <a:masterClrMapping/>
+  </p:clrMapOvr>
+</p:sld>
+</file>
+
+<file path=ppt/slides/slide16.xml><?xml version="1.0" encoding="utf-8"?>
+<p:sld xmlns:a="http://schemas.openxmlformats.org/drawingml/2006/main" xmlns:r="http://schemas.openxmlformats.org/officeDocument/2006/relationships" xmlns:p="http://schemas.openxmlformats.org/presentationml/2006/main">
+  <p:cSld>
+    <p:spTree>
+      <p:nvGrpSpPr>
+        <p:cNvPr id="1" name=""/>
+        <p:cNvGrpSpPr/>
+        <p:nvPr/>
+      </p:nvGrpSpPr>
+      <p:grpSpPr>
+        <a:xfrm>
+          <a:off x="0" y="0"/>
+          <a:ext cx="0" cy="0"/>
+          <a:chOff x="0" y="0"/>
+          <a:chExt cx="0" cy="0"/>
+        </a:xfrm>
+      </p:grpSpPr>
+      <p:sp>
+        <p:nvSpPr>
+          <p:cNvPr id="2" name="Título 1">
+            <a:extLst>
+              <a:ext uri="{FF2B5EF4-FFF2-40B4-BE49-F238E27FC236}">
+                <a16:creationId xmlns:a16="http://schemas.microsoft.com/office/drawing/2014/main" id="{156D7233-053C-8D5F-9394-EF6775E49187}"/>
+              </a:ext>
+            </a:extLst>
+          </p:cNvPr>
+          <p:cNvSpPr>
+            <a:spLocks noGrp="1"/>
+          </p:cNvSpPr>
+          <p:nvPr>
+            <p:ph type="title"/>
+          </p:nvPr>
+        </p:nvSpPr>
+        <p:spPr/>
+        <p:txBody>
+          <a:bodyPr/>
+          <a:lstStyle/>
+          <a:p>
+            <a:r>
+              <a:rPr lang="es-ES" dirty="0"/>
+              <a:t>Sistema de autenticación</a:t>
+            </a:r>
+          </a:p>
+        </p:txBody>
+      </p:sp>
+      <p:sp>
+        <p:nvSpPr>
+          <p:cNvPr id="3" name="Marcador de contenido 2">
+            <a:extLst>
+              <a:ext uri="{FF2B5EF4-FFF2-40B4-BE49-F238E27FC236}">
+                <a16:creationId xmlns:a16="http://schemas.microsoft.com/office/drawing/2014/main" id="{5694D061-A63E-DC5B-890B-4168E3E6072A}"/>
+              </a:ext>
+            </a:extLst>
+          </p:cNvPr>
+          <p:cNvSpPr>
+            <a:spLocks noGrp="1"/>
+          </p:cNvSpPr>
+          <p:nvPr>
+            <p:ph idx="1"/>
+          </p:nvPr>
+        </p:nvSpPr>
+        <p:spPr>
+          <a:xfrm>
+            <a:off x="680321" y="2336873"/>
+            <a:ext cx="9613861" cy="4093744"/>
+          </a:xfrm>
+        </p:spPr>
+        <p:txBody>
+          <a:bodyPr>
+            <a:normAutofit fontScale="92500" lnSpcReduction="10000"/>
+          </a:bodyPr>
+          <a:lstStyle/>
+          <a:p>
+            <a:pPr marL="0" indent="0">
+              <a:buNone/>
+            </a:pPr>
+            <a:r>
+              <a:rPr lang="es-ES" b="1" dirty="0">
+                <a:solidFill>
+                  <a:schemeClr val="bg1"/>
+                </a:solidFill>
+              </a:rPr>
+              <a:t>Seguridad:</a:t>
+            </a:r>
+            <a:endParaRPr lang="es-ES" dirty="0">
+              <a:solidFill>
+                <a:schemeClr val="bg1"/>
+              </a:solidFill>
+            </a:endParaRPr>
+          </a:p>
+          <a:p>
+            <a:r>
+              <a:rPr lang="es-ES" dirty="0" err="1">
+                <a:solidFill>
+                  <a:schemeClr val="bg1"/>
+                </a:solidFill>
+              </a:rPr>
+              <a:t>Passwords</a:t>
+            </a:r>
+            <a:r>
+              <a:rPr lang="es-ES" dirty="0">
+                <a:solidFill>
+                  <a:schemeClr val="bg1"/>
+                </a:solidFill>
+              </a:rPr>
+              <a:t> </a:t>
+            </a:r>
+            <a:r>
+              <a:rPr lang="es-ES" dirty="0" err="1">
+                <a:solidFill>
+                  <a:schemeClr val="bg1"/>
+                </a:solidFill>
+              </a:rPr>
+              <a:t>hasheados</a:t>
+            </a:r>
+            <a:r>
+              <a:rPr lang="es-ES" dirty="0">
+                <a:solidFill>
+                  <a:schemeClr val="bg1"/>
+                </a:solidFill>
+              </a:rPr>
+              <a:t> (</a:t>
+            </a:r>
+            <a:r>
+              <a:rPr lang="es-ES" dirty="0" err="1">
+                <a:solidFill>
+                  <a:schemeClr val="bg1"/>
+                </a:solidFill>
+              </a:rPr>
+              <a:t>bcrypt</a:t>
+            </a:r>
+            <a:r>
+              <a:rPr lang="es-ES" dirty="0">
+                <a:solidFill>
+                  <a:schemeClr val="bg1"/>
+                </a:solidFill>
+              </a:rPr>
+              <a:t>)</a:t>
+            </a:r>
+          </a:p>
+          <a:p>
+            <a:r>
+              <a:rPr lang="es-ES" dirty="0">
+                <a:solidFill>
+                  <a:schemeClr val="bg1"/>
+                </a:solidFill>
+              </a:rPr>
+              <a:t>Tokens firmados (HMAC)</a:t>
+            </a:r>
+          </a:p>
+          <a:p>
+            <a:r>
+              <a:rPr lang="es-ES" dirty="0">
+                <a:solidFill>
+                  <a:schemeClr val="bg1"/>
+                </a:solidFill>
+              </a:rPr>
+              <a:t>CORS configurado</a:t>
+            </a:r>
+          </a:p>
+          <a:p>
+            <a:r>
+              <a:rPr lang="es-ES" dirty="0" err="1">
+                <a:solidFill>
+                  <a:schemeClr val="bg1"/>
+                </a:solidFill>
+              </a:rPr>
+              <a:t>Rate</a:t>
+            </a:r>
+            <a:r>
+              <a:rPr lang="es-ES" dirty="0">
+                <a:solidFill>
+                  <a:schemeClr val="bg1"/>
+                </a:solidFill>
+              </a:rPr>
+              <a:t> </a:t>
+            </a:r>
+            <a:r>
+              <a:rPr lang="es-ES" dirty="0" err="1">
+                <a:solidFill>
+                  <a:schemeClr val="bg1"/>
+                </a:solidFill>
+              </a:rPr>
+              <a:t>limiting</a:t>
+            </a:r>
+            <a:endParaRPr lang="es-ES" dirty="0">
+              <a:solidFill>
+                <a:schemeClr val="bg1"/>
+              </a:solidFill>
+            </a:endParaRPr>
+          </a:p>
+          <a:p>
+            <a:pPr>
+              <a:spcAft>
+                <a:spcPts val="1200"/>
+              </a:spcAft>
+            </a:pPr>
+            <a:r>
+              <a:rPr lang="es-ES" dirty="0" err="1">
+                <a:solidFill>
+                  <a:schemeClr val="bg1"/>
+                </a:solidFill>
+              </a:rPr>
+              <a:t>Blacklist</a:t>
+            </a:r>
+            <a:r>
+              <a:rPr lang="es-ES" dirty="0">
+                <a:solidFill>
+                  <a:schemeClr val="bg1"/>
+                </a:solidFill>
+              </a:rPr>
+              <a:t> de tokens</a:t>
+            </a:r>
+          </a:p>
+          <a:p>
+            <a:pPr marL="0" indent="0">
+              <a:buNone/>
+            </a:pPr>
+            <a:r>
+              <a:rPr lang="es-ES" b="1" dirty="0">
+                <a:solidFill>
+                  <a:schemeClr val="bg1"/>
+                </a:solidFill>
+              </a:rPr>
+              <a:t>Ventajas:</a:t>
+            </a:r>
+            <a:endParaRPr lang="es-ES" dirty="0">
+              <a:solidFill>
+                <a:schemeClr val="bg1"/>
+              </a:solidFill>
+            </a:endParaRPr>
+          </a:p>
+          <a:p>
+            <a:r>
+              <a:rPr lang="es-ES" dirty="0">
+                <a:solidFill>
+                  <a:schemeClr val="bg1"/>
+                </a:solidFill>
+              </a:rPr>
+              <a:t>Escalable</a:t>
+            </a:r>
+          </a:p>
+          <a:p>
+            <a:r>
+              <a:rPr lang="es-ES" dirty="0">
+                <a:solidFill>
+                  <a:schemeClr val="bg1"/>
+                </a:solidFill>
+              </a:rPr>
+              <a:t>Seguro</a:t>
+            </a:r>
+          </a:p>
+          <a:p>
+            <a:r>
+              <a:rPr lang="es-ES" dirty="0">
+                <a:solidFill>
+                  <a:schemeClr val="bg1"/>
+                </a:solidFill>
+              </a:rPr>
+              <a:t>Mobile-</a:t>
+            </a:r>
+            <a:r>
+              <a:rPr lang="es-ES" dirty="0" err="1">
+                <a:solidFill>
+                  <a:schemeClr val="bg1"/>
+                </a:solidFill>
+              </a:rPr>
+              <a:t>friendly</a:t>
+            </a:r>
+            <a:endParaRPr lang="es-ES" dirty="0">
+              <a:solidFill>
+                <a:schemeClr val="bg1"/>
+              </a:solidFill>
+            </a:endParaRPr>
+          </a:p>
+          <a:p>
+            <a:endParaRPr lang="es-ES" dirty="0"/>
+          </a:p>
+        </p:txBody>
+      </p:sp>
+    </p:spTree>
+    <p:extLst>
+      <p:ext uri="{BB962C8B-B14F-4D97-AF65-F5344CB8AC3E}">
+        <p14:creationId xmlns:p14="http://schemas.microsoft.com/office/powerpoint/2010/main" val="2902907512"/>
+      </p:ext>
+    </p:extLst>
+  </p:cSld>
+  <p:clrMapOvr>
+    <a:masterClrMapping/>
+  </p:clrMapOvr>
+</p:sld>
+</file>
+
+<file path=ppt/slides/slide17.xml><?xml version="1.0" encoding="utf-8"?>
+<p:sld xmlns:a="http://schemas.openxmlformats.org/drawingml/2006/main" xmlns:r="http://schemas.openxmlformats.org/officeDocument/2006/relationships" xmlns:p="http://schemas.openxmlformats.org/presentationml/2006/main">
+  <p:cSld>
+    <p:spTree>
+      <p:nvGrpSpPr>
+        <p:cNvPr id="1" name=""/>
+        <p:cNvGrpSpPr/>
+        <p:nvPr/>
+      </p:nvGrpSpPr>
+      <p:grpSpPr>
+        <a:xfrm>
+          <a:off x="0" y="0"/>
+          <a:ext cx="0" cy="0"/>
+          <a:chOff x="0" y="0"/>
+          <a:chExt cx="0" cy="0"/>
+        </a:xfrm>
+      </p:grpSpPr>
+      <p:sp>
+        <p:nvSpPr>
+          <p:cNvPr id="2" name="Título 1">
+            <a:extLst>
+              <a:ext uri="{FF2B5EF4-FFF2-40B4-BE49-F238E27FC236}">
+                <a16:creationId xmlns:a16="http://schemas.microsoft.com/office/drawing/2014/main" id="{4AE2379E-D76D-5D84-D25C-9D67B6AF5E89}"/>
+              </a:ext>
+            </a:extLst>
+          </p:cNvPr>
+          <p:cNvSpPr>
+            <a:spLocks noGrp="1"/>
+          </p:cNvSpPr>
+          <p:nvPr>
+            <p:ph type="title"/>
+          </p:nvPr>
+        </p:nvSpPr>
+        <p:spPr/>
+        <p:txBody>
+          <a:bodyPr/>
+          <a:lstStyle/>
+          <a:p>
+            <a:r>
+              <a:rPr lang="es-ES" dirty="0"/>
+              <a:t>Funcionalidades clave</a:t>
+            </a:r>
+          </a:p>
+        </p:txBody>
+      </p:sp>
+      <p:sp>
+        <p:nvSpPr>
+          <p:cNvPr id="3" name="Marcador de contenido 2">
+            <a:extLst>
+              <a:ext uri="{FF2B5EF4-FFF2-40B4-BE49-F238E27FC236}">
+                <a16:creationId xmlns:a16="http://schemas.microsoft.com/office/drawing/2014/main" id="{BFE6466D-EA49-62BD-59C0-C123E57E2916}"/>
+              </a:ext>
+            </a:extLst>
+          </p:cNvPr>
+          <p:cNvSpPr>
+            <a:spLocks noGrp="1"/>
+          </p:cNvSpPr>
+          <p:nvPr>
+            <p:ph idx="1"/>
+          </p:nvPr>
+        </p:nvSpPr>
+        <p:spPr>
+          <a:xfrm>
+            <a:off x="680321" y="2336873"/>
+            <a:ext cx="9613861" cy="4073866"/>
+          </a:xfrm>
+        </p:spPr>
+        <p:txBody>
+          <a:bodyPr>
+            <a:normAutofit/>
+          </a:bodyPr>
+          <a:lstStyle/>
+          <a:p>
+            <a:r>
+              <a:rPr lang="es-ES" b="1" dirty="0">
+                <a:solidFill>
+                  <a:schemeClr val="bg1"/>
+                </a:solidFill>
+              </a:rPr>
+              <a:t>Para Usuarios:</a:t>
+            </a:r>
+            <a:r>
+              <a:rPr lang="es-ES" dirty="0">
+                <a:solidFill>
+                  <a:schemeClr val="bg1"/>
+                </a:solidFill>
+              </a:rPr>
+              <a:t> </a:t>
+            </a:r>
+          </a:p>
+          <a:p>
+            <a:pPr marL="0" indent="0">
+              <a:buNone/>
+            </a:pPr>
+            <a:r>
+              <a:rPr lang="es-ES" dirty="0">
+                <a:solidFill>
+                  <a:schemeClr val="bg1"/>
+                </a:solidFill>
+              </a:rPr>
+              <a:t>🛒 Catálogo con filtros avanzados </a:t>
+            </a:r>
+          </a:p>
+          <a:p>
+            <a:pPr marL="0" indent="0">
+              <a:buNone/>
+            </a:pPr>
+            <a:r>
+              <a:rPr lang="es-ES" dirty="0">
+                <a:solidFill>
+                  <a:schemeClr val="bg1"/>
+                </a:solidFill>
+              </a:rPr>
+              <a:t>🔍 Búsqueda en tiempo real </a:t>
+            </a:r>
+          </a:p>
+          <a:p>
+            <a:pPr marL="0" indent="0">
+              <a:buNone/>
+            </a:pPr>
+            <a:r>
+              <a:rPr lang="es-ES" dirty="0">
+                <a:solidFill>
+                  <a:schemeClr val="bg1"/>
+                </a:solidFill>
+              </a:rPr>
+              <a:t>🛍️ Carrito de compras persistente </a:t>
+            </a:r>
+          </a:p>
+          <a:p>
+            <a:pPr marL="0" indent="0">
+              <a:buNone/>
+            </a:pPr>
+            <a:r>
+              <a:rPr lang="es-ES" dirty="0">
+                <a:solidFill>
+                  <a:schemeClr val="bg1"/>
+                </a:solidFill>
+              </a:rPr>
+              <a:t>❤️ </a:t>
+            </a:r>
+            <a:r>
+              <a:rPr lang="es-ES" dirty="0" err="1">
+                <a:solidFill>
+                  <a:schemeClr val="bg1"/>
+                </a:solidFill>
+              </a:rPr>
+              <a:t>Wishlist</a:t>
+            </a:r>
+            <a:r>
+              <a:rPr lang="es-ES" dirty="0">
+                <a:solidFill>
+                  <a:schemeClr val="bg1"/>
+                </a:solidFill>
+              </a:rPr>
+              <a:t> (favoritos) </a:t>
+            </a:r>
+          </a:p>
+          <a:p>
+            <a:pPr marL="0" indent="0">
+              <a:buNone/>
+            </a:pPr>
+            <a:r>
+              <a:rPr lang="es-ES" dirty="0">
+                <a:solidFill>
+                  <a:schemeClr val="bg1"/>
+                </a:solidFill>
+              </a:rPr>
+              <a:t>⭐ Sistema de reseñas </a:t>
+            </a:r>
+          </a:p>
+          <a:p>
+            <a:pPr marL="0" indent="0">
+              <a:buNone/>
+            </a:pPr>
+            <a:r>
+              <a:rPr lang="es-ES" dirty="0">
+                <a:solidFill>
+                  <a:schemeClr val="bg1"/>
+                </a:solidFill>
+              </a:rPr>
+              <a:t>📦 Historial de pedidos </a:t>
+            </a:r>
+          </a:p>
+          <a:p>
+            <a:pPr marL="0" indent="0">
+              <a:buNone/>
+            </a:pPr>
+            <a:r>
+              <a:rPr lang="es-ES" dirty="0">
+                <a:solidFill>
+                  <a:schemeClr val="bg1"/>
+                </a:solidFill>
+              </a:rPr>
+              <a:t>🎁 Sistema de puntos </a:t>
+            </a:r>
+          </a:p>
+          <a:p>
+            <a:pPr marL="0" indent="0">
+              <a:buNone/>
+            </a:pPr>
+            <a:r>
+              <a:rPr lang="es-ES" dirty="0">
+                <a:solidFill>
+                  <a:schemeClr val="bg1"/>
+                </a:solidFill>
+              </a:rPr>
+              <a:t>👤 Perfil personalizable</a:t>
+            </a:r>
+          </a:p>
+          <a:p>
+            <a:endParaRPr lang="es-ES" dirty="0"/>
+          </a:p>
+        </p:txBody>
+      </p:sp>
+    </p:spTree>
+    <p:extLst>
+      <p:ext uri="{BB962C8B-B14F-4D97-AF65-F5344CB8AC3E}">
+        <p14:creationId xmlns:p14="http://schemas.microsoft.com/office/powerpoint/2010/main" val="55001930"/>
+      </p:ext>
+    </p:extLst>
+  </p:cSld>
+  <p:clrMapOvr>
+    <a:masterClrMapping/>
+  </p:clrMapOvr>
+</p:sld>
+</file>
+
+<file path=ppt/slides/slide18.xml><?xml version="1.0" encoding="utf-8"?>
+<p:sld xmlns:a="http://schemas.openxmlformats.org/drawingml/2006/main" xmlns:r="http://schemas.openxmlformats.org/officeDocument/2006/relationships" xmlns:p="http://schemas.openxmlformats.org/presentationml/2006/main">
+  <p:cSld>
+    <p:spTree>
+      <p:nvGrpSpPr>
+        <p:cNvPr id="1" name=""/>
+        <p:cNvGrpSpPr/>
+        <p:nvPr/>
+      </p:nvGrpSpPr>
+      <p:grpSpPr>
+        <a:xfrm>
+          <a:off x="0" y="0"/>
+          <a:ext cx="0" cy="0"/>
+          <a:chOff x="0" y="0"/>
+          <a:chExt cx="0" cy="0"/>
+        </a:xfrm>
+      </p:grpSpPr>
+      <p:sp>
+        <p:nvSpPr>
+          <p:cNvPr id="2" name="Título 1">
+            <a:extLst>
+              <a:ext uri="{FF2B5EF4-FFF2-40B4-BE49-F238E27FC236}">
+                <a16:creationId xmlns:a16="http://schemas.microsoft.com/office/drawing/2014/main" id="{88801DB8-026B-30E7-7367-0AAE25CA7F53}"/>
+              </a:ext>
+            </a:extLst>
+          </p:cNvPr>
+          <p:cNvSpPr>
+            <a:spLocks noGrp="1"/>
+          </p:cNvSpPr>
+          <p:nvPr>
+            <p:ph type="title"/>
+          </p:nvPr>
+        </p:nvSpPr>
+        <p:spPr/>
+        <p:txBody>
+          <a:bodyPr/>
+          <a:lstStyle/>
+          <a:p>
+            <a:r>
+              <a:rPr lang="es-ES" dirty="0"/>
+              <a:t>Funcionalidades clave</a:t>
+            </a:r>
+          </a:p>
+        </p:txBody>
+      </p:sp>
+      <p:sp>
+        <p:nvSpPr>
+          <p:cNvPr id="3" name="Marcador de contenido 2">
+            <a:extLst>
+              <a:ext uri="{FF2B5EF4-FFF2-40B4-BE49-F238E27FC236}">
+                <a16:creationId xmlns:a16="http://schemas.microsoft.com/office/drawing/2014/main" id="{F67A99C2-BA3D-8852-1514-60E6EB42E038}"/>
+              </a:ext>
+            </a:extLst>
+          </p:cNvPr>
+          <p:cNvSpPr>
+            <a:spLocks noGrp="1"/>
+          </p:cNvSpPr>
+          <p:nvPr>
+            <p:ph idx="1"/>
+          </p:nvPr>
+        </p:nvSpPr>
+        <p:spPr/>
+        <p:txBody>
+          <a:bodyPr/>
+          <a:lstStyle/>
+          <a:p>
+            <a:r>
+              <a:rPr lang="es-ES" b="1" dirty="0">
+                <a:solidFill>
+                  <a:schemeClr val="bg1"/>
+                </a:solidFill>
+              </a:rPr>
+              <a:t>Para Administradores:</a:t>
+            </a:r>
+            <a:r>
+              <a:rPr lang="es-ES" dirty="0">
+                <a:solidFill>
+                  <a:schemeClr val="bg1"/>
+                </a:solidFill>
+              </a:rPr>
+              <a:t> </a:t>
+            </a:r>
+          </a:p>
+          <a:p>
+            <a:pPr marL="0" indent="0">
+              <a:buNone/>
+            </a:pPr>
+            <a:r>
+              <a:rPr lang="es-ES" dirty="0">
+                <a:solidFill>
+                  <a:schemeClr val="bg1"/>
+                </a:solidFill>
+              </a:rPr>
+              <a:t>📊 </a:t>
+            </a:r>
+            <a:r>
+              <a:rPr lang="es-ES" dirty="0" err="1">
+                <a:solidFill>
+                  <a:schemeClr val="bg1"/>
+                </a:solidFill>
+              </a:rPr>
+              <a:t>Dashboard</a:t>
+            </a:r>
+            <a:r>
+              <a:rPr lang="es-ES" dirty="0">
+                <a:solidFill>
+                  <a:schemeClr val="bg1"/>
+                </a:solidFill>
+              </a:rPr>
+              <a:t> con estadísticas </a:t>
+            </a:r>
+          </a:p>
+          <a:p>
+            <a:pPr marL="0" indent="0">
+              <a:buNone/>
+            </a:pPr>
+            <a:r>
+              <a:rPr lang="es-ES" dirty="0">
+                <a:solidFill>
+                  <a:schemeClr val="bg1"/>
+                </a:solidFill>
+              </a:rPr>
+              <a:t>📦 Gestión de productos (CRUD) </a:t>
+            </a:r>
+          </a:p>
+          <a:p>
+            <a:pPr marL="0" indent="0">
+              <a:buNone/>
+            </a:pPr>
+            <a:r>
+              <a:rPr lang="es-ES" dirty="0">
+                <a:solidFill>
+                  <a:schemeClr val="bg1"/>
+                </a:solidFill>
+              </a:rPr>
+              <a:t>📋 Gestión de pedidos </a:t>
+            </a:r>
+          </a:p>
+          <a:p>
+            <a:pPr marL="0" indent="0">
+              <a:buNone/>
+            </a:pPr>
+            <a:r>
+              <a:rPr lang="es-ES" dirty="0">
+                <a:solidFill>
+                  <a:schemeClr val="bg1"/>
+                </a:solidFill>
+              </a:rPr>
+              <a:t>👥 Gestión de usuarios </a:t>
+            </a:r>
+          </a:p>
+          <a:p>
+            <a:pPr marL="0" indent="0">
+              <a:buNone/>
+            </a:pPr>
+            <a:r>
+              <a:rPr lang="es-ES" dirty="0">
+                <a:solidFill>
+                  <a:schemeClr val="bg1"/>
+                </a:solidFill>
+              </a:rPr>
+              <a:t>🏷️ Gestión de categorías </a:t>
+            </a:r>
+          </a:p>
+          <a:p>
+            <a:pPr marL="0" indent="0">
+              <a:buNone/>
+            </a:pPr>
+            <a:r>
+              <a:rPr lang="es-ES" dirty="0">
+                <a:solidFill>
+                  <a:schemeClr val="bg1"/>
+                </a:solidFill>
+              </a:rPr>
+              <a:t>🔍 Búsqueda y filtros avanzados</a:t>
+            </a:r>
+          </a:p>
+          <a:p>
+            <a:endParaRPr lang="es-ES" dirty="0"/>
+          </a:p>
+        </p:txBody>
+      </p:sp>
+    </p:spTree>
+    <p:extLst>
+      <p:ext uri="{BB962C8B-B14F-4D97-AF65-F5344CB8AC3E}">
+        <p14:creationId xmlns:p14="http://schemas.microsoft.com/office/powerpoint/2010/main" val="314776599"/>
+      </p:ext>
+    </p:extLst>
+  </p:cSld>
+  <p:clrMapOvr>
+    <a:masterClrMapping/>
+  </p:clrMapOvr>
+</p:sld>
+</file>
+
+<file path=ppt/slides/slide19.xml><?xml version="1.0" encoding="utf-8"?>
+<p:sld xmlns:a="http://schemas.openxmlformats.org/drawingml/2006/main" xmlns:r="http://schemas.openxmlformats.org/officeDocument/2006/relationships" xmlns:p="http://schemas.openxmlformats.org/presentationml/2006/main">
+  <p:cSld>
+    <p:spTree>
+      <p:nvGrpSpPr>
+        <p:cNvPr id="1" name=""/>
+        <p:cNvGrpSpPr/>
+        <p:nvPr/>
+      </p:nvGrpSpPr>
+      <p:grpSpPr>
+        <a:xfrm>
+          <a:off x="0" y="0"/>
+          <a:ext cx="0" cy="0"/>
+          <a:chOff x="0" y="0"/>
+          <a:chExt cx="0" cy="0"/>
+        </a:xfrm>
+      </p:grpSpPr>
+      <p:sp>
+        <p:nvSpPr>
+          <p:cNvPr id="2" name="Título 1">
+            <a:extLst>
+              <a:ext uri="{FF2B5EF4-FFF2-40B4-BE49-F238E27FC236}">
+                <a16:creationId xmlns:a16="http://schemas.microsoft.com/office/drawing/2014/main" id="{F7AA7B3E-6C72-5A4B-5EE4-3EA035988553}"/>
+              </a:ext>
+            </a:extLst>
+          </p:cNvPr>
+          <p:cNvSpPr>
+            <a:spLocks noGrp="1"/>
+          </p:cNvSpPr>
+          <p:nvPr>
+            <p:ph type="title"/>
+          </p:nvPr>
+        </p:nvSpPr>
+        <p:spPr/>
+        <p:txBody>
+          <a:bodyPr/>
+          <a:lstStyle/>
+          <a:p>
+            <a:r>
+              <a:rPr lang="es-ES" dirty="0"/>
+              <a:t>Funcionalidades clave</a:t>
+            </a:r>
+          </a:p>
+        </p:txBody>
+      </p:sp>
+      <p:sp>
+        <p:nvSpPr>
+          <p:cNvPr id="3" name="Marcador de contenido 2">
+            <a:extLst>
+              <a:ext uri="{FF2B5EF4-FFF2-40B4-BE49-F238E27FC236}">
+                <a16:creationId xmlns:a16="http://schemas.microsoft.com/office/drawing/2014/main" id="{86BE8D89-3763-773E-4515-0033902A283B}"/>
+              </a:ext>
+            </a:extLst>
+          </p:cNvPr>
+          <p:cNvSpPr>
+            <a:spLocks noGrp="1"/>
+          </p:cNvSpPr>
+          <p:nvPr>
+            <p:ph idx="1"/>
+          </p:nvPr>
+        </p:nvSpPr>
+        <p:spPr/>
+        <p:txBody>
+          <a:bodyPr/>
+          <a:lstStyle/>
+          <a:p>
+            <a:pPr marL="0" indent="0">
+              <a:spcAft>
+                <a:spcPts val="600"/>
+              </a:spcAft>
+              <a:buNone/>
+            </a:pPr>
+            <a:r>
+              <a:rPr lang="es-ES" b="1" dirty="0">
+                <a:solidFill>
+                  <a:schemeClr val="bg1"/>
+                </a:solidFill>
+              </a:rPr>
+              <a:t>Características Técnicas:</a:t>
+            </a:r>
+            <a:endParaRPr lang="es-ES" dirty="0">
+              <a:solidFill>
+                <a:schemeClr val="bg1"/>
+              </a:solidFill>
+            </a:endParaRPr>
+          </a:p>
+          <a:p>
+            <a:pPr>
+              <a:spcAft>
+                <a:spcPts val="600"/>
+              </a:spcAft>
+            </a:pPr>
+            <a:r>
+              <a:rPr lang="es-ES" dirty="0">
+                <a:solidFill>
+                  <a:schemeClr val="bg1"/>
+                </a:solidFill>
+              </a:rPr>
+              <a:t>Responsive </a:t>
+            </a:r>
+            <a:r>
+              <a:rPr lang="es-ES" dirty="0" err="1">
+                <a:solidFill>
+                  <a:schemeClr val="bg1"/>
+                </a:solidFill>
+              </a:rPr>
+              <a:t>design</a:t>
+            </a:r>
+            <a:r>
+              <a:rPr lang="es-ES" dirty="0">
+                <a:solidFill>
+                  <a:schemeClr val="bg1"/>
+                </a:solidFill>
+              </a:rPr>
+              <a:t> (móvil + desktop)</a:t>
+            </a:r>
+          </a:p>
+          <a:p>
+            <a:pPr>
+              <a:spcAft>
+                <a:spcPts val="600"/>
+              </a:spcAft>
+            </a:pPr>
+            <a:r>
+              <a:rPr lang="es-ES" dirty="0" err="1">
+                <a:solidFill>
+                  <a:schemeClr val="bg1"/>
+                </a:solidFill>
+              </a:rPr>
+              <a:t>Optimistic</a:t>
+            </a:r>
+            <a:r>
+              <a:rPr lang="es-ES" dirty="0">
+                <a:solidFill>
+                  <a:schemeClr val="bg1"/>
+                </a:solidFill>
+              </a:rPr>
+              <a:t> UI </a:t>
+            </a:r>
+            <a:r>
+              <a:rPr lang="es-ES" dirty="0" err="1">
+                <a:solidFill>
+                  <a:schemeClr val="bg1"/>
+                </a:solidFill>
+              </a:rPr>
+              <a:t>updates</a:t>
+            </a:r>
+            <a:endParaRPr lang="es-ES" dirty="0">
+              <a:solidFill>
+                <a:schemeClr val="bg1"/>
+              </a:solidFill>
+            </a:endParaRPr>
+          </a:p>
+          <a:p>
+            <a:pPr>
+              <a:spcAft>
+                <a:spcPts val="600"/>
+              </a:spcAft>
+            </a:pPr>
+            <a:r>
+              <a:rPr lang="es-ES" dirty="0" err="1">
+                <a:solidFill>
+                  <a:schemeClr val="bg1"/>
+                </a:solidFill>
+              </a:rPr>
+              <a:t>Loading</a:t>
+            </a:r>
+            <a:r>
+              <a:rPr lang="es-ES" dirty="0">
+                <a:solidFill>
+                  <a:schemeClr val="bg1"/>
+                </a:solidFill>
+              </a:rPr>
+              <a:t> </a:t>
+            </a:r>
+            <a:r>
+              <a:rPr lang="es-ES" dirty="0" err="1">
+                <a:solidFill>
+                  <a:schemeClr val="bg1"/>
+                </a:solidFill>
+              </a:rPr>
+              <a:t>states</a:t>
+            </a:r>
+            <a:endParaRPr lang="es-ES" dirty="0">
+              <a:solidFill>
+                <a:schemeClr val="bg1"/>
+              </a:solidFill>
+            </a:endParaRPr>
+          </a:p>
+          <a:p>
+            <a:pPr>
+              <a:spcAft>
+                <a:spcPts val="600"/>
+              </a:spcAft>
+            </a:pPr>
+            <a:r>
+              <a:rPr lang="es-ES" dirty="0">
+                <a:solidFill>
+                  <a:schemeClr val="bg1"/>
+                </a:solidFill>
+              </a:rPr>
+              <a:t>Error </a:t>
+            </a:r>
+            <a:r>
+              <a:rPr lang="es-ES" dirty="0" err="1">
+                <a:solidFill>
+                  <a:schemeClr val="bg1"/>
+                </a:solidFill>
+              </a:rPr>
+              <a:t>handling</a:t>
+            </a:r>
+            <a:endParaRPr lang="es-ES" dirty="0">
+              <a:solidFill>
+                <a:schemeClr val="bg1"/>
+              </a:solidFill>
+            </a:endParaRPr>
+          </a:p>
+          <a:p>
+            <a:pPr>
+              <a:spcAft>
+                <a:spcPts val="600"/>
+              </a:spcAft>
+            </a:pPr>
+            <a:r>
+              <a:rPr lang="es-ES" dirty="0">
+                <a:solidFill>
+                  <a:schemeClr val="bg1"/>
+                </a:solidFill>
+              </a:rPr>
+              <a:t>Validaciones </a:t>
+            </a:r>
+            <a:r>
+              <a:rPr lang="es-ES" dirty="0" err="1">
+                <a:solidFill>
+                  <a:schemeClr val="bg1"/>
+                </a:solidFill>
+              </a:rPr>
+              <a:t>frontend</a:t>
+            </a:r>
+            <a:r>
+              <a:rPr lang="es-ES" dirty="0">
+                <a:solidFill>
+                  <a:schemeClr val="bg1"/>
+                </a:solidFill>
+              </a:rPr>
+              <a:t> y </a:t>
+            </a:r>
+            <a:r>
+              <a:rPr lang="es-ES" dirty="0" err="1">
+                <a:solidFill>
+                  <a:schemeClr val="bg1"/>
+                </a:solidFill>
+              </a:rPr>
+              <a:t>backend</a:t>
+            </a:r>
+            <a:endParaRPr lang="es-ES" dirty="0">
+              <a:solidFill>
+                <a:schemeClr val="bg1"/>
+              </a:solidFill>
+            </a:endParaRPr>
+          </a:p>
+          <a:p>
+            <a:endParaRPr lang="es-ES" dirty="0"/>
+          </a:p>
+        </p:txBody>
+      </p:sp>
+    </p:spTree>
+    <p:extLst>
+      <p:ext uri="{BB962C8B-B14F-4D97-AF65-F5344CB8AC3E}">
+        <p14:creationId xmlns:p14="http://schemas.microsoft.com/office/powerpoint/2010/main" val="4272372764"/>
       </p:ext>
     </p:extLst>
   </p:cSld>
@@ -7857,7 +10933,10 @@
           <a:bodyPr/>
           <a:lstStyle/>
           <a:p>
-            <a:endParaRPr lang="es-ES"/>
+            <a:r>
+              <a:rPr lang="es-ES" dirty="0"/>
+              <a:t>Índice</a:t>
+            </a:r>
           </a:p>
         </p:txBody>
       </p:sp>
@@ -7877,12 +10956,377 @@
             <p:ph idx="1"/>
           </p:nvPr>
         </p:nvSpPr>
-        <p:spPr/>
-        <p:txBody>
-          <a:bodyPr/>
+        <p:spPr>
+          <a:xfrm>
+            <a:off x="5614842" y="2489273"/>
+            <a:ext cx="5061260" cy="3599316"/>
+          </a:xfrm>
+        </p:spPr>
+        <p:txBody>
+          <a:bodyPr>
+            <a:normAutofit/>
+          </a:bodyPr>
           <a:lstStyle/>
           <a:p>
-            <a:endParaRPr lang="es-ES"/>
+            <a:pPr marL="457200" indent="-457200">
+              <a:buFont typeface="+mj-lt"/>
+              <a:buAutoNum type="arabicPeriod" startAt="9"/>
+            </a:pPr>
+            <a:r>
+              <a:rPr lang="es-ES" dirty="0">
+                <a:solidFill>
+                  <a:schemeClr val="bg1"/>
+                </a:solidFill>
+              </a:rPr>
+              <a:t>Desafíos y soluciones</a:t>
+            </a:r>
+          </a:p>
+          <a:p>
+            <a:pPr marL="457200" indent="-457200">
+              <a:buFont typeface="+mj-lt"/>
+              <a:buAutoNum type="arabicPeriod" startAt="9"/>
+            </a:pPr>
+            <a:r>
+              <a:rPr lang="es-ES" dirty="0">
+                <a:solidFill>
+                  <a:schemeClr val="bg1"/>
+                </a:solidFill>
+              </a:rPr>
+              <a:t>Demostración</a:t>
+            </a:r>
+          </a:p>
+          <a:p>
+            <a:pPr marL="457200" indent="-457200">
+              <a:buFont typeface="+mj-lt"/>
+              <a:buAutoNum type="arabicPeriod" startAt="9"/>
+            </a:pPr>
+            <a:r>
+              <a:rPr lang="es-ES" dirty="0">
+                <a:solidFill>
+                  <a:schemeClr val="bg1"/>
+                </a:solidFill>
+              </a:rPr>
+              <a:t>Futuras mejoras</a:t>
+            </a:r>
+          </a:p>
+          <a:p>
+            <a:pPr marL="457200" indent="-457200">
+              <a:buFont typeface="+mj-lt"/>
+              <a:buAutoNum type="arabicPeriod" startAt="9"/>
+            </a:pPr>
+            <a:r>
+              <a:rPr lang="es-ES" dirty="0">
+                <a:solidFill>
+                  <a:schemeClr val="bg1"/>
+                </a:solidFill>
+              </a:rPr>
+              <a:t>Conclusiones y futuro</a:t>
+            </a:r>
+          </a:p>
+        </p:txBody>
+      </p:sp>
+      <p:sp>
+        <p:nvSpPr>
+          <p:cNvPr id="4" name="Marcador de contenido 2">
+            <a:extLst>
+              <a:ext uri="{FF2B5EF4-FFF2-40B4-BE49-F238E27FC236}">
+                <a16:creationId xmlns:a16="http://schemas.microsoft.com/office/drawing/2014/main" id="{582EAAAE-6405-B9B9-E56C-FE4F09B2F123}"/>
+              </a:ext>
+            </a:extLst>
+          </p:cNvPr>
+          <p:cNvSpPr txBox="1">
+            <a:spLocks/>
+          </p:cNvSpPr>
+          <p:nvPr/>
+        </p:nvSpPr>
+        <p:spPr>
+          <a:xfrm>
+            <a:off x="832722" y="2489273"/>
+            <a:ext cx="5061260" cy="3599316"/>
+          </a:xfrm>
+          <a:prstGeom prst="rect">
+            <a:avLst/>
+          </a:prstGeom>
+        </p:spPr>
+        <p:txBody>
+          <a:bodyPr vert="horz" lIns="91440" tIns="45720" rIns="91440" bIns="45720" rtlCol="0">
+            <a:normAutofit lnSpcReduction="10000"/>
+          </a:bodyPr>
+          <a:lstStyle>
+            <a:lvl1pPr marL="228600" indent="-228600" algn="l" defTabSz="914400" rtl="0" eaLnBrk="1" latinLnBrk="0" hangingPunct="1">
+              <a:lnSpc>
+                <a:spcPct val="90000"/>
+              </a:lnSpc>
+              <a:spcBef>
+                <a:spcPts val="1000"/>
+              </a:spcBef>
+              <a:buFont typeface="Arial" panose="020B0604020202020204" pitchFamily="34" charset="0"/>
+              <a:buChar char="•"/>
+              <a:defRPr sz="2400" kern="1200">
+                <a:solidFill>
+                  <a:schemeClr val="tx1"/>
+                </a:solidFill>
+                <a:latin typeface="+mn-lt"/>
+                <a:ea typeface="+mn-ea"/>
+                <a:cs typeface="+mn-cs"/>
+              </a:defRPr>
+            </a:lvl1pPr>
+            <a:lvl2pPr marL="685800" indent="-228600" algn="l" defTabSz="914400" rtl="0" eaLnBrk="1" latinLnBrk="0" hangingPunct="1">
+              <a:lnSpc>
+                <a:spcPct val="90000"/>
+              </a:lnSpc>
+              <a:spcBef>
+                <a:spcPts val="500"/>
+              </a:spcBef>
+              <a:buFont typeface="Arial" panose="020B0604020202020204" pitchFamily="34" charset="0"/>
+              <a:buChar char="•"/>
+              <a:defRPr sz="2000" kern="1200">
+                <a:solidFill>
+                  <a:schemeClr val="tx1"/>
+                </a:solidFill>
+                <a:latin typeface="+mn-lt"/>
+                <a:ea typeface="+mn-ea"/>
+                <a:cs typeface="+mn-cs"/>
+              </a:defRPr>
+            </a:lvl2pPr>
+            <a:lvl3pPr marL="1143000" indent="-228600" algn="l" defTabSz="914400" rtl="0" eaLnBrk="1" latinLnBrk="0" hangingPunct="1">
+              <a:lnSpc>
+                <a:spcPct val="90000"/>
+              </a:lnSpc>
+              <a:spcBef>
+                <a:spcPts val="500"/>
+              </a:spcBef>
+              <a:buFont typeface="Arial" panose="020B0604020202020204" pitchFamily="34" charset="0"/>
+              <a:buChar char="•"/>
+              <a:defRPr sz="1800" kern="1200">
+                <a:solidFill>
+                  <a:schemeClr val="tx1"/>
+                </a:solidFill>
+                <a:latin typeface="+mn-lt"/>
+                <a:ea typeface="+mn-ea"/>
+                <a:cs typeface="+mn-cs"/>
+              </a:defRPr>
+            </a:lvl3pPr>
+            <a:lvl4pPr marL="1600200" indent="-228600" algn="l" defTabSz="914400" rtl="0" eaLnBrk="1" latinLnBrk="0" hangingPunct="1">
+              <a:lnSpc>
+                <a:spcPct val="90000"/>
+              </a:lnSpc>
+              <a:spcBef>
+                <a:spcPts val="500"/>
+              </a:spcBef>
+              <a:buFont typeface="Arial" panose="020B0604020202020204" pitchFamily="34" charset="0"/>
+              <a:buChar char="•"/>
+              <a:defRPr sz="1600" kern="1200">
+                <a:solidFill>
+                  <a:schemeClr val="tx1"/>
+                </a:solidFill>
+                <a:latin typeface="+mn-lt"/>
+                <a:ea typeface="+mn-ea"/>
+                <a:cs typeface="+mn-cs"/>
+              </a:defRPr>
+            </a:lvl4pPr>
+            <a:lvl5pPr marL="2057400" indent="-228600" algn="l" defTabSz="914400" rtl="0" eaLnBrk="1" latinLnBrk="0" hangingPunct="1">
+              <a:lnSpc>
+                <a:spcPct val="90000"/>
+              </a:lnSpc>
+              <a:spcBef>
+                <a:spcPts val="500"/>
+              </a:spcBef>
+              <a:buFont typeface="Arial" panose="020B0604020202020204" pitchFamily="34" charset="0"/>
+              <a:buChar char="•"/>
+              <a:defRPr sz="1600" kern="1200">
+                <a:solidFill>
+                  <a:schemeClr val="tx1"/>
+                </a:solidFill>
+                <a:latin typeface="+mn-lt"/>
+                <a:ea typeface="+mn-ea"/>
+                <a:cs typeface="+mn-cs"/>
+              </a:defRPr>
+            </a:lvl5pPr>
+            <a:lvl6pPr marL="2514600" indent="-228600" algn="l" defTabSz="914400" rtl="0" eaLnBrk="1" latinLnBrk="0" hangingPunct="1">
+              <a:lnSpc>
+                <a:spcPct val="90000"/>
+              </a:lnSpc>
+              <a:spcBef>
+                <a:spcPts val="500"/>
+              </a:spcBef>
+              <a:buFont typeface="Arial" panose="020B0604020202020204" pitchFamily="34" charset="0"/>
+              <a:buChar char="•"/>
+              <a:defRPr sz="1400" kern="1200">
+                <a:solidFill>
+                  <a:schemeClr val="tx1"/>
+                </a:solidFill>
+                <a:latin typeface="+mn-lt"/>
+                <a:ea typeface="+mn-ea"/>
+                <a:cs typeface="+mn-cs"/>
+              </a:defRPr>
+            </a:lvl6pPr>
+            <a:lvl7pPr marL="2971800" indent="-228600" algn="l" defTabSz="914400" rtl="0" eaLnBrk="1" latinLnBrk="0" hangingPunct="1">
+              <a:lnSpc>
+                <a:spcPct val="90000"/>
+              </a:lnSpc>
+              <a:spcBef>
+                <a:spcPts val="500"/>
+              </a:spcBef>
+              <a:buFont typeface="Arial" panose="020B0604020202020204" pitchFamily="34" charset="0"/>
+              <a:buChar char="•"/>
+              <a:defRPr sz="1400" kern="1200">
+                <a:solidFill>
+                  <a:schemeClr val="tx1"/>
+                </a:solidFill>
+                <a:latin typeface="+mn-lt"/>
+                <a:ea typeface="+mn-ea"/>
+                <a:cs typeface="+mn-cs"/>
+              </a:defRPr>
+            </a:lvl7pPr>
+            <a:lvl8pPr marL="3429000" indent="-228600" algn="l" defTabSz="914400" rtl="0" eaLnBrk="1" latinLnBrk="0" hangingPunct="1">
+              <a:lnSpc>
+                <a:spcPct val="90000"/>
+              </a:lnSpc>
+              <a:spcBef>
+                <a:spcPts val="500"/>
+              </a:spcBef>
+              <a:buFont typeface="Arial" panose="020B0604020202020204" pitchFamily="34" charset="0"/>
+              <a:buChar char="•"/>
+              <a:defRPr sz="1400" kern="1200">
+                <a:solidFill>
+                  <a:schemeClr val="tx1"/>
+                </a:solidFill>
+                <a:latin typeface="+mn-lt"/>
+                <a:ea typeface="+mn-ea"/>
+                <a:cs typeface="+mn-cs"/>
+              </a:defRPr>
+            </a:lvl8pPr>
+            <a:lvl9pPr marL="3886200" indent="-228600" algn="l" defTabSz="914400" rtl="0" eaLnBrk="1" latinLnBrk="0" hangingPunct="1">
+              <a:lnSpc>
+                <a:spcPct val="90000"/>
+              </a:lnSpc>
+              <a:spcBef>
+                <a:spcPts val="500"/>
+              </a:spcBef>
+              <a:buFont typeface="Arial" panose="020B0604020202020204" pitchFamily="34" charset="0"/>
+              <a:buChar char="•"/>
+              <a:defRPr sz="1400" kern="1200">
+                <a:solidFill>
+                  <a:schemeClr val="tx1"/>
+                </a:solidFill>
+                <a:latin typeface="+mn-lt"/>
+                <a:ea typeface="+mn-ea"/>
+                <a:cs typeface="+mn-cs"/>
+              </a:defRPr>
+            </a:lvl9pPr>
+          </a:lstStyle>
+          <a:p>
+            <a:pPr marL="457200" indent="-457200">
+              <a:buFont typeface="+mj-lt"/>
+              <a:buAutoNum type="arabicPeriod"/>
+            </a:pPr>
+            <a:r>
+              <a:rPr lang="es-ES" dirty="0">
+                <a:solidFill>
+                  <a:schemeClr val="bg1"/>
+                </a:solidFill>
+              </a:rPr>
+              <a:t>Introducción</a:t>
+            </a:r>
+          </a:p>
+          <a:p>
+            <a:pPr marL="457200" indent="-457200">
+              <a:buFont typeface="+mj-lt"/>
+              <a:buAutoNum type="arabicPeriod"/>
+            </a:pPr>
+            <a:r>
+              <a:rPr lang="es-ES" dirty="0">
+                <a:solidFill>
+                  <a:schemeClr val="bg1"/>
+                </a:solidFill>
+              </a:rPr>
+              <a:t>Objetivos y alcance</a:t>
+            </a:r>
+          </a:p>
+          <a:p>
+            <a:pPr marL="457200" indent="-457200">
+              <a:buFont typeface="+mj-lt"/>
+              <a:buAutoNum type="arabicPeriod"/>
+            </a:pPr>
+            <a:r>
+              <a:rPr lang="es-ES" dirty="0">
+                <a:solidFill>
+                  <a:schemeClr val="bg1"/>
+                </a:solidFill>
+              </a:rPr>
+              <a:t>Tecnologías usadas</a:t>
+            </a:r>
+          </a:p>
+          <a:p>
+            <a:pPr marL="457200" indent="-457200">
+              <a:buFont typeface="+mj-lt"/>
+              <a:buAutoNum type="arabicPeriod"/>
+            </a:pPr>
+            <a:r>
+              <a:rPr lang="es-ES" dirty="0">
+                <a:solidFill>
+                  <a:schemeClr val="bg1"/>
+                </a:solidFill>
+              </a:rPr>
+              <a:t>Arquitectura del Sistema</a:t>
+            </a:r>
+          </a:p>
+          <a:p>
+            <a:pPr marL="457200" indent="-457200">
+              <a:buFont typeface="+mj-lt"/>
+              <a:buAutoNum type="arabicPeriod"/>
+            </a:pPr>
+            <a:r>
+              <a:rPr lang="es-ES" dirty="0">
+                <a:solidFill>
+                  <a:schemeClr val="bg1"/>
+                </a:solidFill>
+              </a:rPr>
+              <a:t>Base de datos</a:t>
+            </a:r>
+          </a:p>
+          <a:p>
+            <a:pPr marL="457200" indent="-457200">
+              <a:buFont typeface="+mj-lt"/>
+              <a:buAutoNum type="arabicPeriod"/>
+            </a:pPr>
+            <a:r>
+              <a:rPr lang="es-ES" dirty="0">
+                <a:solidFill>
+                  <a:schemeClr val="bg1"/>
+                </a:solidFill>
+              </a:rPr>
+              <a:t>API REST</a:t>
+            </a:r>
+          </a:p>
+          <a:p>
+            <a:pPr marL="457200" indent="-457200">
+              <a:buFont typeface="+mj-lt"/>
+              <a:buAutoNum type="arabicPeriod"/>
+            </a:pPr>
+            <a:r>
+              <a:rPr lang="es-ES" dirty="0">
+                <a:solidFill>
+                  <a:schemeClr val="bg1"/>
+                </a:solidFill>
+              </a:rPr>
+              <a:t>Autenticación y Seguridad</a:t>
+            </a:r>
+          </a:p>
+          <a:p>
+            <a:pPr marL="457200" indent="-457200">
+              <a:buFont typeface="+mj-lt"/>
+              <a:buAutoNum type="arabicPeriod"/>
+            </a:pPr>
+            <a:r>
+              <a:rPr lang="es-ES" dirty="0">
+                <a:solidFill>
+                  <a:schemeClr val="bg1"/>
+                </a:solidFill>
+              </a:rPr>
+              <a:t>Funcionalidades Principales</a:t>
+            </a:r>
           </a:p>
         </p:txBody>
       </p:sp>
@@ -7890,6 +11334,4356 @@
     <p:extLst>
       <p:ext uri="{BB962C8B-B14F-4D97-AF65-F5344CB8AC3E}">
         <p14:creationId xmlns:p14="http://schemas.microsoft.com/office/powerpoint/2010/main" val="630094509"/>
+      </p:ext>
+    </p:extLst>
+  </p:cSld>
+  <p:clrMapOvr>
+    <a:masterClrMapping/>
+  </p:clrMapOvr>
+</p:sld>
+</file>
+
+<file path=ppt/slides/slide20.xml><?xml version="1.0" encoding="utf-8"?>
+<p:sld xmlns:a="http://schemas.openxmlformats.org/drawingml/2006/main" xmlns:r="http://schemas.openxmlformats.org/officeDocument/2006/relationships" xmlns:p="http://schemas.openxmlformats.org/presentationml/2006/main">
+  <p:cSld>
+    <p:spTree>
+      <p:nvGrpSpPr>
+        <p:cNvPr id="1" name=""/>
+        <p:cNvGrpSpPr/>
+        <p:nvPr/>
+      </p:nvGrpSpPr>
+      <p:grpSpPr>
+        <a:xfrm>
+          <a:off x="0" y="0"/>
+          <a:ext cx="0" cy="0"/>
+          <a:chOff x="0" y="0"/>
+          <a:chExt cx="0" cy="0"/>
+        </a:xfrm>
+      </p:grpSpPr>
+      <p:sp>
+        <p:nvSpPr>
+          <p:cNvPr id="2" name="Título 1">
+            <a:extLst>
+              <a:ext uri="{FF2B5EF4-FFF2-40B4-BE49-F238E27FC236}">
+                <a16:creationId xmlns:a16="http://schemas.microsoft.com/office/drawing/2014/main" id="{C05C2E96-FDD9-71C5-81B3-D3FDC4CAF8AB}"/>
+              </a:ext>
+            </a:extLst>
+          </p:cNvPr>
+          <p:cNvSpPr>
+            <a:spLocks noGrp="1"/>
+          </p:cNvSpPr>
+          <p:nvPr>
+            <p:ph type="title"/>
+          </p:nvPr>
+        </p:nvSpPr>
+        <p:spPr/>
+        <p:txBody>
+          <a:bodyPr/>
+          <a:lstStyle/>
+          <a:p>
+            <a:r>
+              <a:rPr lang="es-ES" dirty="0"/>
+              <a:t>Desafíos enfrentados</a:t>
+            </a:r>
+          </a:p>
+        </p:txBody>
+      </p:sp>
+      <p:sp>
+        <p:nvSpPr>
+          <p:cNvPr id="3" name="Marcador de contenido 2">
+            <a:extLst>
+              <a:ext uri="{FF2B5EF4-FFF2-40B4-BE49-F238E27FC236}">
+                <a16:creationId xmlns:a16="http://schemas.microsoft.com/office/drawing/2014/main" id="{C6B27482-61DB-196D-6D9A-3C14F922AF50}"/>
+              </a:ext>
+            </a:extLst>
+          </p:cNvPr>
+          <p:cNvSpPr>
+            <a:spLocks noGrp="1"/>
+          </p:cNvSpPr>
+          <p:nvPr>
+            <p:ph idx="1"/>
+          </p:nvPr>
+        </p:nvSpPr>
+        <p:spPr>
+          <a:xfrm>
+            <a:off x="680321" y="2126974"/>
+            <a:ext cx="9613861" cy="4214191"/>
+          </a:xfrm>
+        </p:spPr>
+        <p:txBody>
+          <a:bodyPr>
+            <a:normAutofit fontScale="92500" lnSpcReduction="10000"/>
+          </a:bodyPr>
+          <a:lstStyle/>
+          <a:p>
+            <a:pPr marL="0" indent="0">
+              <a:buNone/>
+            </a:pPr>
+            <a:r>
+              <a:rPr lang="es-ES" b="1" dirty="0">
+                <a:solidFill>
+                  <a:schemeClr val="bg1"/>
+                </a:solidFill>
+              </a:rPr>
+              <a:t>1. Normalización de Base de Datos</a:t>
+            </a:r>
+            <a:endParaRPr lang="es-ES" dirty="0">
+              <a:solidFill>
+                <a:schemeClr val="bg1"/>
+              </a:solidFill>
+            </a:endParaRPr>
+          </a:p>
+          <a:p>
+            <a:r>
+              <a:rPr lang="es-ES" b="1" dirty="0">
+                <a:solidFill>
+                  <a:schemeClr val="bg1"/>
+                </a:solidFill>
+              </a:rPr>
+              <a:t>Desafío:</a:t>
+            </a:r>
+            <a:r>
+              <a:rPr lang="es-ES" dirty="0">
+                <a:solidFill>
+                  <a:schemeClr val="bg1"/>
+                </a:solidFill>
+              </a:rPr>
+              <a:t> Conflictos de migración con </a:t>
+            </a:r>
+            <a:r>
+              <a:rPr lang="es-ES" dirty="0" err="1">
+                <a:solidFill>
+                  <a:schemeClr val="bg1"/>
+                </a:solidFill>
+              </a:rPr>
+              <a:t>User</a:t>
+            </a:r>
+            <a:r>
+              <a:rPr lang="es-ES" dirty="0">
+                <a:solidFill>
+                  <a:schemeClr val="bg1"/>
+                </a:solidFill>
+              </a:rPr>
+              <a:t> </a:t>
+            </a:r>
+            <a:r>
+              <a:rPr lang="es-ES" dirty="0" err="1">
+                <a:solidFill>
+                  <a:schemeClr val="bg1"/>
+                </a:solidFill>
+              </a:rPr>
+              <a:t>model</a:t>
+            </a:r>
+            <a:r>
+              <a:rPr lang="es-ES" dirty="0">
+                <a:solidFill>
+                  <a:schemeClr val="bg1"/>
+                </a:solidFill>
+              </a:rPr>
+              <a:t> personalizado</a:t>
+            </a:r>
+          </a:p>
+          <a:p>
+            <a:pPr>
+              <a:spcAft>
+                <a:spcPts val="1200"/>
+              </a:spcAft>
+            </a:pPr>
+            <a:r>
+              <a:rPr lang="es-ES" b="1" dirty="0">
+                <a:solidFill>
+                  <a:schemeClr val="bg1"/>
+                </a:solidFill>
+              </a:rPr>
+              <a:t>Solución:</a:t>
+            </a:r>
+            <a:r>
+              <a:rPr lang="es-ES" dirty="0">
+                <a:solidFill>
+                  <a:schemeClr val="bg1"/>
+                </a:solidFill>
+              </a:rPr>
+              <a:t> </a:t>
+            </a:r>
+            <a:r>
+              <a:rPr lang="es-ES" dirty="0" err="1">
+                <a:solidFill>
+                  <a:schemeClr val="bg1"/>
+                </a:solidFill>
+              </a:rPr>
+              <a:t>Reset</a:t>
+            </a:r>
+            <a:r>
+              <a:rPr lang="es-ES" dirty="0">
+                <a:solidFill>
+                  <a:schemeClr val="bg1"/>
+                </a:solidFill>
+              </a:rPr>
+              <a:t> completo de BD, configurar AUTH_USER_MODEL desde inicio</a:t>
+            </a:r>
+          </a:p>
+          <a:p>
+            <a:pPr marL="0" indent="0">
+              <a:buNone/>
+            </a:pPr>
+            <a:r>
+              <a:rPr lang="es-ES" b="1" dirty="0">
+                <a:solidFill>
+                  <a:schemeClr val="bg1"/>
+                </a:solidFill>
+              </a:rPr>
+              <a:t>2. Autenticación JWT</a:t>
+            </a:r>
+            <a:endParaRPr lang="es-ES" dirty="0">
+              <a:solidFill>
+                <a:schemeClr val="bg1"/>
+              </a:solidFill>
+            </a:endParaRPr>
+          </a:p>
+          <a:p>
+            <a:r>
+              <a:rPr lang="es-ES" b="1" dirty="0">
+                <a:solidFill>
+                  <a:schemeClr val="bg1"/>
+                </a:solidFill>
+              </a:rPr>
+              <a:t>Desafío:</a:t>
+            </a:r>
+            <a:r>
+              <a:rPr lang="es-ES" dirty="0">
+                <a:solidFill>
+                  <a:schemeClr val="bg1"/>
+                </a:solidFill>
+              </a:rPr>
+              <a:t> </a:t>
+            </a:r>
+            <a:r>
+              <a:rPr lang="es-ES" dirty="0" err="1">
+                <a:solidFill>
+                  <a:schemeClr val="bg1"/>
+                </a:solidFill>
+              </a:rPr>
+              <a:t>Refresh</a:t>
+            </a:r>
+            <a:r>
+              <a:rPr lang="es-ES" dirty="0">
+                <a:solidFill>
+                  <a:schemeClr val="bg1"/>
+                </a:solidFill>
+              </a:rPr>
+              <a:t> automático de tokens expirados</a:t>
+            </a:r>
+          </a:p>
+          <a:p>
+            <a:pPr>
+              <a:spcAft>
+                <a:spcPts val="1200"/>
+              </a:spcAft>
+            </a:pPr>
+            <a:r>
+              <a:rPr lang="es-ES" b="1" dirty="0">
+                <a:solidFill>
+                  <a:schemeClr val="bg1"/>
+                </a:solidFill>
+              </a:rPr>
+              <a:t>Solución:</a:t>
+            </a:r>
+            <a:r>
+              <a:rPr lang="es-ES" dirty="0">
+                <a:solidFill>
+                  <a:schemeClr val="bg1"/>
+                </a:solidFill>
+              </a:rPr>
+              <a:t> Interceptores de Axios, manejo de errores 401</a:t>
+            </a:r>
+          </a:p>
+          <a:p>
+            <a:pPr marL="0" indent="0">
+              <a:buNone/>
+            </a:pPr>
+            <a:r>
+              <a:rPr lang="es-ES" b="1" dirty="0">
+                <a:solidFill>
+                  <a:schemeClr val="bg1"/>
+                </a:solidFill>
+              </a:rPr>
+              <a:t>3. Gestión de Estado</a:t>
+            </a:r>
+            <a:endParaRPr lang="es-ES" dirty="0">
+              <a:solidFill>
+                <a:schemeClr val="bg1"/>
+              </a:solidFill>
+            </a:endParaRPr>
+          </a:p>
+          <a:p>
+            <a:r>
+              <a:rPr lang="es-ES" b="1" dirty="0">
+                <a:solidFill>
+                  <a:schemeClr val="bg1"/>
+                </a:solidFill>
+              </a:rPr>
+              <a:t>Desafío:</a:t>
+            </a:r>
+            <a:r>
+              <a:rPr lang="es-ES" dirty="0">
+                <a:solidFill>
+                  <a:schemeClr val="bg1"/>
+                </a:solidFill>
+              </a:rPr>
+              <a:t> Sincronizar carrito entre sesiones</a:t>
+            </a:r>
+          </a:p>
+          <a:p>
+            <a:r>
+              <a:rPr lang="es-ES" b="1" dirty="0">
+                <a:solidFill>
+                  <a:schemeClr val="bg1"/>
+                </a:solidFill>
+              </a:rPr>
+              <a:t>Solución:</a:t>
+            </a:r>
+            <a:r>
+              <a:rPr lang="es-ES" dirty="0">
+                <a:solidFill>
+                  <a:schemeClr val="bg1"/>
+                </a:solidFill>
+              </a:rPr>
+              <a:t> </a:t>
+            </a:r>
+            <a:r>
+              <a:rPr lang="es-ES" dirty="0" err="1">
+                <a:solidFill>
+                  <a:schemeClr val="bg1"/>
+                </a:solidFill>
+              </a:rPr>
+              <a:t>Context</a:t>
+            </a:r>
+            <a:r>
+              <a:rPr lang="es-ES" dirty="0">
+                <a:solidFill>
+                  <a:schemeClr val="bg1"/>
+                </a:solidFill>
+              </a:rPr>
+              <a:t> API + </a:t>
+            </a:r>
+            <a:r>
+              <a:rPr lang="es-ES" dirty="0" err="1">
+                <a:solidFill>
+                  <a:schemeClr val="bg1"/>
+                </a:solidFill>
+              </a:rPr>
+              <a:t>localStorage</a:t>
+            </a:r>
+            <a:r>
+              <a:rPr lang="es-ES" dirty="0">
+                <a:solidFill>
+                  <a:schemeClr val="bg1"/>
+                </a:solidFill>
+              </a:rPr>
+              <a:t>, </a:t>
+            </a:r>
+            <a:r>
+              <a:rPr lang="es-ES" dirty="0" err="1">
+                <a:solidFill>
+                  <a:schemeClr val="bg1"/>
+                </a:solidFill>
+              </a:rPr>
+              <a:t>merge</a:t>
+            </a:r>
+            <a:r>
+              <a:rPr lang="es-ES" dirty="0">
+                <a:solidFill>
+                  <a:schemeClr val="bg1"/>
+                </a:solidFill>
+              </a:rPr>
+              <a:t> al </a:t>
+            </a:r>
+            <a:r>
+              <a:rPr lang="es-ES" dirty="0" err="1">
+                <a:solidFill>
+                  <a:schemeClr val="bg1"/>
+                </a:solidFill>
+              </a:rPr>
+              <a:t>login</a:t>
+            </a:r>
+            <a:endParaRPr lang="es-ES" dirty="0">
+              <a:solidFill>
+                <a:schemeClr val="bg1"/>
+              </a:solidFill>
+            </a:endParaRPr>
+          </a:p>
+          <a:p>
+            <a:endParaRPr lang="es-ES" dirty="0"/>
+          </a:p>
+        </p:txBody>
+      </p:sp>
+    </p:spTree>
+    <p:extLst>
+      <p:ext uri="{BB962C8B-B14F-4D97-AF65-F5344CB8AC3E}">
+        <p14:creationId xmlns:p14="http://schemas.microsoft.com/office/powerpoint/2010/main" val="3170713601"/>
+      </p:ext>
+    </p:extLst>
+  </p:cSld>
+  <p:clrMapOvr>
+    <a:masterClrMapping/>
+  </p:clrMapOvr>
+</p:sld>
+</file>
+
+<file path=ppt/slides/slide21.xml><?xml version="1.0" encoding="utf-8"?>
+<p:sld xmlns:a="http://schemas.openxmlformats.org/drawingml/2006/main" xmlns:r="http://schemas.openxmlformats.org/officeDocument/2006/relationships" xmlns:p="http://schemas.openxmlformats.org/presentationml/2006/main">
+  <p:cSld>
+    <p:spTree>
+      <p:nvGrpSpPr>
+        <p:cNvPr id="1" name=""/>
+        <p:cNvGrpSpPr/>
+        <p:nvPr/>
+      </p:nvGrpSpPr>
+      <p:grpSpPr>
+        <a:xfrm>
+          <a:off x="0" y="0"/>
+          <a:ext cx="0" cy="0"/>
+          <a:chOff x="0" y="0"/>
+          <a:chExt cx="0" cy="0"/>
+        </a:xfrm>
+      </p:grpSpPr>
+      <p:sp>
+        <p:nvSpPr>
+          <p:cNvPr id="2" name="Título 1">
+            <a:extLst>
+              <a:ext uri="{FF2B5EF4-FFF2-40B4-BE49-F238E27FC236}">
+                <a16:creationId xmlns:a16="http://schemas.microsoft.com/office/drawing/2014/main" id="{DD608FF8-26AE-F069-C586-283C99C4172B}"/>
+              </a:ext>
+            </a:extLst>
+          </p:cNvPr>
+          <p:cNvSpPr>
+            <a:spLocks noGrp="1"/>
+          </p:cNvSpPr>
+          <p:nvPr>
+            <p:ph type="title"/>
+          </p:nvPr>
+        </p:nvSpPr>
+        <p:spPr/>
+        <p:txBody>
+          <a:bodyPr/>
+          <a:lstStyle/>
+          <a:p>
+            <a:r>
+              <a:rPr lang="es-ES" dirty="0"/>
+              <a:t>Desafíos enfrentados</a:t>
+            </a:r>
+          </a:p>
+        </p:txBody>
+      </p:sp>
+      <p:sp>
+        <p:nvSpPr>
+          <p:cNvPr id="3" name="Marcador de contenido 2">
+            <a:extLst>
+              <a:ext uri="{FF2B5EF4-FFF2-40B4-BE49-F238E27FC236}">
+                <a16:creationId xmlns:a16="http://schemas.microsoft.com/office/drawing/2014/main" id="{18AF5ED7-9639-6014-9367-9061C14E7FF1}"/>
+              </a:ext>
+            </a:extLst>
+          </p:cNvPr>
+          <p:cNvSpPr>
+            <a:spLocks noGrp="1"/>
+          </p:cNvSpPr>
+          <p:nvPr>
+            <p:ph idx="1"/>
+          </p:nvPr>
+        </p:nvSpPr>
+        <p:spPr>
+          <a:xfrm>
+            <a:off x="680321" y="2176670"/>
+            <a:ext cx="9613861" cy="4432851"/>
+          </a:xfrm>
+        </p:spPr>
+        <p:txBody>
+          <a:bodyPr>
+            <a:normAutofit fontScale="92500" lnSpcReduction="20000"/>
+          </a:bodyPr>
+          <a:lstStyle/>
+          <a:p>
+            <a:pPr marL="0" indent="0">
+              <a:buNone/>
+            </a:pPr>
+            <a:r>
+              <a:rPr lang="es-ES" b="1" dirty="0">
+                <a:solidFill>
+                  <a:schemeClr val="bg1"/>
+                </a:solidFill>
+              </a:rPr>
+              <a:t>4. Filtros Complejos</a:t>
+            </a:r>
+            <a:endParaRPr lang="es-ES" dirty="0">
+              <a:solidFill>
+                <a:schemeClr val="bg1"/>
+              </a:solidFill>
+            </a:endParaRPr>
+          </a:p>
+          <a:p>
+            <a:r>
+              <a:rPr lang="es-ES" b="1" dirty="0">
+                <a:solidFill>
+                  <a:schemeClr val="bg1"/>
+                </a:solidFill>
+              </a:rPr>
+              <a:t>Desafío:</a:t>
+            </a:r>
+            <a:r>
+              <a:rPr lang="es-ES" dirty="0">
+                <a:solidFill>
+                  <a:schemeClr val="bg1"/>
+                </a:solidFill>
+              </a:rPr>
+              <a:t> Múltiples filtros y búsqueda simultánea</a:t>
+            </a:r>
+          </a:p>
+          <a:p>
+            <a:pPr>
+              <a:spcAft>
+                <a:spcPts val="1200"/>
+              </a:spcAft>
+            </a:pPr>
+            <a:r>
+              <a:rPr lang="es-ES" b="1" dirty="0">
+                <a:solidFill>
+                  <a:schemeClr val="bg1"/>
+                </a:solidFill>
+              </a:rPr>
+              <a:t>Solución:</a:t>
+            </a:r>
+            <a:r>
+              <a:rPr lang="es-ES" dirty="0">
+                <a:solidFill>
+                  <a:schemeClr val="bg1"/>
+                </a:solidFill>
+              </a:rPr>
+              <a:t> </a:t>
+            </a:r>
+            <a:r>
+              <a:rPr lang="es-ES" dirty="0" err="1">
+                <a:solidFill>
+                  <a:schemeClr val="bg1"/>
+                </a:solidFill>
+              </a:rPr>
+              <a:t>django-filter</a:t>
+            </a:r>
+            <a:r>
+              <a:rPr lang="es-ES" dirty="0">
+                <a:solidFill>
+                  <a:schemeClr val="bg1"/>
+                </a:solidFill>
+              </a:rPr>
+              <a:t> + </a:t>
+            </a:r>
+            <a:r>
+              <a:rPr lang="es-ES" dirty="0" err="1">
+                <a:solidFill>
+                  <a:schemeClr val="bg1"/>
+                </a:solidFill>
+              </a:rPr>
+              <a:t>query</a:t>
+            </a:r>
+            <a:r>
+              <a:rPr lang="es-ES" dirty="0">
+                <a:solidFill>
+                  <a:schemeClr val="bg1"/>
+                </a:solidFill>
+              </a:rPr>
+              <a:t> </a:t>
+            </a:r>
+            <a:r>
+              <a:rPr lang="es-ES" dirty="0" err="1">
+                <a:solidFill>
+                  <a:schemeClr val="bg1"/>
+                </a:solidFill>
+              </a:rPr>
+              <a:t>params</a:t>
+            </a:r>
+            <a:r>
+              <a:rPr lang="es-ES" dirty="0">
+                <a:solidFill>
+                  <a:schemeClr val="bg1"/>
+                </a:solidFill>
+              </a:rPr>
+              <a:t> en URL</a:t>
+            </a:r>
+          </a:p>
+          <a:p>
+            <a:pPr marL="0" indent="0">
+              <a:buNone/>
+            </a:pPr>
+            <a:r>
+              <a:rPr lang="es-ES" b="1" dirty="0">
+                <a:solidFill>
+                  <a:schemeClr val="bg1"/>
+                </a:solidFill>
+              </a:rPr>
+              <a:t>5. Responsive </a:t>
+            </a:r>
+            <a:r>
+              <a:rPr lang="es-ES" b="1" dirty="0" err="1">
+                <a:solidFill>
+                  <a:schemeClr val="bg1"/>
+                </a:solidFill>
+              </a:rPr>
+              <a:t>Design</a:t>
+            </a:r>
+            <a:endParaRPr lang="es-ES" dirty="0">
+              <a:solidFill>
+                <a:schemeClr val="bg1"/>
+              </a:solidFill>
+            </a:endParaRPr>
+          </a:p>
+          <a:p>
+            <a:r>
+              <a:rPr lang="es-ES" b="1" dirty="0">
+                <a:solidFill>
+                  <a:schemeClr val="bg1"/>
+                </a:solidFill>
+              </a:rPr>
+              <a:t>Desafío:</a:t>
+            </a:r>
+            <a:r>
+              <a:rPr lang="es-ES" dirty="0">
+                <a:solidFill>
+                  <a:schemeClr val="bg1"/>
+                </a:solidFill>
+              </a:rPr>
+              <a:t> UX coherente en todos los dispositivos</a:t>
+            </a:r>
+          </a:p>
+          <a:p>
+            <a:pPr>
+              <a:spcAft>
+                <a:spcPts val="1200"/>
+              </a:spcAft>
+            </a:pPr>
+            <a:r>
+              <a:rPr lang="es-ES" b="1" dirty="0">
+                <a:solidFill>
+                  <a:schemeClr val="bg1"/>
+                </a:solidFill>
+              </a:rPr>
+              <a:t>Solución:</a:t>
+            </a:r>
+            <a:r>
+              <a:rPr lang="es-ES" dirty="0">
+                <a:solidFill>
+                  <a:schemeClr val="bg1"/>
+                </a:solidFill>
+              </a:rPr>
+              <a:t> Mobile-</a:t>
+            </a:r>
+            <a:r>
+              <a:rPr lang="es-ES" dirty="0" err="1">
+                <a:solidFill>
+                  <a:schemeClr val="bg1"/>
+                </a:solidFill>
+              </a:rPr>
+              <a:t>first</a:t>
+            </a:r>
+            <a:r>
+              <a:rPr lang="es-ES" dirty="0">
+                <a:solidFill>
+                  <a:schemeClr val="bg1"/>
+                </a:solidFill>
+              </a:rPr>
+              <a:t> </a:t>
+            </a:r>
+            <a:r>
+              <a:rPr lang="es-ES" dirty="0" err="1">
+                <a:solidFill>
+                  <a:schemeClr val="bg1"/>
+                </a:solidFill>
+              </a:rPr>
+              <a:t>approach</a:t>
+            </a:r>
+            <a:r>
+              <a:rPr lang="es-ES" dirty="0">
+                <a:solidFill>
+                  <a:schemeClr val="bg1"/>
+                </a:solidFill>
+              </a:rPr>
+              <a:t> con </a:t>
+            </a:r>
+            <a:r>
+              <a:rPr lang="es-ES" dirty="0" err="1">
+                <a:solidFill>
+                  <a:schemeClr val="bg1"/>
+                </a:solidFill>
+              </a:rPr>
+              <a:t>Tailwind</a:t>
+            </a:r>
+            <a:endParaRPr lang="es-ES" dirty="0">
+              <a:solidFill>
+                <a:schemeClr val="bg1"/>
+              </a:solidFill>
+            </a:endParaRPr>
+          </a:p>
+          <a:p>
+            <a:pPr marL="0" indent="0">
+              <a:buNone/>
+            </a:pPr>
+            <a:r>
+              <a:rPr lang="es-ES" b="1" dirty="0">
+                <a:solidFill>
+                  <a:schemeClr val="bg1"/>
+                </a:solidFill>
+              </a:rPr>
+              <a:t>Aprendizajes:</a:t>
+            </a:r>
+            <a:endParaRPr lang="es-ES" dirty="0">
+              <a:solidFill>
+                <a:schemeClr val="bg1"/>
+              </a:solidFill>
+            </a:endParaRPr>
+          </a:p>
+          <a:p>
+            <a:r>
+              <a:rPr lang="es-ES" dirty="0">
+                <a:solidFill>
+                  <a:schemeClr val="bg1"/>
+                </a:solidFill>
+              </a:rPr>
+              <a:t>Importancia de planificación inicial</a:t>
+            </a:r>
+          </a:p>
+          <a:p>
+            <a:r>
+              <a:rPr lang="es-ES" dirty="0" err="1">
+                <a:solidFill>
+                  <a:schemeClr val="bg1"/>
+                </a:solidFill>
+              </a:rPr>
+              <a:t>Testing</a:t>
+            </a:r>
+            <a:r>
+              <a:rPr lang="es-ES" dirty="0">
+                <a:solidFill>
+                  <a:schemeClr val="bg1"/>
+                </a:solidFill>
+              </a:rPr>
+              <a:t> constante de </a:t>
+            </a:r>
+            <a:r>
+              <a:rPr lang="es-ES" dirty="0" err="1">
+                <a:solidFill>
+                  <a:schemeClr val="bg1"/>
+                </a:solidFill>
+              </a:rPr>
+              <a:t>endpoints</a:t>
+            </a:r>
+            <a:endParaRPr lang="es-ES" dirty="0">
+              <a:solidFill>
+                <a:schemeClr val="bg1"/>
+              </a:solidFill>
+            </a:endParaRPr>
+          </a:p>
+          <a:p>
+            <a:r>
+              <a:rPr lang="es-ES" dirty="0">
+                <a:solidFill>
+                  <a:schemeClr val="bg1"/>
+                </a:solidFill>
+              </a:rPr>
+              <a:t>Documentación clara del código</a:t>
+            </a:r>
+          </a:p>
+          <a:p>
+            <a:r>
+              <a:rPr lang="es-ES" dirty="0">
+                <a:solidFill>
+                  <a:schemeClr val="bg1"/>
+                </a:solidFill>
+              </a:rPr>
+              <a:t>Gestión de errores desde el principio</a:t>
+            </a:r>
+          </a:p>
+          <a:p>
+            <a:endParaRPr lang="es-ES" dirty="0"/>
+          </a:p>
+        </p:txBody>
+      </p:sp>
+    </p:spTree>
+    <p:extLst>
+      <p:ext uri="{BB962C8B-B14F-4D97-AF65-F5344CB8AC3E}">
+        <p14:creationId xmlns:p14="http://schemas.microsoft.com/office/powerpoint/2010/main" val="3683162339"/>
+      </p:ext>
+    </p:extLst>
+  </p:cSld>
+  <p:clrMapOvr>
+    <a:masterClrMapping/>
+  </p:clrMapOvr>
+</p:sld>
+</file>
+
+<file path=ppt/slides/slide22.xml><?xml version="1.0" encoding="utf-8"?>
+<p:sld xmlns:a="http://schemas.openxmlformats.org/drawingml/2006/main" xmlns:r="http://schemas.openxmlformats.org/officeDocument/2006/relationships" xmlns:p="http://schemas.openxmlformats.org/presentationml/2006/main">
+  <p:cSld>
+    <p:spTree>
+      <p:nvGrpSpPr>
+        <p:cNvPr id="1" name=""/>
+        <p:cNvGrpSpPr/>
+        <p:nvPr/>
+      </p:nvGrpSpPr>
+      <p:grpSpPr>
+        <a:xfrm>
+          <a:off x="0" y="0"/>
+          <a:ext cx="0" cy="0"/>
+          <a:chOff x="0" y="0"/>
+          <a:chExt cx="0" cy="0"/>
+        </a:xfrm>
+      </p:grpSpPr>
+      <p:sp>
+        <p:nvSpPr>
+          <p:cNvPr id="2" name="Título 1">
+            <a:extLst>
+              <a:ext uri="{FF2B5EF4-FFF2-40B4-BE49-F238E27FC236}">
+                <a16:creationId xmlns:a16="http://schemas.microsoft.com/office/drawing/2014/main" id="{6CE7635A-91A6-1B5A-38D9-B3E1F52758C8}"/>
+              </a:ext>
+            </a:extLst>
+          </p:cNvPr>
+          <p:cNvSpPr>
+            <a:spLocks noGrp="1"/>
+          </p:cNvSpPr>
+          <p:nvPr>
+            <p:ph type="title"/>
+          </p:nvPr>
+        </p:nvSpPr>
+        <p:spPr/>
+        <p:txBody>
+          <a:bodyPr/>
+          <a:lstStyle/>
+          <a:p>
+            <a:r>
+              <a:rPr lang="es-ES" dirty="0"/>
+              <a:t>Demostración</a:t>
+            </a:r>
+          </a:p>
+        </p:txBody>
+      </p:sp>
+      <p:sp>
+        <p:nvSpPr>
+          <p:cNvPr id="3" name="Marcador de contenido 2">
+            <a:extLst>
+              <a:ext uri="{FF2B5EF4-FFF2-40B4-BE49-F238E27FC236}">
+                <a16:creationId xmlns:a16="http://schemas.microsoft.com/office/drawing/2014/main" id="{FB075EAB-6CD8-3C4A-894A-2D9FA85E6B92}"/>
+              </a:ext>
+            </a:extLst>
+          </p:cNvPr>
+          <p:cNvSpPr>
+            <a:spLocks noGrp="1"/>
+          </p:cNvSpPr>
+          <p:nvPr>
+            <p:ph idx="1"/>
+          </p:nvPr>
+        </p:nvSpPr>
+        <p:spPr>
+          <a:xfrm>
+            <a:off x="680321" y="3279913"/>
+            <a:ext cx="9613861" cy="2656276"/>
+          </a:xfrm>
+        </p:spPr>
+        <p:txBody>
+          <a:bodyPr>
+            <a:normAutofit/>
+          </a:bodyPr>
+          <a:lstStyle/>
+          <a:p>
+            <a:pPr marL="0" indent="0" algn="ctr">
+              <a:buNone/>
+            </a:pPr>
+            <a:r>
+              <a:rPr lang="es-ES" sz="8800" b="1" dirty="0">
+                <a:solidFill>
+                  <a:schemeClr val="bg1"/>
+                </a:solidFill>
+              </a:rPr>
+              <a:t>Ir al proyecto </a:t>
+            </a:r>
+            <a:r>
+              <a:rPr lang="es-ES" sz="8800" b="1" dirty="0">
+                <a:solidFill>
+                  <a:schemeClr val="bg1"/>
+                </a:solidFill>
+                <a:sym typeface="Wingdings" panose="05000000000000000000" pitchFamily="2" charset="2"/>
+              </a:rPr>
+              <a:t></a:t>
+            </a:r>
+            <a:endParaRPr lang="es-ES" sz="8800" b="1" dirty="0">
+              <a:solidFill>
+                <a:schemeClr val="bg1"/>
+              </a:solidFill>
+            </a:endParaRPr>
+          </a:p>
+        </p:txBody>
+      </p:sp>
+    </p:spTree>
+    <p:extLst>
+      <p:ext uri="{BB962C8B-B14F-4D97-AF65-F5344CB8AC3E}">
+        <p14:creationId xmlns:p14="http://schemas.microsoft.com/office/powerpoint/2010/main" val="1090895914"/>
+      </p:ext>
+    </p:extLst>
+  </p:cSld>
+  <p:clrMapOvr>
+    <a:masterClrMapping/>
+  </p:clrMapOvr>
+</p:sld>
+</file>
+
+<file path=ppt/slides/slide23.xml><?xml version="1.0" encoding="utf-8"?>
+<p:sld xmlns:a="http://schemas.openxmlformats.org/drawingml/2006/main" xmlns:r="http://schemas.openxmlformats.org/officeDocument/2006/relationships" xmlns:p="http://schemas.openxmlformats.org/presentationml/2006/main">
+  <p:cSld>
+    <p:spTree>
+      <p:nvGrpSpPr>
+        <p:cNvPr id="1" name=""/>
+        <p:cNvGrpSpPr/>
+        <p:nvPr/>
+      </p:nvGrpSpPr>
+      <p:grpSpPr>
+        <a:xfrm>
+          <a:off x="0" y="0"/>
+          <a:ext cx="0" cy="0"/>
+          <a:chOff x="0" y="0"/>
+          <a:chExt cx="0" cy="0"/>
+        </a:xfrm>
+      </p:grpSpPr>
+      <p:sp>
+        <p:nvSpPr>
+          <p:cNvPr id="2" name="Título 1">
+            <a:extLst>
+              <a:ext uri="{FF2B5EF4-FFF2-40B4-BE49-F238E27FC236}">
+                <a16:creationId xmlns:a16="http://schemas.microsoft.com/office/drawing/2014/main" id="{0D1F38C8-36D2-5A68-8567-B2EA3D36E5F9}"/>
+              </a:ext>
+            </a:extLst>
+          </p:cNvPr>
+          <p:cNvSpPr>
+            <a:spLocks noGrp="1"/>
+          </p:cNvSpPr>
+          <p:nvPr>
+            <p:ph type="title"/>
+          </p:nvPr>
+        </p:nvSpPr>
+        <p:spPr>
+          <a:xfrm>
+            <a:off x="182881" y="753228"/>
+            <a:ext cx="10111302" cy="1080938"/>
+          </a:xfrm>
+        </p:spPr>
+        <p:txBody>
+          <a:bodyPr/>
+          <a:lstStyle/>
+          <a:p>
+            <a:r>
+              <a:rPr lang="es-ES" dirty="0"/>
+              <a:t>Futuras mejoras: Próximos pasos y Escalabilidad</a:t>
+            </a:r>
+          </a:p>
+        </p:txBody>
+      </p:sp>
+      <p:sp>
+        <p:nvSpPr>
+          <p:cNvPr id="3" name="Marcador de contenido 2">
+            <a:extLst>
+              <a:ext uri="{FF2B5EF4-FFF2-40B4-BE49-F238E27FC236}">
+                <a16:creationId xmlns:a16="http://schemas.microsoft.com/office/drawing/2014/main" id="{DFD5A7DA-CB07-E505-3ECD-A6B0F64F3AE9}"/>
+              </a:ext>
+            </a:extLst>
+          </p:cNvPr>
+          <p:cNvSpPr>
+            <a:spLocks noGrp="1"/>
+          </p:cNvSpPr>
+          <p:nvPr>
+            <p:ph idx="1"/>
+          </p:nvPr>
+        </p:nvSpPr>
+        <p:spPr/>
+        <p:txBody>
+          <a:bodyPr/>
+          <a:lstStyle/>
+          <a:p>
+            <a:r>
+              <a:rPr lang="es-ES" b="1" dirty="0">
+                <a:solidFill>
+                  <a:schemeClr val="bg1"/>
+                </a:solidFill>
+              </a:rPr>
+              <a:t>Mejoras Técnicas:</a:t>
+            </a:r>
+            <a:r>
+              <a:rPr lang="es-ES" dirty="0">
+                <a:solidFill>
+                  <a:schemeClr val="bg1"/>
+                </a:solidFill>
+              </a:rPr>
+              <a:t> </a:t>
+            </a:r>
+          </a:p>
+          <a:p>
+            <a:pPr marL="0" indent="0">
+              <a:buNone/>
+            </a:pPr>
+            <a:r>
+              <a:rPr lang="es-ES" dirty="0">
+                <a:solidFill>
+                  <a:schemeClr val="bg1"/>
+                </a:solidFill>
+              </a:rPr>
+              <a:t>🚀 Migrar a PostgreSQL en producción </a:t>
+            </a:r>
+          </a:p>
+          <a:p>
+            <a:pPr marL="0" indent="0">
+              <a:buNone/>
+            </a:pPr>
+            <a:r>
+              <a:rPr lang="es-ES" dirty="0">
+                <a:solidFill>
+                  <a:schemeClr val="bg1"/>
+                </a:solidFill>
+              </a:rPr>
+              <a:t>🔄 Implementar Redis para caché </a:t>
+            </a:r>
+          </a:p>
+          <a:p>
+            <a:pPr marL="0" indent="0">
+              <a:buNone/>
+            </a:pPr>
+            <a:r>
+              <a:rPr lang="es-ES" dirty="0">
+                <a:solidFill>
+                  <a:schemeClr val="bg1"/>
+                </a:solidFill>
+              </a:rPr>
+              <a:t>📧 Sistema completo de emails (</a:t>
+            </a:r>
+            <a:r>
+              <a:rPr lang="es-ES" dirty="0" err="1">
+                <a:solidFill>
+                  <a:schemeClr val="bg1"/>
+                </a:solidFill>
+              </a:rPr>
+              <a:t>templates</a:t>
+            </a:r>
+            <a:r>
+              <a:rPr lang="es-ES" dirty="0">
+                <a:solidFill>
+                  <a:schemeClr val="bg1"/>
+                </a:solidFill>
+              </a:rPr>
+              <a:t>) </a:t>
+            </a:r>
+          </a:p>
+          <a:p>
+            <a:pPr marL="0" indent="0">
+              <a:buNone/>
+            </a:pPr>
+            <a:r>
+              <a:rPr lang="es-ES" dirty="0">
+                <a:solidFill>
+                  <a:schemeClr val="bg1"/>
+                </a:solidFill>
+              </a:rPr>
+              <a:t>💳 Integración pasarela de pago real (</a:t>
+            </a:r>
+            <a:r>
+              <a:rPr lang="es-ES" dirty="0" err="1">
+                <a:solidFill>
+                  <a:schemeClr val="bg1"/>
+                </a:solidFill>
+              </a:rPr>
+              <a:t>Stripe</a:t>
+            </a:r>
+            <a:r>
+              <a:rPr lang="es-ES" dirty="0">
+                <a:solidFill>
+                  <a:schemeClr val="bg1"/>
+                </a:solidFill>
+              </a:rPr>
+              <a:t>) </a:t>
+            </a:r>
+          </a:p>
+          <a:p>
+            <a:pPr marL="0" indent="0">
+              <a:buNone/>
+            </a:pPr>
+            <a:r>
+              <a:rPr lang="es-ES" dirty="0">
+                <a:solidFill>
+                  <a:schemeClr val="bg1"/>
+                </a:solidFill>
+              </a:rPr>
+              <a:t>📱 App móvil </a:t>
+            </a:r>
+            <a:r>
+              <a:rPr lang="es-ES" dirty="0" err="1">
+                <a:solidFill>
+                  <a:schemeClr val="bg1"/>
+                </a:solidFill>
+              </a:rPr>
+              <a:t>React</a:t>
+            </a:r>
+            <a:r>
+              <a:rPr lang="es-ES" dirty="0">
+                <a:solidFill>
+                  <a:schemeClr val="bg1"/>
+                </a:solidFill>
+              </a:rPr>
+              <a:t> Native </a:t>
+            </a:r>
+          </a:p>
+          <a:p>
+            <a:pPr marL="0" indent="0">
+              <a:buNone/>
+            </a:pPr>
+            <a:r>
+              <a:rPr lang="es-ES" dirty="0">
+                <a:solidFill>
+                  <a:schemeClr val="bg1"/>
+                </a:solidFill>
+              </a:rPr>
+              <a:t>🔍 </a:t>
+            </a:r>
+            <a:r>
+              <a:rPr lang="es-ES" dirty="0" err="1">
+                <a:solidFill>
+                  <a:schemeClr val="bg1"/>
+                </a:solidFill>
+              </a:rPr>
+              <a:t>Elasticsearch</a:t>
+            </a:r>
+            <a:r>
+              <a:rPr lang="es-ES" dirty="0">
+                <a:solidFill>
+                  <a:schemeClr val="bg1"/>
+                </a:solidFill>
+              </a:rPr>
+              <a:t> para búsqueda avanzada</a:t>
+            </a:r>
+          </a:p>
+          <a:p>
+            <a:endParaRPr lang="es-ES" dirty="0"/>
+          </a:p>
+        </p:txBody>
+      </p:sp>
+    </p:spTree>
+    <p:extLst>
+      <p:ext uri="{BB962C8B-B14F-4D97-AF65-F5344CB8AC3E}">
+        <p14:creationId xmlns:p14="http://schemas.microsoft.com/office/powerpoint/2010/main" val="962073983"/>
+      </p:ext>
+    </p:extLst>
+  </p:cSld>
+  <p:clrMapOvr>
+    <a:masterClrMapping/>
+  </p:clrMapOvr>
+</p:sld>
+</file>
+
+<file path=ppt/slides/slide24.xml><?xml version="1.0" encoding="utf-8"?>
+<p:sld xmlns:a="http://schemas.openxmlformats.org/drawingml/2006/main" xmlns:r="http://schemas.openxmlformats.org/officeDocument/2006/relationships" xmlns:p="http://schemas.openxmlformats.org/presentationml/2006/main">
+  <p:cSld>
+    <p:spTree>
+      <p:nvGrpSpPr>
+        <p:cNvPr id="1" name=""/>
+        <p:cNvGrpSpPr/>
+        <p:nvPr/>
+      </p:nvGrpSpPr>
+      <p:grpSpPr>
+        <a:xfrm>
+          <a:off x="0" y="0"/>
+          <a:ext cx="0" cy="0"/>
+          <a:chOff x="0" y="0"/>
+          <a:chExt cx="0" cy="0"/>
+        </a:xfrm>
+      </p:grpSpPr>
+      <p:sp>
+        <p:nvSpPr>
+          <p:cNvPr id="2" name="Título 1">
+            <a:extLst>
+              <a:ext uri="{FF2B5EF4-FFF2-40B4-BE49-F238E27FC236}">
+                <a16:creationId xmlns:a16="http://schemas.microsoft.com/office/drawing/2014/main" id="{176BD0B8-AC85-5C29-2B9B-520B5636D4F4}"/>
+              </a:ext>
+            </a:extLst>
+          </p:cNvPr>
+          <p:cNvSpPr>
+            <a:spLocks noGrp="1"/>
+          </p:cNvSpPr>
+          <p:nvPr>
+            <p:ph type="title"/>
+          </p:nvPr>
+        </p:nvSpPr>
+        <p:spPr>
+          <a:xfrm>
+            <a:off x="198783" y="753228"/>
+            <a:ext cx="10095399" cy="1080938"/>
+          </a:xfrm>
+        </p:spPr>
+        <p:txBody>
+          <a:bodyPr/>
+          <a:lstStyle/>
+          <a:p>
+            <a:r>
+              <a:rPr lang="es-ES" dirty="0"/>
+              <a:t>Futuras mejoras: Próximos pasos y Escalabilidad</a:t>
+            </a:r>
+          </a:p>
+        </p:txBody>
+      </p:sp>
+      <p:sp>
+        <p:nvSpPr>
+          <p:cNvPr id="3" name="Marcador de contenido 2">
+            <a:extLst>
+              <a:ext uri="{FF2B5EF4-FFF2-40B4-BE49-F238E27FC236}">
+                <a16:creationId xmlns:a16="http://schemas.microsoft.com/office/drawing/2014/main" id="{9D5BD649-BB9F-F8C4-7517-6D7743600478}"/>
+              </a:ext>
+            </a:extLst>
+          </p:cNvPr>
+          <p:cNvSpPr>
+            <a:spLocks noGrp="1"/>
+          </p:cNvSpPr>
+          <p:nvPr>
+            <p:ph idx="1"/>
+          </p:nvPr>
+        </p:nvSpPr>
+        <p:spPr/>
+        <p:txBody>
+          <a:bodyPr>
+            <a:normAutofit lnSpcReduction="10000"/>
+          </a:bodyPr>
+          <a:lstStyle/>
+          <a:p>
+            <a:r>
+              <a:rPr lang="es-ES" b="1" dirty="0">
+                <a:solidFill>
+                  <a:schemeClr val="bg1"/>
+                </a:solidFill>
+              </a:rPr>
+              <a:t>Nuevas Funcionalidades:</a:t>
+            </a:r>
+            <a:r>
+              <a:rPr lang="es-ES" dirty="0">
+                <a:solidFill>
+                  <a:schemeClr val="bg1"/>
+                </a:solidFill>
+              </a:rPr>
+              <a:t> </a:t>
+            </a:r>
+          </a:p>
+          <a:p>
+            <a:pPr marL="0" indent="0">
+              <a:buNone/>
+            </a:pPr>
+            <a:r>
+              <a:rPr lang="es-ES" dirty="0">
+                <a:solidFill>
+                  <a:schemeClr val="bg1"/>
+                </a:solidFill>
+              </a:rPr>
+              <a:t>✨ Chat en vivo con soporte </a:t>
+            </a:r>
+          </a:p>
+          <a:p>
+            <a:pPr marL="0" indent="0">
+              <a:buNone/>
+            </a:pPr>
+            <a:r>
+              <a:rPr lang="es-ES" dirty="0">
+                <a:solidFill>
+                  <a:schemeClr val="bg1"/>
+                </a:solidFill>
+              </a:rPr>
+              <a:t>🎮 Sistema de recomendaciones IA </a:t>
+            </a:r>
+          </a:p>
+          <a:p>
+            <a:pPr marL="0" indent="0">
+              <a:buNone/>
+            </a:pPr>
+            <a:r>
+              <a:rPr lang="es-ES" dirty="0">
+                <a:solidFill>
+                  <a:schemeClr val="bg1"/>
+                </a:solidFill>
+              </a:rPr>
+              <a:t>📊 </a:t>
+            </a:r>
+            <a:r>
+              <a:rPr lang="es-ES" dirty="0" err="1">
+                <a:solidFill>
+                  <a:schemeClr val="bg1"/>
+                </a:solidFill>
+              </a:rPr>
+              <a:t>Analytics</a:t>
+            </a:r>
+            <a:r>
+              <a:rPr lang="es-ES" dirty="0">
+                <a:solidFill>
+                  <a:schemeClr val="bg1"/>
+                </a:solidFill>
+              </a:rPr>
+              <a:t> y métricas avanzadas </a:t>
+            </a:r>
+          </a:p>
+          <a:p>
+            <a:pPr marL="0" indent="0">
+              <a:buNone/>
+            </a:pPr>
+            <a:r>
+              <a:rPr lang="es-ES" dirty="0">
+                <a:solidFill>
+                  <a:schemeClr val="bg1"/>
+                </a:solidFill>
+              </a:rPr>
+              <a:t>🌍 </a:t>
+            </a:r>
+            <a:r>
+              <a:rPr lang="es-ES" dirty="0" err="1">
+                <a:solidFill>
+                  <a:schemeClr val="bg1"/>
+                </a:solidFill>
+              </a:rPr>
+              <a:t>Multi-idioma</a:t>
+            </a:r>
+            <a:r>
+              <a:rPr lang="es-ES" dirty="0">
+                <a:solidFill>
+                  <a:schemeClr val="bg1"/>
+                </a:solidFill>
+              </a:rPr>
+              <a:t> y </a:t>
+            </a:r>
+            <a:r>
+              <a:rPr lang="es-ES" dirty="0" err="1">
+                <a:solidFill>
+                  <a:schemeClr val="bg1"/>
+                </a:solidFill>
+              </a:rPr>
+              <a:t>multi-moneda</a:t>
+            </a:r>
+            <a:r>
+              <a:rPr lang="es-ES" dirty="0">
+                <a:solidFill>
+                  <a:schemeClr val="bg1"/>
+                </a:solidFill>
+              </a:rPr>
+              <a:t> </a:t>
+            </a:r>
+          </a:p>
+          <a:p>
+            <a:pPr marL="0" indent="0">
+              <a:buNone/>
+            </a:pPr>
+            <a:r>
+              <a:rPr lang="es-ES" dirty="0">
+                <a:solidFill>
+                  <a:schemeClr val="bg1"/>
+                </a:solidFill>
+              </a:rPr>
+              <a:t>📦 Tracking en tiempo real de envíos </a:t>
+            </a:r>
+          </a:p>
+          <a:p>
+            <a:pPr marL="0" indent="0">
+              <a:buNone/>
+            </a:pPr>
+            <a:r>
+              <a:rPr lang="es-ES" dirty="0">
+                <a:solidFill>
+                  <a:schemeClr val="bg1"/>
+                </a:solidFill>
+              </a:rPr>
+              <a:t>🎁 Programa de afiliados</a:t>
+            </a:r>
+          </a:p>
+          <a:p>
+            <a:pPr marL="0" indent="0">
+              <a:buNone/>
+            </a:pPr>
+            <a:r>
+              <a:rPr lang="es-ES" dirty="0">
+                <a:solidFill>
+                  <a:schemeClr val="bg1"/>
+                </a:solidFill>
+              </a:rPr>
+              <a:t>🌓 Modo claro/oscuro</a:t>
+            </a:r>
+          </a:p>
+          <a:p>
+            <a:endParaRPr lang="es-ES" dirty="0"/>
+          </a:p>
+        </p:txBody>
+      </p:sp>
+    </p:spTree>
+    <p:extLst>
+      <p:ext uri="{BB962C8B-B14F-4D97-AF65-F5344CB8AC3E}">
+        <p14:creationId xmlns:p14="http://schemas.microsoft.com/office/powerpoint/2010/main" val="2732271907"/>
+      </p:ext>
+    </p:extLst>
+  </p:cSld>
+  <p:clrMapOvr>
+    <a:masterClrMapping/>
+  </p:clrMapOvr>
+</p:sld>
+</file>
+
+<file path=ppt/slides/slide25.xml><?xml version="1.0" encoding="utf-8"?>
+<p:sld xmlns:a="http://schemas.openxmlformats.org/drawingml/2006/main" xmlns:r="http://schemas.openxmlformats.org/officeDocument/2006/relationships" xmlns:p="http://schemas.openxmlformats.org/presentationml/2006/main">
+  <p:cSld>
+    <p:spTree>
+      <p:nvGrpSpPr>
+        <p:cNvPr id="1" name=""/>
+        <p:cNvGrpSpPr/>
+        <p:nvPr/>
+      </p:nvGrpSpPr>
+      <p:grpSpPr>
+        <a:xfrm>
+          <a:off x="0" y="0"/>
+          <a:ext cx="0" cy="0"/>
+          <a:chOff x="0" y="0"/>
+          <a:chExt cx="0" cy="0"/>
+        </a:xfrm>
+      </p:grpSpPr>
+      <p:sp>
+        <p:nvSpPr>
+          <p:cNvPr id="2" name="Título 1">
+            <a:extLst>
+              <a:ext uri="{FF2B5EF4-FFF2-40B4-BE49-F238E27FC236}">
+                <a16:creationId xmlns:a16="http://schemas.microsoft.com/office/drawing/2014/main" id="{161DD2BC-DE2B-702B-9D72-8584EFF91753}"/>
+              </a:ext>
+            </a:extLst>
+          </p:cNvPr>
+          <p:cNvSpPr>
+            <a:spLocks noGrp="1"/>
+          </p:cNvSpPr>
+          <p:nvPr>
+            <p:ph type="title"/>
+          </p:nvPr>
+        </p:nvSpPr>
+        <p:spPr/>
+        <p:txBody>
+          <a:bodyPr/>
+          <a:lstStyle/>
+          <a:p>
+            <a:r>
+              <a:rPr lang="es-ES" dirty="0"/>
+              <a:t>Futuras mejoras: Optimizaciones</a:t>
+            </a:r>
+          </a:p>
+        </p:txBody>
+      </p:sp>
+      <p:sp>
+        <p:nvSpPr>
+          <p:cNvPr id="4" name="Rectangle 1">
+            <a:extLst>
+              <a:ext uri="{FF2B5EF4-FFF2-40B4-BE49-F238E27FC236}">
+                <a16:creationId xmlns:a16="http://schemas.microsoft.com/office/drawing/2014/main" id="{A09EB693-33BB-FC53-7D2A-FE5C68A21121}"/>
+              </a:ext>
+            </a:extLst>
+          </p:cNvPr>
+          <p:cNvSpPr>
+            <a:spLocks noGrp="1" noChangeArrowheads="1"/>
+          </p:cNvSpPr>
+          <p:nvPr>
+            <p:ph idx="1"/>
+          </p:nvPr>
+        </p:nvSpPr>
+        <p:spPr bwMode="auto">
+          <a:xfrm>
+            <a:off x="680321" y="2182153"/>
+            <a:ext cx="6505670" cy="3908762"/>
+          </a:xfrm>
+          <a:prstGeom prst="rect">
+            <a:avLst/>
+          </a:prstGeom>
+          <a:noFill/>
+          <a:ln>
+            <a:noFill/>
+          </a:ln>
+          <a:effectLst/>
+          <a:extLst>
+            <a:ext uri="{909E8E84-426E-40DD-AFC4-6F175D3DCCD1}">
+              <a14:hiddenFill xmlns:a14="http://schemas.microsoft.com/office/drawing/2010/main">
+                <a:solidFill>
+                  <a:schemeClr val="accent1"/>
+                </a:solidFill>
+              </a14:hiddenFill>
+            </a:ext>
+            <a:ext uri="{91240B29-F687-4F45-9708-019B960494DF}">
+              <a14:hiddenLine xmlns:a14="http://schemas.microsoft.com/office/drawing/2010/main" w="9525">
+                <a:solidFill>
+                  <a:schemeClr val="tx1"/>
+                </a:solidFill>
+                <a:miter lim="800000"/>
+                <a:headEnd/>
+                <a:tailEnd/>
+              </a14:hiddenLine>
+            </a:ext>
+            <a:ext uri="{AF507438-7753-43E0-B8FC-AC1667EBCBE1}">
+              <a14:hiddenEffects xmlns:a14="http://schemas.microsoft.com/office/drawing/2010/main">
+                <a:effectLst>
+                  <a:outerShdw dist="35921" dir="2700000" algn="ctr" rotWithShape="0">
+                    <a:schemeClr val="bg2"/>
+                  </a:outerShdw>
+                </a:effectLst>
+              </a14:hiddenEffects>
+            </a:ext>
+          </a:extLst>
+        </p:spPr>
+        <p:txBody>
+          <a:bodyPr vert="horz" wrap="square" lIns="91440" tIns="45720" rIns="91440" bIns="45720" numCol="1" anchor="ctr" anchorCtr="0" compatLnSpc="1">
+            <a:prstTxWarp prst="textNoShape">
+              <a:avLst/>
+            </a:prstTxWarp>
+            <a:spAutoFit/>
+          </a:bodyPr>
+          <a:lstStyle/>
+          <a:p>
+            <a:pPr marL="0" marR="0" lvl="0" indent="0" algn="l" defTabSz="914400" rtl="0" eaLnBrk="0" fontAlgn="base" latinLnBrk="0" hangingPunct="0">
+              <a:lnSpc>
+                <a:spcPct val="100000"/>
+              </a:lnSpc>
+              <a:spcBef>
+                <a:spcPct val="0"/>
+              </a:spcBef>
+              <a:spcAft>
+                <a:spcPct val="0"/>
+              </a:spcAft>
+              <a:buClrTx/>
+              <a:buSzTx/>
+              <a:buFontTx/>
+              <a:buNone/>
+              <a:tabLst/>
+            </a:pPr>
+            <a:endParaRPr kumimoji="0" lang="es-ES" altLang="es-ES" sz="1800" b="0" i="0" u="none" strike="noStrike" cap="none" normalizeH="0" baseline="0" dirty="0">
+              <a:ln>
+                <a:noFill/>
+              </a:ln>
+              <a:solidFill>
+                <a:schemeClr val="tx1"/>
+              </a:solidFill>
+              <a:effectLst/>
+              <a:latin typeface="Arial" panose="020B0604020202020204" pitchFamily="34" charset="0"/>
+            </a:endParaRPr>
+          </a:p>
+          <a:p>
+            <a:pPr marL="0" marR="0" lvl="0" indent="0" algn="l" defTabSz="914400" rtl="0" eaLnBrk="0" fontAlgn="base" latinLnBrk="0" hangingPunct="0">
+              <a:lnSpc>
+                <a:spcPct val="100000"/>
+              </a:lnSpc>
+              <a:spcBef>
+                <a:spcPts val="1200"/>
+              </a:spcBef>
+              <a:spcAft>
+                <a:spcPts val="1200"/>
+              </a:spcAft>
+              <a:buClrTx/>
+              <a:buSzTx/>
+              <a:buFontTx/>
+              <a:buChar char="•"/>
+              <a:tabLst/>
+            </a:pPr>
+            <a:r>
+              <a:rPr kumimoji="0" lang="es-ES" altLang="es-ES" sz="2800" b="0" i="0" u="none" strike="noStrike" cap="none" normalizeH="0" baseline="0" dirty="0" err="1">
+                <a:ln>
+                  <a:noFill/>
+                </a:ln>
+                <a:solidFill>
+                  <a:schemeClr val="bg1"/>
+                </a:solidFill>
+                <a:effectLst/>
+                <a:latin typeface="Arial" panose="020B0604020202020204" pitchFamily="34" charset="0"/>
+              </a:rPr>
+              <a:t>Tests</a:t>
+            </a:r>
+            <a:r>
+              <a:rPr kumimoji="0" lang="es-ES" altLang="es-ES" sz="2800" b="0" i="0" u="none" strike="noStrike" cap="none" normalizeH="0" baseline="0" dirty="0">
+                <a:ln>
+                  <a:noFill/>
+                </a:ln>
+                <a:solidFill>
+                  <a:schemeClr val="bg1"/>
+                </a:solidFill>
+                <a:effectLst/>
+                <a:latin typeface="Arial" panose="020B0604020202020204" pitchFamily="34" charset="0"/>
+              </a:rPr>
+              <a:t> automatizados (</a:t>
+            </a:r>
+            <a:r>
+              <a:rPr kumimoji="0" lang="es-ES" altLang="es-ES" sz="2800" b="0" i="0" u="none" strike="noStrike" cap="none" normalizeH="0" baseline="0" dirty="0" err="1">
+                <a:ln>
+                  <a:noFill/>
+                </a:ln>
+                <a:solidFill>
+                  <a:schemeClr val="bg1"/>
+                </a:solidFill>
+                <a:effectLst/>
+                <a:latin typeface="Arial" panose="020B0604020202020204" pitchFamily="34" charset="0"/>
+              </a:rPr>
+              <a:t>Jest</a:t>
+            </a:r>
+            <a:r>
+              <a:rPr kumimoji="0" lang="es-ES" altLang="es-ES" sz="2800" b="0" i="0" u="none" strike="noStrike" cap="none" normalizeH="0" baseline="0" dirty="0">
+                <a:ln>
+                  <a:noFill/>
+                </a:ln>
+                <a:solidFill>
+                  <a:schemeClr val="bg1"/>
+                </a:solidFill>
+                <a:effectLst/>
+                <a:latin typeface="Arial" panose="020B0604020202020204" pitchFamily="34" charset="0"/>
+              </a:rPr>
+              <a:t>, </a:t>
+            </a:r>
+            <a:r>
+              <a:rPr kumimoji="0" lang="es-ES" altLang="es-ES" sz="2800" b="0" i="0" u="none" strike="noStrike" cap="none" normalizeH="0" baseline="0" dirty="0" err="1">
+                <a:ln>
+                  <a:noFill/>
+                </a:ln>
+                <a:solidFill>
+                  <a:schemeClr val="bg1"/>
+                </a:solidFill>
+                <a:effectLst/>
+                <a:latin typeface="Arial" panose="020B0604020202020204" pitchFamily="34" charset="0"/>
+              </a:rPr>
+              <a:t>Pytest</a:t>
+            </a:r>
+            <a:r>
+              <a:rPr kumimoji="0" lang="es-ES" altLang="es-ES" sz="2800" b="0" i="0" u="none" strike="noStrike" cap="none" normalizeH="0" baseline="0" dirty="0">
+                <a:ln>
+                  <a:noFill/>
+                </a:ln>
+                <a:solidFill>
+                  <a:schemeClr val="bg1"/>
+                </a:solidFill>
+                <a:effectLst/>
+                <a:latin typeface="Arial" panose="020B0604020202020204" pitchFamily="34" charset="0"/>
+              </a:rPr>
+              <a:t>) </a:t>
+            </a:r>
+          </a:p>
+          <a:p>
+            <a:pPr marL="0" marR="0" lvl="0" indent="0" algn="l" defTabSz="914400" rtl="0" eaLnBrk="0" fontAlgn="base" latinLnBrk="0" hangingPunct="0">
+              <a:lnSpc>
+                <a:spcPct val="100000"/>
+              </a:lnSpc>
+              <a:spcBef>
+                <a:spcPts val="1200"/>
+              </a:spcBef>
+              <a:spcAft>
+                <a:spcPts val="1200"/>
+              </a:spcAft>
+              <a:buClrTx/>
+              <a:buSzTx/>
+              <a:buFontTx/>
+              <a:buChar char="•"/>
+              <a:tabLst/>
+            </a:pPr>
+            <a:r>
+              <a:rPr kumimoji="0" lang="es-ES" altLang="es-ES" sz="2800" b="0" i="0" u="none" strike="noStrike" cap="none" normalizeH="0" baseline="0" dirty="0">
+                <a:ln>
+                  <a:noFill/>
+                </a:ln>
+                <a:solidFill>
+                  <a:schemeClr val="bg1"/>
+                </a:solidFill>
+                <a:effectLst/>
+                <a:latin typeface="Arial" panose="020B0604020202020204" pitchFamily="34" charset="0"/>
+              </a:rPr>
+              <a:t>CI/CD pipeline </a:t>
+            </a:r>
+          </a:p>
+          <a:p>
+            <a:pPr marL="0" marR="0" lvl="0" indent="0" algn="l" defTabSz="914400" rtl="0" eaLnBrk="0" fontAlgn="base" latinLnBrk="0" hangingPunct="0">
+              <a:lnSpc>
+                <a:spcPct val="100000"/>
+              </a:lnSpc>
+              <a:spcBef>
+                <a:spcPts val="1200"/>
+              </a:spcBef>
+              <a:spcAft>
+                <a:spcPts val="1200"/>
+              </a:spcAft>
+              <a:buClrTx/>
+              <a:buSzTx/>
+              <a:buFontTx/>
+              <a:buChar char="•"/>
+              <a:tabLst/>
+            </a:pPr>
+            <a:r>
+              <a:rPr kumimoji="0" lang="es-ES" altLang="es-ES" sz="2800" b="0" i="0" u="none" strike="noStrike" cap="none" normalizeH="0" baseline="0" dirty="0">
+                <a:ln>
+                  <a:noFill/>
+                </a:ln>
+                <a:solidFill>
+                  <a:schemeClr val="bg1"/>
+                </a:solidFill>
+                <a:effectLst/>
+                <a:latin typeface="Arial" panose="020B0604020202020204" pitchFamily="34" charset="0"/>
+              </a:rPr>
+              <a:t>Docker </a:t>
+            </a:r>
+            <a:r>
+              <a:rPr kumimoji="0" lang="es-ES" altLang="es-ES" sz="2800" b="0" i="0" u="none" strike="noStrike" cap="none" normalizeH="0" baseline="0" dirty="0" err="1">
+                <a:ln>
+                  <a:noFill/>
+                </a:ln>
+                <a:solidFill>
+                  <a:schemeClr val="bg1"/>
+                </a:solidFill>
+                <a:effectLst/>
+                <a:latin typeface="Arial" panose="020B0604020202020204" pitchFamily="34" charset="0"/>
+              </a:rPr>
+              <a:t>containerization</a:t>
+            </a:r>
+            <a:r>
+              <a:rPr kumimoji="0" lang="es-ES" altLang="es-ES" sz="2800" b="0" i="0" u="none" strike="noStrike" cap="none" normalizeH="0" baseline="0" dirty="0">
+                <a:ln>
+                  <a:noFill/>
+                </a:ln>
+                <a:solidFill>
+                  <a:schemeClr val="bg1"/>
+                </a:solidFill>
+                <a:effectLst/>
+                <a:latin typeface="Arial" panose="020B0604020202020204" pitchFamily="34" charset="0"/>
+              </a:rPr>
+              <a:t> </a:t>
+            </a:r>
+          </a:p>
+          <a:p>
+            <a:pPr marL="0" marR="0" lvl="0" indent="0" algn="l" defTabSz="914400" rtl="0" eaLnBrk="0" fontAlgn="base" latinLnBrk="0" hangingPunct="0">
+              <a:lnSpc>
+                <a:spcPct val="100000"/>
+              </a:lnSpc>
+              <a:spcBef>
+                <a:spcPts val="1200"/>
+              </a:spcBef>
+              <a:spcAft>
+                <a:spcPts val="1200"/>
+              </a:spcAft>
+              <a:buClrTx/>
+              <a:buSzTx/>
+              <a:buFontTx/>
+              <a:buChar char="•"/>
+              <a:tabLst/>
+            </a:pPr>
+            <a:r>
+              <a:rPr kumimoji="0" lang="es-ES" altLang="es-ES" sz="2800" b="0" i="0" u="none" strike="noStrike" cap="none" normalizeH="0" baseline="0" dirty="0">
+                <a:ln>
+                  <a:noFill/>
+                </a:ln>
+                <a:solidFill>
+                  <a:schemeClr val="bg1"/>
+                </a:solidFill>
+                <a:effectLst/>
+                <a:latin typeface="Arial" panose="020B0604020202020204" pitchFamily="34" charset="0"/>
+              </a:rPr>
+              <a:t>Load </a:t>
+            </a:r>
+            <a:r>
+              <a:rPr kumimoji="0" lang="es-ES" altLang="es-ES" sz="2800" b="0" i="0" u="none" strike="noStrike" cap="none" normalizeH="0" baseline="0" dirty="0" err="1">
+                <a:ln>
+                  <a:noFill/>
+                </a:ln>
+                <a:solidFill>
+                  <a:schemeClr val="bg1"/>
+                </a:solidFill>
+                <a:effectLst/>
+                <a:latin typeface="Arial" panose="020B0604020202020204" pitchFamily="34" charset="0"/>
+              </a:rPr>
+              <a:t>balancing</a:t>
+            </a:r>
+            <a:r>
+              <a:rPr kumimoji="0" lang="es-ES" altLang="es-ES" sz="2800" b="0" i="0" u="none" strike="noStrike" cap="none" normalizeH="0" baseline="0" dirty="0">
+                <a:ln>
+                  <a:noFill/>
+                </a:ln>
+                <a:solidFill>
+                  <a:schemeClr val="bg1"/>
+                </a:solidFill>
+                <a:effectLst/>
+                <a:latin typeface="Arial" panose="020B0604020202020204" pitchFamily="34" charset="0"/>
+              </a:rPr>
+              <a:t> </a:t>
+            </a:r>
+          </a:p>
+          <a:p>
+            <a:pPr marL="0" marR="0" lvl="0" indent="0" algn="l" defTabSz="914400" rtl="0" eaLnBrk="0" fontAlgn="base" latinLnBrk="0" hangingPunct="0">
+              <a:lnSpc>
+                <a:spcPct val="100000"/>
+              </a:lnSpc>
+              <a:spcBef>
+                <a:spcPts val="1200"/>
+              </a:spcBef>
+              <a:spcAft>
+                <a:spcPts val="1200"/>
+              </a:spcAft>
+              <a:buClrTx/>
+              <a:buSzTx/>
+              <a:buFontTx/>
+              <a:buChar char="•"/>
+              <a:tabLst/>
+            </a:pPr>
+            <a:r>
+              <a:rPr kumimoji="0" lang="es-ES" altLang="es-ES" sz="2800" b="0" i="0" u="none" strike="noStrike" cap="none" normalizeH="0" baseline="0" dirty="0">
+                <a:ln>
+                  <a:noFill/>
+                </a:ln>
+                <a:solidFill>
+                  <a:schemeClr val="bg1"/>
+                </a:solidFill>
+                <a:effectLst/>
+                <a:latin typeface="Arial" panose="020B0604020202020204" pitchFamily="34" charset="0"/>
+              </a:rPr>
+              <a:t>CDN para imágenes </a:t>
+            </a:r>
+          </a:p>
+        </p:txBody>
+      </p:sp>
+    </p:spTree>
+    <p:extLst>
+      <p:ext uri="{BB962C8B-B14F-4D97-AF65-F5344CB8AC3E}">
+        <p14:creationId xmlns:p14="http://schemas.microsoft.com/office/powerpoint/2010/main" val="3320917933"/>
+      </p:ext>
+    </p:extLst>
+  </p:cSld>
+  <p:clrMapOvr>
+    <a:masterClrMapping/>
+  </p:clrMapOvr>
+</p:sld>
+</file>
+
+<file path=ppt/slides/slide26.xml><?xml version="1.0" encoding="utf-8"?>
+<p:sld xmlns:a="http://schemas.openxmlformats.org/drawingml/2006/main" xmlns:r="http://schemas.openxmlformats.org/officeDocument/2006/relationships" xmlns:p="http://schemas.openxmlformats.org/presentationml/2006/main">
+  <p:cSld>
+    <p:spTree>
+      <p:nvGrpSpPr>
+        <p:cNvPr id="1" name=""/>
+        <p:cNvGrpSpPr/>
+        <p:nvPr/>
+      </p:nvGrpSpPr>
+      <p:grpSpPr>
+        <a:xfrm>
+          <a:off x="0" y="0"/>
+          <a:ext cx="0" cy="0"/>
+          <a:chOff x="0" y="0"/>
+          <a:chExt cx="0" cy="0"/>
+        </a:xfrm>
+      </p:grpSpPr>
+      <p:sp>
+        <p:nvSpPr>
+          <p:cNvPr id="2" name="Título 1">
+            <a:extLst>
+              <a:ext uri="{FF2B5EF4-FFF2-40B4-BE49-F238E27FC236}">
+                <a16:creationId xmlns:a16="http://schemas.microsoft.com/office/drawing/2014/main" id="{D34F2DED-9BF2-FCCB-BC59-33604592699C}"/>
+              </a:ext>
+            </a:extLst>
+          </p:cNvPr>
+          <p:cNvSpPr>
+            <a:spLocks noGrp="1"/>
+          </p:cNvSpPr>
+          <p:nvPr>
+            <p:ph type="title"/>
+          </p:nvPr>
+        </p:nvSpPr>
+        <p:spPr/>
+        <p:txBody>
+          <a:bodyPr/>
+          <a:lstStyle/>
+          <a:p>
+            <a:r>
+              <a:rPr lang="es-ES" dirty="0"/>
+              <a:t>Conclusiones</a:t>
+            </a:r>
+          </a:p>
+        </p:txBody>
+      </p:sp>
+      <p:sp>
+        <p:nvSpPr>
+          <p:cNvPr id="4" name="Rectangle 1">
+            <a:extLst>
+              <a:ext uri="{FF2B5EF4-FFF2-40B4-BE49-F238E27FC236}">
+                <a16:creationId xmlns:a16="http://schemas.microsoft.com/office/drawing/2014/main" id="{2AFB04BB-9219-2BC2-9F45-CA44B0B463A9}"/>
+              </a:ext>
+            </a:extLst>
+          </p:cNvPr>
+          <p:cNvSpPr>
+            <a:spLocks noGrp="1" noChangeArrowheads="1"/>
+          </p:cNvSpPr>
+          <p:nvPr>
+            <p:ph idx="1"/>
+          </p:nvPr>
+        </p:nvSpPr>
+        <p:spPr bwMode="auto">
+          <a:xfrm>
+            <a:off x="680321" y="1812820"/>
+            <a:ext cx="8516499" cy="4647426"/>
+          </a:xfrm>
+          <a:prstGeom prst="rect">
+            <a:avLst/>
+          </a:prstGeom>
+          <a:noFill/>
+          <a:ln>
+            <a:noFill/>
+          </a:ln>
+          <a:effectLst/>
+          <a:extLst>
+            <a:ext uri="{909E8E84-426E-40DD-AFC4-6F175D3DCCD1}">
+              <a14:hiddenFill xmlns:a14="http://schemas.microsoft.com/office/drawing/2010/main">
+                <a:solidFill>
+                  <a:schemeClr val="accent1"/>
+                </a:solidFill>
+              </a14:hiddenFill>
+            </a:ext>
+            <a:ext uri="{91240B29-F687-4F45-9708-019B960494DF}">
+              <a14:hiddenLine xmlns:a14="http://schemas.microsoft.com/office/drawing/2010/main" w="9525">
+                <a:solidFill>
+                  <a:schemeClr val="tx1"/>
+                </a:solidFill>
+                <a:miter lim="800000"/>
+                <a:headEnd/>
+                <a:tailEnd/>
+              </a14:hiddenLine>
+            </a:ext>
+            <a:ext uri="{AF507438-7753-43E0-B8FC-AC1667EBCBE1}">
+              <a14:hiddenEffects xmlns:a14="http://schemas.microsoft.com/office/drawing/2010/main">
+                <a:effectLst>
+                  <a:outerShdw dist="35921" dir="2700000" algn="ctr" rotWithShape="0">
+                    <a:schemeClr val="bg2"/>
+                  </a:outerShdw>
+                </a:effectLst>
+              </a14:hiddenEffects>
+            </a:ext>
+          </a:extLst>
+        </p:spPr>
+        <p:txBody>
+          <a:bodyPr vert="horz" wrap="none" lIns="91440" tIns="45720" rIns="91440" bIns="45720" numCol="1" anchor="ctr" anchorCtr="0" compatLnSpc="1">
+            <a:prstTxWarp prst="textNoShape">
+              <a:avLst/>
+            </a:prstTxWarp>
+            <a:spAutoFit/>
+          </a:bodyPr>
+          <a:lstStyle/>
+          <a:p>
+            <a:pPr marL="0" marR="0" lvl="0" indent="0" algn="l" defTabSz="914400" rtl="0" eaLnBrk="0" fontAlgn="base" latinLnBrk="0" hangingPunct="0">
+              <a:lnSpc>
+                <a:spcPct val="100000"/>
+              </a:lnSpc>
+              <a:spcBef>
+                <a:spcPct val="0"/>
+              </a:spcBef>
+              <a:spcAft>
+                <a:spcPct val="0"/>
+              </a:spcAft>
+              <a:buClrTx/>
+              <a:buSzTx/>
+              <a:buFontTx/>
+              <a:buNone/>
+              <a:tabLst/>
+            </a:pPr>
+            <a:endParaRPr kumimoji="0" lang="es-ES" altLang="es-ES" sz="1800" b="0" i="0" u="none" strike="noStrike" cap="none" normalizeH="0" baseline="0" dirty="0">
+              <a:ln>
+                <a:noFill/>
+              </a:ln>
+              <a:solidFill>
+                <a:schemeClr val="tx1"/>
+              </a:solidFill>
+              <a:effectLst/>
+              <a:latin typeface="Arial" panose="020B0604020202020204" pitchFamily="34" charset="0"/>
+            </a:endParaRPr>
+          </a:p>
+          <a:p>
+            <a:pPr marL="0" lvl="0" indent="0" eaLnBrk="0" fontAlgn="base" hangingPunct="0">
+              <a:lnSpc>
+                <a:spcPct val="100000"/>
+              </a:lnSpc>
+              <a:spcBef>
+                <a:spcPts val="1200"/>
+              </a:spcBef>
+              <a:spcAft>
+                <a:spcPts val="1200"/>
+              </a:spcAft>
+              <a:buNone/>
+            </a:pPr>
+            <a:r>
+              <a:rPr lang="es-ES" sz="2800" b="1" dirty="0">
+                <a:solidFill>
+                  <a:schemeClr val="bg1"/>
+                </a:solidFill>
+              </a:rPr>
+              <a:t>Logros Alcanzados:</a:t>
+            </a:r>
+            <a:r>
+              <a:rPr lang="es-ES" sz="2800" dirty="0">
+                <a:solidFill>
+                  <a:schemeClr val="bg1"/>
+                </a:solidFill>
+              </a:rPr>
+              <a:t> </a:t>
+            </a:r>
+          </a:p>
+          <a:p>
+            <a:pPr marL="0" lvl="0" indent="0" eaLnBrk="0" fontAlgn="base" hangingPunct="0">
+              <a:lnSpc>
+                <a:spcPct val="100000"/>
+              </a:lnSpc>
+              <a:spcBef>
+                <a:spcPts val="1200"/>
+              </a:spcBef>
+              <a:spcAft>
+                <a:spcPts val="1200"/>
+              </a:spcAft>
+              <a:buFontTx/>
+              <a:buChar char="•"/>
+            </a:pPr>
+            <a:r>
+              <a:rPr lang="es-ES" sz="2800" dirty="0">
+                <a:solidFill>
+                  <a:schemeClr val="bg1"/>
+                </a:solidFill>
+              </a:rPr>
+              <a:t>✅ Aplicación </a:t>
+            </a:r>
+            <a:r>
+              <a:rPr lang="es-ES" sz="2800" dirty="0" err="1">
+                <a:solidFill>
+                  <a:schemeClr val="bg1"/>
+                </a:solidFill>
+              </a:rPr>
+              <a:t>FullStack</a:t>
+            </a:r>
+            <a:r>
+              <a:rPr lang="es-ES" sz="2800" dirty="0">
+                <a:solidFill>
+                  <a:schemeClr val="bg1"/>
+                </a:solidFill>
+              </a:rPr>
+              <a:t> completamente funcional </a:t>
+            </a:r>
+          </a:p>
+          <a:p>
+            <a:pPr marL="0" lvl="0" indent="0" eaLnBrk="0" fontAlgn="base" hangingPunct="0">
+              <a:lnSpc>
+                <a:spcPct val="100000"/>
+              </a:lnSpc>
+              <a:spcBef>
+                <a:spcPts val="1200"/>
+              </a:spcBef>
+              <a:spcAft>
+                <a:spcPts val="1200"/>
+              </a:spcAft>
+              <a:buFontTx/>
+              <a:buChar char="•"/>
+            </a:pPr>
+            <a:r>
+              <a:rPr lang="es-ES" sz="2800" dirty="0">
+                <a:solidFill>
+                  <a:schemeClr val="bg1"/>
+                </a:solidFill>
+              </a:rPr>
+              <a:t>✅ API REST robusta y escalable </a:t>
+            </a:r>
+          </a:p>
+          <a:p>
+            <a:pPr marL="0" lvl="0" indent="0" eaLnBrk="0" fontAlgn="base" hangingPunct="0">
+              <a:lnSpc>
+                <a:spcPct val="100000"/>
+              </a:lnSpc>
+              <a:spcBef>
+                <a:spcPts val="1200"/>
+              </a:spcBef>
+              <a:spcAft>
+                <a:spcPts val="1200"/>
+              </a:spcAft>
+              <a:buFontTx/>
+              <a:buChar char="•"/>
+            </a:pPr>
+            <a:r>
+              <a:rPr lang="es-ES" sz="2800" dirty="0">
+                <a:solidFill>
+                  <a:schemeClr val="bg1"/>
+                </a:solidFill>
+              </a:rPr>
+              <a:t>✅ Interfaz moderna y responsive </a:t>
+            </a:r>
+          </a:p>
+          <a:p>
+            <a:pPr marL="0" lvl="0" indent="0" eaLnBrk="0" fontAlgn="base" hangingPunct="0">
+              <a:lnSpc>
+                <a:spcPct val="100000"/>
+              </a:lnSpc>
+              <a:spcBef>
+                <a:spcPts val="1200"/>
+              </a:spcBef>
+              <a:spcAft>
+                <a:spcPts val="1200"/>
+              </a:spcAft>
+              <a:buFontTx/>
+              <a:buChar char="•"/>
+            </a:pPr>
+            <a:r>
+              <a:rPr lang="es-ES" sz="2800" dirty="0">
+                <a:solidFill>
+                  <a:schemeClr val="bg1"/>
+                </a:solidFill>
+              </a:rPr>
+              <a:t>✅ Sistema de autenticación seguro </a:t>
+            </a:r>
+          </a:p>
+          <a:p>
+            <a:pPr marL="0" lvl="0" indent="0" eaLnBrk="0" fontAlgn="base" hangingPunct="0">
+              <a:lnSpc>
+                <a:spcPct val="100000"/>
+              </a:lnSpc>
+              <a:spcBef>
+                <a:spcPts val="1200"/>
+              </a:spcBef>
+              <a:spcAft>
+                <a:spcPts val="1200"/>
+              </a:spcAft>
+              <a:buFontTx/>
+              <a:buChar char="•"/>
+            </a:pPr>
+            <a:r>
+              <a:rPr lang="es-ES" sz="2800" dirty="0">
+                <a:solidFill>
+                  <a:schemeClr val="bg1"/>
+                </a:solidFill>
+              </a:rPr>
+              <a:t>✅ Base de datos normalizada correctamente</a:t>
+            </a:r>
+            <a:endParaRPr kumimoji="0" lang="es-ES" altLang="es-ES" sz="2800" b="0" i="0" u="none" strike="noStrike" cap="none" normalizeH="0" baseline="0" dirty="0">
+              <a:ln>
+                <a:noFill/>
+              </a:ln>
+              <a:solidFill>
+                <a:schemeClr val="bg1"/>
+              </a:solidFill>
+              <a:effectLst/>
+              <a:latin typeface="Arial" panose="020B0604020202020204" pitchFamily="34" charset="0"/>
+            </a:endParaRPr>
+          </a:p>
+        </p:txBody>
+      </p:sp>
+    </p:spTree>
+    <p:extLst>
+      <p:ext uri="{BB962C8B-B14F-4D97-AF65-F5344CB8AC3E}">
+        <p14:creationId xmlns:p14="http://schemas.microsoft.com/office/powerpoint/2010/main" val="1287375917"/>
+      </p:ext>
+    </p:extLst>
+  </p:cSld>
+  <p:clrMapOvr>
+    <a:masterClrMapping/>
+  </p:clrMapOvr>
+</p:sld>
+</file>
+
+<file path=ppt/slides/slide27.xml><?xml version="1.0" encoding="utf-8"?>
+<p:sld xmlns:a="http://schemas.openxmlformats.org/drawingml/2006/main" xmlns:r="http://schemas.openxmlformats.org/officeDocument/2006/relationships" xmlns:p="http://schemas.openxmlformats.org/presentationml/2006/main">
+  <p:cSld>
+    <p:spTree>
+      <p:nvGrpSpPr>
+        <p:cNvPr id="1" name=""/>
+        <p:cNvGrpSpPr/>
+        <p:nvPr/>
+      </p:nvGrpSpPr>
+      <p:grpSpPr>
+        <a:xfrm>
+          <a:off x="0" y="0"/>
+          <a:ext cx="0" cy="0"/>
+          <a:chOff x="0" y="0"/>
+          <a:chExt cx="0" cy="0"/>
+        </a:xfrm>
+      </p:grpSpPr>
+      <p:sp>
+        <p:nvSpPr>
+          <p:cNvPr id="2" name="Título 1">
+            <a:extLst>
+              <a:ext uri="{FF2B5EF4-FFF2-40B4-BE49-F238E27FC236}">
+                <a16:creationId xmlns:a16="http://schemas.microsoft.com/office/drawing/2014/main" id="{8ADF869E-0A02-845A-9F15-08E4A62F5CD9}"/>
+              </a:ext>
+            </a:extLst>
+          </p:cNvPr>
+          <p:cNvSpPr>
+            <a:spLocks noGrp="1"/>
+          </p:cNvSpPr>
+          <p:nvPr>
+            <p:ph type="title"/>
+          </p:nvPr>
+        </p:nvSpPr>
+        <p:spPr/>
+        <p:txBody>
+          <a:bodyPr/>
+          <a:lstStyle/>
+          <a:p>
+            <a:r>
+              <a:rPr lang="es-ES" dirty="0"/>
+              <a:t>Conclusiones</a:t>
+            </a:r>
+          </a:p>
+        </p:txBody>
+      </p:sp>
+      <p:sp>
+        <p:nvSpPr>
+          <p:cNvPr id="3" name="Marcador de contenido 2">
+            <a:extLst>
+              <a:ext uri="{FF2B5EF4-FFF2-40B4-BE49-F238E27FC236}">
+                <a16:creationId xmlns:a16="http://schemas.microsoft.com/office/drawing/2014/main" id="{81BE3601-934B-74C1-AE96-B6439EFDBC14}"/>
+              </a:ext>
+            </a:extLst>
+          </p:cNvPr>
+          <p:cNvSpPr>
+            <a:spLocks noGrp="1"/>
+          </p:cNvSpPr>
+          <p:nvPr>
+            <p:ph idx="1"/>
+          </p:nvPr>
+        </p:nvSpPr>
+        <p:spPr/>
+        <p:txBody>
+          <a:bodyPr/>
+          <a:lstStyle/>
+          <a:p>
+            <a:pPr marL="0" indent="0">
+              <a:buNone/>
+            </a:pPr>
+            <a:r>
+              <a:rPr lang="es-ES" b="1" dirty="0">
+                <a:solidFill>
+                  <a:schemeClr val="bg1"/>
+                </a:solidFill>
+              </a:rPr>
+              <a:t>Conocimientos Aplicados:</a:t>
+            </a:r>
+            <a:endParaRPr lang="es-ES" dirty="0">
+              <a:solidFill>
+                <a:schemeClr val="bg1"/>
+              </a:solidFill>
+            </a:endParaRPr>
+          </a:p>
+          <a:p>
+            <a:r>
+              <a:rPr lang="es-ES" dirty="0" err="1">
+                <a:solidFill>
+                  <a:schemeClr val="bg1"/>
+                </a:solidFill>
+              </a:rPr>
+              <a:t>Frontend</a:t>
+            </a:r>
+            <a:r>
+              <a:rPr lang="es-ES" dirty="0">
+                <a:solidFill>
+                  <a:schemeClr val="bg1"/>
+                </a:solidFill>
+              </a:rPr>
+              <a:t>: </a:t>
+            </a:r>
+            <a:r>
+              <a:rPr lang="es-ES" dirty="0" err="1">
+                <a:solidFill>
+                  <a:schemeClr val="bg1"/>
+                </a:solidFill>
+              </a:rPr>
+              <a:t>React</a:t>
+            </a:r>
+            <a:r>
+              <a:rPr lang="es-ES" dirty="0">
+                <a:solidFill>
+                  <a:schemeClr val="bg1"/>
+                </a:solidFill>
+              </a:rPr>
+              <a:t>, componentes, </a:t>
+            </a:r>
+            <a:r>
+              <a:rPr lang="es-ES" dirty="0" err="1">
+                <a:solidFill>
+                  <a:schemeClr val="bg1"/>
+                </a:solidFill>
+              </a:rPr>
+              <a:t>routing</a:t>
+            </a:r>
+            <a:r>
+              <a:rPr lang="es-ES" dirty="0">
+                <a:solidFill>
+                  <a:schemeClr val="bg1"/>
+                </a:solidFill>
+              </a:rPr>
+              <a:t>, </a:t>
+            </a:r>
+            <a:r>
+              <a:rPr lang="es-ES" dirty="0" err="1">
+                <a:solidFill>
+                  <a:schemeClr val="bg1"/>
+                </a:solidFill>
+              </a:rPr>
+              <a:t>state</a:t>
+            </a:r>
+            <a:r>
+              <a:rPr lang="es-ES" dirty="0">
+                <a:solidFill>
+                  <a:schemeClr val="bg1"/>
+                </a:solidFill>
+              </a:rPr>
+              <a:t> </a:t>
+            </a:r>
+            <a:r>
+              <a:rPr lang="es-ES" dirty="0" err="1">
+                <a:solidFill>
+                  <a:schemeClr val="bg1"/>
+                </a:solidFill>
+              </a:rPr>
+              <a:t>management</a:t>
+            </a:r>
+            <a:endParaRPr lang="es-ES" dirty="0">
+              <a:solidFill>
+                <a:schemeClr val="bg1"/>
+              </a:solidFill>
+            </a:endParaRPr>
+          </a:p>
+          <a:p>
+            <a:r>
+              <a:rPr lang="es-ES" dirty="0" err="1">
+                <a:solidFill>
+                  <a:schemeClr val="bg1"/>
+                </a:solidFill>
+              </a:rPr>
+              <a:t>Backend</a:t>
+            </a:r>
+            <a:r>
+              <a:rPr lang="es-ES" dirty="0">
+                <a:solidFill>
+                  <a:schemeClr val="bg1"/>
+                </a:solidFill>
+              </a:rPr>
+              <a:t>: Django, DRF, ORM, autenticación</a:t>
+            </a:r>
+          </a:p>
+          <a:p>
+            <a:r>
+              <a:rPr lang="es-ES" dirty="0">
+                <a:solidFill>
+                  <a:schemeClr val="bg1"/>
+                </a:solidFill>
+              </a:rPr>
+              <a:t>Base de Datos: Modelado, normalización, SQL</a:t>
+            </a:r>
+          </a:p>
+          <a:p>
+            <a:r>
+              <a:rPr lang="es-ES" dirty="0">
+                <a:solidFill>
+                  <a:schemeClr val="bg1"/>
+                </a:solidFill>
+              </a:rPr>
+              <a:t>Arquitectura: Cliente-servidor, REST, JWT</a:t>
+            </a:r>
+          </a:p>
+          <a:p>
+            <a:r>
+              <a:rPr lang="es-ES" dirty="0">
+                <a:solidFill>
+                  <a:schemeClr val="bg1"/>
+                </a:solidFill>
+              </a:rPr>
+              <a:t>UX/UI: Diseño responsive, accesibilidad</a:t>
+            </a:r>
+          </a:p>
+          <a:p>
+            <a:pPr marL="0" indent="0">
+              <a:buNone/>
+            </a:pPr>
+            <a:endParaRPr lang="es-ES" dirty="0"/>
+          </a:p>
+        </p:txBody>
+      </p:sp>
+    </p:spTree>
+    <p:extLst>
+      <p:ext uri="{BB962C8B-B14F-4D97-AF65-F5344CB8AC3E}">
+        <p14:creationId xmlns:p14="http://schemas.microsoft.com/office/powerpoint/2010/main" val="1374013010"/>
+      </p:ext>
+    </p:extLst>
+  </p:cSld>
+  <p:clrMapOvr>
+    <a:masterClrMapping/>
+  </p:clrMapOvr>
+</p:sld>
+</file>
+
+<file path=ppt/slides/slide28.xml><?xml version="1.0" encoding="utf-8"?>
+<p:sld xmlns:a="http://schemas.openxmlformats.org/drawingml/2006/main" xmlns:r="http://schemas.openxmlformats.org/officeDocument/2006/relationships" xmlns:p="http://schemas.openxmlformats.org/presentationml/2006/main">
+  <p:cSld>
+    <p:spTree>
+      <p:nvGrpSpPr>
+        <p:cNvPr id="1" name=""/>
+        <p:cNvGrpSpPr/>
+        <p:nvPr/>
+      </p:nvGrpSpPr>
+      <p:grpSpPr>
+        <a:xfrm>
+          <a:off x="0" y="0"/>
+          <a:ext cx="0" cy="0"/>
+          <a:chOff x="0" y="0"/>
+          <a:chExt cx="0" cy="0"/>
+        </a:xfrm>
+      </p:grpSpPr>
+      <p:sp>
+        <p:nvSpPr>
+          <p:cNvPr id="2" name="Título 1">
+            <a:extLst>
+              <a:ext uri="{FF2B5EF4-FFF2-40B4-BE49-F238E27FC236}">
+                <a16:creationId xmlns:a16="http://schemas.microsoft.com/office/drawing/2014/main" id="{8CAF03D3-5A6B-EEE6-2CB5-BF17706BB9C9}"/>
+              </a:ext>
+            </a:extLst>
+          </p:cNvPr>
+          <p:cNvSpPr>
+            <a:spLocks noGrp="1"/>
+          </p:cNvSpPr>
+          <p:nvPr>
+            <p:ph type="title"/>
+          </p:nvPr>
+        </p:nvSpPr>
+        <p:spPr/>
+        <p:txBody>
+          <a:bodyPr/>
+          <a:lstStyle/>
+          <a:p>
+            <a:r>
+              <a:rPr lang="es-ES" dirty="0"/>
+              <a:t>Agradecimientos</a:t>
+            </a:r>
+          </a:p>
+        </p:txBody>
+      </p:sp>
+      <p:sp>
+        <p:nvSpPr>
+          <p:cNvPr id="3" name="Marcador de contenido 2">
+            <a:extLst>
+              <a:ext uri="{FF2B5EF4-FFF2-40B4-BE49-F238E27FC236}">
+                <a16:creationId xmlns:a16="http://schemas.microsoft.com/office/drawing/2014/main" id="{7843D654-9B6F-9D44-1DCD-6F3AFF591188}"/>
+              </a:ext>
+            </a:extLst>
+          </p:cNvPr>
+          <p:cNvSpPr>
+            <a:spLocks noGrp="1"/>
+          </p:cNvSpPr>
+          <p:nvPr>
+            <p:ph idx="1"/>
+          </p:nvPr>
+        </p:nvSpPr>
+        <p:spPr/>
+        <p:txBody>
+          <a:bodyPr/>
+          <a:lstStyle/>
+          <a:p>
+            <a:pPr marL="0" indent="0" algn="ctr">
+              <a:buNone/>
+            </a:pPr>
+            <a:r>
+              <a:rPr lang="es-ES" sz="3600" b="1" dirty="0">
+                <a:solidFill>
+                  <a:schemeClr val="bg1"/>
+                </a:solidFill>
+              </a:rPr>
+              <a:t>Gracias por su atención</a:t>
+            </a:r>
+          </a:p>
+          <a:p>
+            <a:pPr marL="0" indent="0">
+              <a:buNone/>
+            </a:pPr>
+            <a:r>
+              <a:rPr lang="es-ES" dirty="0">
+                <a:solidFill>
+                  <a:schemeClr val="bg1"/>
+                </a:solidFill>
+              </a:rPr>
+              <a:t>Contacto:</a:t>
+            </a:r>
+          </a:p>
+          <a:p>
+            <a:r>
+              <a:rPr lang="es-ES" dirty="0" err="1">
+                <a:solidFill>
+                  <a:schemeClr val="bg1"/>
+                </a:solidFill>
+              </a:rPr>
+              <a:t>Linkedin</a:t>
+            </a:r>
+            <a:r>
+              <a:rPr lang="es-ES" dirty="0">
+                <a:solidFill>
+                  <a:schemeClr val="bg1"/>
+                </a:solidFill>
+              </a:rPr>
+              <a:t> </a:t>
+            </a:r>
+            <a:r>
+              <a:rPr lang="es-ES" dirty="0">
+                <a:solidFill>
+                  <a:schemeClr val="bg1"/>
+                </a:solidFill>
+                <a:sym typeface="Wingdings" panose="05000000000000000000" pitchFamily="2" charset="2"/>
+              </a:rPr>
+              <a:t> </a:t>
+            </a:r>
+            <a:r>
+              <a:rPr lang="es-ES" dirty="0">
+                <a:solidFill>
+                  <a:schemeClr val="bg1"/>
+                </a:solidFill>
+                <a:sym typeface="Wingdings" panose="05000000000000000000" pitchFamily="2" charset="2"/>
+                <a:hlinkClick r:id="rId2"/>
+              </a:rPr>
+              <a:t>https://www.linkedin.com/in/david-vaamonde/</a:t>
+            </a:r>
+            <a:r>
+              <a:rPr lang="es-ES" dirty="0">
+                <a:solidFill>
+                  <a:schemeClr val="bg1"/>
+                </a:solidFill>
+                <a:sym typeface="Wingdings" panose="05000000000000000000" pitchFamily="2" charset="2"/>
+              </a:rPr>
+              <a:t> </a:t>
+            </a:r>
+            <a:endParaRPr lang="es-ES" dirty="0">
+              <a:solidFill>
+                <a:schemeClr val="bg1"/>
+              </a:solidFill>
+            </a:endParaRPr>
+          </a:p>
+          <a:p>
+            <a:r>
+              <a:rPr lang="es-ES" dirty="0">
+                <a:solidFill>
+                  <a:schemeClr val="bg1"/>
+                </a:solidFill>
+              </a:rPr>
+              <a:t>Email </a:t>
+            </a:r>
+            <a:r>
+              <a:rPr lang="es-ES" dirty="0">
+                <a:solidFill>
+                  <a:schemeClr val="bg1"/>
+                </a:solidFill>
+                <a:sym typeface="Wingdings" panose="05000000000000000000" pitchFamily="2" charset="2"/>
+              </a:rPr>
+              <a:t> davidvaamonde.bueno@gmail.com</a:t>
+            </a:r>
+            <a:endParaRPr lang="es-ES" dirty="0">
+              <a:solidFill>
+                <a:schemeClr val="bg1"/>
+              </a:solidFill>
+            </a:endParaRPr>
+          </a:p>
+          <a:p>
+            <a:r>
+              <a:rPr lang="es-ES" dirty="0" err="1">
+                <a:solidFill>
+                  <a:schemeClr val="bg1"/>
+                </a:solidFill>
+              </a:rPr>
+              <a:t>Github</a:t>
+            </a:r>
+            <a:r>
+              <a:rPr lang="es-ES" dirty="0">
+                <a:solidFill>
+                  <a:schemeClr val="bg1"/>
+                </a:solidFill>
+              </a:rPr>
+              <a:t> </a:t>
+            </a:r>
+            <a:r>
+              <a:rPr lang="es-ES" dirty="0">
+                <a:solidFill>
+                  <a:schemeClr val="bg1"/>
+                </a:solidFill>
+                <a:sym typeface="Wingdings" panose="05000000000000000000" pitchFamily="2" charset="2"/>
+              </a:rPr>
+              <a:t> </a:t>
+            </a:r>
+            <a:r>
+              <a:rPr lang="es-ES" dirty="0">
+                <a:solidFill>
+                  <a:schemeClr val="bg1"/>
+                </a:solidFill>
+                <a:sym typeface="Wingdings" panose="05000000000000000000" pitchFamily="2" charset="2"/>
+                <a:hlinkClick r:id="rId3"/>
+              </a:rPr>
+              <a:t>https://github.com/DavidLapi</a:t>
+            </a:r>
+            <a:r>
+              <a:rPr lang="es-ES" dirty="0">
+                <a:solidFill>
+                  <a:schemeClr val="bg1"/>
+                </a:solidFill>
+                <a:sym typeface="Wingdings" panose="05000000000000000000" pitchFamily="2" charset="2"/>
+              </a:rPr>
+              <a:t> </a:t>
+            </a:r>
+          </a:p>
+          <a:p>
+            <a:pPr marL="0" indent="0">
+              <a:buNone/>
+            </a:pPr>
+            <a:r>
+              <a:rPr lang="es-ES" dirty="0">
+                <a:solidFill>
+                  <a:schemeClr val="bg1"/>
+                </a:solidFill>
+                <a:sym typeface="Wingdings" panose="05000000000000000000" pitchFamily="2" charset="2"/>
+              </a:rPr>
+              <a:t>Link del proyecto:</a:t>
+            </a:r>
+          </a:p>
+          <a:p>
+            <a:r>
+              <a:rPr lang="es-ES" dirty="0">
+                <a:solidFill>
+                  <a:schemeClr val="bg1"/>
+                </a:solidFill>
+                <a:sym typeface="Wingdings" panose="05000000000000000000" pitchFamily="2" charset="2"/>
+                <a:hlinkClick r:id="rId4"/>
+              </a:rPr>
+              <a:t>https://github.com/DavidLapi/Chipi-Park.git</a:t>
+            </a:r>
+            <a:r>
+              <a:rPr lang="es-ES" dirty="0">
+                <a:solidFill>
+                  <a:schemeClr val="bg1"/>
+                </a:solidFill>
+                <a:sym typeface="Wingdings" panose="05000000000000000000" pitchFamily="2" charset="2"/>
+              </a:rPr>
+              <a:t> </a:t>
+            </a:r>
+          </a:p>
+          <a:p>
+            <a:pPr marL="0" indent="0">
+              <a:buNone/>
+            </a:pPr>
+            <a:endParaRPr lang="es-ES" dirty="0">
+              <a:solidFill>
+                <a:schemeClr val="bg1"/>
+              </a:solidFill>
+            </a:endParaRPr>
+          </a:p>
+        </p:txBody>
+      </p:sp>
+    </p:spTree>
+    <p:extLst>
+      <p:ext uri="{BB962C8B-B14F-4D97-AF65-F5344CB8AC3E}">
+        <p14:creationId xmlns:p14="http://schemas.microsoft.com/office/powerpoint/2010/main" val="1329184185"/>
+      </p:ext>
+    </p:extLst>
+  </p:cSld>
+  <p:clrMapOvr>
+    <a:masterClrMapping/>
+  </p:clrMapOvr>
+</p:sld>
+</file>
+
+<file path=ppt/slides/slide3.xml><?xml version="1.0" encoding="utf-8"?>
+<p:sld xmlns:a="http://schemas.openxmlformats.org/drawingml/2006/main" xmlns:r="http://schemas.openxmlformats.org/officeDocument/2006/relationships" xmlns:p="http://schemas.openxmlformats.org/presentationml/2006/main">
+  <p:cSld>
+    <p:spTree>
+      <p:nvGrpSpPr>
+        <p:cNvPr id="1" name=""/>
+        <p:cNvGrpSpPr/>
+        <p:nvPr/>
+      </p:nvGrpSpPr>
+      <p:grpSpPr>
+        <a:xfrm>
+          <a:off x="0" y="0"/>
+          <a:ext cx="0" cy="0"/>
+          <a:chOff x="0" y="0"/>
+          <a:chExt cx="0" cy="0"/>
+        </a:xfrm>
+      </p:grpSpPr>
+      <p:sp>
+        <p:nvSpPr>
+          <p:cNvPr id="2" name="Título 1">
+            <a:extLst>
+              <a:ext uri="{FF2B5EF4-FFF2-40B4-BE49-F238E27FC236}">
+                <a16:creationId xmlns:a16="http://schemas.microsoft.com/office/drawing/2014/main" id="{B8AB18E5-D772-8744-3700-6D0E54D5EA8F}"/>
+              </a:ext>
+            </a:extLst>
+          </p:cNvPr>
+          <p:cNvSpPr>
+            <a:spLocks noGrp="1"/>
+          </p:cNvSpPr>
+          <p:nvPr>
+            <p:ph type="title"/>
+          </p:nvPr>
+        </p:nvSpPr>
+        <p:spPr/>
+        <p:txBody>
+          <a:bodyPr/>
+          <a:lstStyle/>
+          <a:p>
+            <a:r>
+              <a:rPr lang="es-ES" dirty="0"/>
+              <a:t>Introducción: ¿Qué es Chipi Park?</a:t>
+            </a:r>
+          </a:p>
+        </p:txBody>
+      </p:sp>
+      <p:sp>
+        <p:nvSpPr>
+          <p:cNvPr id="3" name="Marcador de contenido 2">
+            <a:extLst>
+              <a:ext uri="{FF2B5EF4-FFF2-40B4-BE49-F238E27FC236}">
+                <a16:creationId xmlns:a16="http://schemas.microsoft.com/office/drawing/2014/main" id="{EF97760C-F04E-5945-ACE4-6F477FB68420}"/>
+              </a:ext>
+            </a:extLst>
+          </p:cNvPr>
+          <p:cNvSpPr>
+            <a:spLocks noGrp="1"/>
+          </p:cNvSpPr>
+          <p:nvPr>
+            <p:ph idx="1"/>
+          </p:nvPr>
+        </p:nvSpPr>
+        <p:spPr>
+          <a:xfrm>
+            <a:off x="680321" y="2365513"/>
+            <a:ext cx="9613861" cy="3570676"/>
+          </a:xfrm>
+        </p:spPr>
+        <p:txBody>
+          <a:bodyPr>
+            <a:normAutofit/>
+          </a:bodyPr>
+          <a:lstStyle/>
+          <a:p>
+            <a:r>
+              <a:rPr lang="es-ES" b="1" dirty="0">
+                <a:solidFill>
+                  <a:schemeClr val="bg1"/>
+                </a:solidFill>
+              </a:rPr>
+              <a:t>Descripción: </a:t>
+            </a:r>
+            <a:r>
+              <a:rPr lang="es-ES" dirty="0">
+                <a:solidFill>
+                  <a:schemeClr val="bg1"/>
+                </a:solidFill>
+              </a:rPr>
+              <a:t>Plataforma e-</a:t>
+            </a:r>
+            <a:r>
+              <a:rPr lang="es-ES" dirty="0" err="1">
+                <a:solidFill>
+                  <a:schemeClr val="bg1"/>
+                </a:solidFill>
+              </a:rPr>
+              <a:t>commerce</a:t>
+            </a:r>
+            <a:r>
+              <a:rPr lang="es-ES" dirty="0">
+                <a:solidFill>
+                  <a:schemeClr val="bg1"/>
+                </a:solidFill>
+              </a:rPr>
+              <a:t> completa para la venta de productos y para el entretenimiento.</a:t>
+            </a:r>
+          </a:p>
+          <a:p>
+            <a:r>
+              <a:rPr lang="es-ES" b="1" dirty="0">
+                <a:solidFill>
+                  <a:schemeClr val="bg1"/>
+                </a:solidFill>
+              </a:rPr>
+              <a:t>Productos:</a:t>
+            </a:r>
+          </a:p>
+          <a:p>
+            <a:pPr marL="650875" indent="-342900"/>
+            <a:r>
+              <a:rPr lang="es-ES" b="1" dirty="0">
+                <a:solidFill>
+                  <a:schemeClr val="bg1"/>
+                </a:solidFill>
+              </a:rPr>
+              <a:t>Juegos de mesa </a:t>
+            </a:r>
+            <a:r>
+              <a:rPr lang="es-ES" dirty="0">
+                <a:solidFill>
+                  <a:schemeClr val="bg1"/>
+                </a:solidFill>
+              </a:rPr>
+              <a:t>(estrategia, familiar…)</a:t>
+            </a:r>
+          </a:p>
+          <a:p>
+            <a:pPr marL="650875" indent="-342900"/>
+            <a:r>
+              <a:rPr lang="es-ES" b="1" dirty="0">
+                <a:solidFill>
+                  <a:schemeClr val="bg1"/>
+                </a:solidFill>
+              </a:rPr>
+              <a:t>Juegos de ordenador </a:t>
+            </a:r>
+            <a:r>
+              <a:rPr lang="es-ES" dirty="0">
+                <a:solidFill>
+                  <a:schemeClr val="bg1"/>
+                </a:solidFill>
+              </a:rPr>
+              <a:t>(Tres en raya, matemáticas rápidas…)</a:t>
+            </a:r>
+          </a:p>
+          <a:p>
+            <a:pPr marL="650875" indent="-342900"/>
+            <a:r>
+              <a:rPr lang="es-ES" b="1" dirty="0">
+                <a:solidFill>
+                  <a:schemeClr val="bg1"/>
+                </a:solidFill>
+              </a:rPr>
+              <a:t>Peluches</a:t>
+            </a:r>
+            <a:r>
+              <a:rPr lang="es-ES" dirty="0">
+                <a:solidFill>
+                  <a:schemeClr val="bg1"/>
+                </a:solidFill>
+              </a:rPr>
+              <a:t> (</a:t>
+            </a:r>
+            <a:r>
+              <a:rPr lang="es-ES" dirty="0" err="1">
+                <a:solidFill>
+                  <a:schemeClr val="bg1"/>
+                </a:solidFill>
+              </a:rPr>
+              <a:t>Fugglers</a:t>
+            </a:r>
+            <a:r>
+              <a:rPr lang="es-ES" dirty="0">
+                <a:solidFill>
+                  <a:schemeClr val="bg1"/>
+                </a:solidFill>
+              </a:rPr>
+              <a:t>, tamaños variados…)</a:t>
+            </a:r>
+            <a:endParaRPr lang="es-ES" b="1" dirty="0">
+              <a:solidFill>
+                <a:schemeClr val="bg1"/>
+              </a:solidFill>
+            </a:endParaRPr>
+          </a:p>
+          <a:p>
+            <a:pPr marL="0" indent="0">
+              <a:buNone/>
+            </a:pPr>
+            <a:br>
+              <a:rPr lang="es-ES" dirty="0"/>
+            </a:br>
+            <a:endParaRPr lang="es-ES" dirty="0"/>
+          </a:p>
+        </p:txBody>
+      </p:sp>
+    </p:spTree>
+    <p:extLst>
+      <p:ext uri="{BB962C8B-B14F-4D97-AF65-F5344CB8AC3E}">
+        <p14:creationId xmlns:p14="http://schemas.microsoft.com/office/powerpoint/2010/main" val="3230449729"/>
+      </p:ext>
+    </p:extLst>
+  </p:cSld>
+  <p:clrMapOvr>
+    <a:masterClrMapping/>
+  </p:clrMapOvr>
+</p:sld>
+</file>
+
+<file path=ppt/slides/slide4.xml><?xml version="1.0" encoding="utf-8"?>
+<p:sld xmlns:a="http://schemas.openxmlformats.org/drawingml/2006/main" xmlns:r="http://schemas.openxmlformats.org/officeDocument/2006/relationships" xmlns:p="http://schemas.openxmlformats.org/presentationml/2006/main">
+  <p:cSld>
+    <p:spTree>
+      <p:nvGrpSpPr>
+        <p:cNvPr id="1" name=""/>
+        <p:cNvGrpSpPr/>
+        <p:nvPr/>
+      </p:nvGrpSpPr>
+      <p:grpSpPr>
+        <a:xfrm>
+          <a:off x="0" y="0"/>
+          <a:ext cx="0" cy="0"/>
+          <a:chOff x="0" y="0"/>
+          <a:chExt cx="0" cy="0"/>
+        </a:xfrm>
+      </p:grpSpPr>
+      <p:sp>
+        <p:nvSpPr>
+          <p:cNvPr id="2" name="Título 1">
+            <a:extLst>
+              <a:ext uri="{FF2B5EF4-FFF2-40B4-BE49-F238E27FC236}">
+                <a16:creationId xmlns:a16="http://schemas.microsoft.com/office/drawing/2014/main" id="{B96D2AE5-0D60-6DB6-E8B8-B71A98E4B63D}"/>
+              </a:ext>
+            </a:extLst>
+          </p:cNvPr>
+          <p:cNvSpPr>
+            <a:spLocks noGrp="1"/>
+          </p:cNvSpPr>
+          <p:nvPr>
+            <p:ph type="title"/>
+          </p:nvPr>
+        </p:nvSpPr>
+        <p:spPr/>
+        <p:txBody>
+          <a:bodyPr/>
+          <a:lstStyle/>
+          <a:p>
+            <a:r>
+              <a:rPr lang="es-ES" dirty="0"/>
+              <a:t>Introducción: ¿Qué es Chipi Park?</a:t>
+            </a:r>
+          </a:p>
+        </p:txBody>
+      </p:sp>
+      <p:sp>
+        <p:nvSpPr>
+          <p:cNvPr id="3" name="Marcador de contenido 2">
+            <a:extLst>
+              <a:ext uri="{FF2B5EF4-FFF2-40B4-BE49-F238E27FC236}">
+                <a16:creationId xmlns:a16="http://schemas.microsoft.com/office/drawing/2014/main" id="{C17414CD-B7B2-3321-4EED-05A2FE0E880C}"/>
+              </a:ext>
+            </a:extLst>
+          </p:cNvPr>
+          <p:cNvSpPr>
+            <a:spLocks noGrp="1"/>
+          </p:cNvSpPr>
+          <p:nvPr>
+            <p:ph idx="1"/>
+          </p:nvPr>
+        </p:nvSpPr>
+        <p:spPr/>
+        <p:txBody>
+          <a:bodyPr>
+            <a:normAutofit lnSpcReduction="10000"/>
+          </a:bodyPr>
+          <a:lstStyle/>
+          <a:p>
+            <a:r>
+              <a:rPr lang="es-ES" b="1" dirty="0">
+                <a:solidFill>
+                  <a:schemeClr val="bg1"/>
+                </a:solidFill>
+              </a:rPr>
+              <a:t>Motivación del proyecto:</a:t>
+            </a:r>
+          </a:p>
+          <a:p>
+            <a:pPr marL="531813"/>
+            <a:r>
+              <a:rPr lang="es-ES" dirty="0">
+                <a:solidFill>
+                  <a:schemeClr val="bg1"/>
+                </a:solidFill>
+              </a:rPr>
+              <a:t>Aplicar conocimientos </a:t>
+            </a:r>
+            <a:r>
+              <a:rPr lang="es-ES" dirty="0" err="1">
+                <a:solidFill>
+                  <a:schemeClr val="bg1"/>
+                </a:solidFill>
+              </a:rPr>
+              <a:t>FullStack</a:t>
+            </a:r>
+            <a:r>
+              <a:rPr lang="es-ES" dirty="0">
+                <a:solidFill>
+                  <a:schemeClr val="bg1"/>
+                </a:solidFill>
+              </a:rPr>
+              <a:t> en un caso real.</a:t>
+            </a:r>
+          </a:p>
+          <a:p>
+            <a:pPr marL="531813"/>
+            <a:r>
+              <a:rPr lang="es-ES" dirty="0">
+                <a:solidFill>
+                  <a:schemeClr val="bg1"/>
+                </a:solidFill>
+              </a:rPr>
+              <a:t>Integrar </a:t>
+            </a:r>
+            <a:r>
+              <a:rPr lang="es-ES" dirty="0" err="1">
+                <a:solidFill>
+                  <a:schemeClr val="bg1"/>
+                </a:solidFill>
+              </a:rPr>
+              <a:t>Frontend</a:t>
+            </a:r>
+            <a:r>
+              <a:rPr lang="es-ES" dirty="0">
+                <a:solidFill>
+                  <a:schemeClr val="bg1"/>
+                </a:solidFill>
+              </a:rPr>
+              <a:t> moderno con </a:t>
+            </a:r>
+            <a:r>
+              <a:rPr lang="es-ES" dirty="0" err="1">
+                <a:solidFill>
+                  <a:schemeClr val="bg1"/>
+                </a:solidFill>
+              </a:rPr>
+              <a:t>Backend</a:t>
+            </a:r>
+            <a:r>
+              <a:rPr lang="es-ES" dirty="0">
+                <a:solidFill>
+                  <a:schemeClr val="bg1"/>
+                </a:solidFill>
+              </a:rPr>
+              <a:t> robusto.</a:t>
+            </a:r>
+          </a:p>
+          <a:p>
+            <a:pPr marL="531813"/>
+            <a:r>
+              <a:rPr lang="es-ES" dirty="0">
+                <a:solidFill>
+                  <a:schemeClr val="bg1"/>
+                </a:solidFill>
+              </a:rPr>
+              <a:t>Implementar funcionalidades complejas de e-</a:t>
+            </a:r>
+            <a:r>
+              <a:rPr lang="es-ES" dirty="0" err="1">
+                <a:solidFill>
+                  <a:schemeClr val="bg1"/>
+                </a:solidFill>
+              </a:rPr>
+              <a:t>commerce</a:t>
+            </a:r>
+            <a:r>
+              <a:rPr lang="es-ES" dirty="0">
+                <a:solidFill>
+                  <a:schemeClr val="bg1"/>
+                </a:solidFill>
+              </a:rPr>
+              <a:t>.</a:t>
+            </a:r>
+          </a:p>
+          <a:p>
+            <a:r>
+              <a:rPr lang="es-ES" b="1" dirty="0">
+                <a:solidFill>
+                  <a:schemeClr val="bg1"/>
+                </a:solidFill>
+              </a:rPr>
+              <a:t>Problema que resuelve:</a:t>
+            </a:r>
+          </a:p>
+          <a:p>
+            <a:pPr marL="531813"/>
+            <a:r>
+              <a:rPr lang="es-ES" dirty="0">
+                <a:solidFill>
+                  <a:schemeClr val="bg1"/>
+                </a:solidFill>
+              </a:rPr>
+              <a:t>Compra online centralizada de productos de entretenimiento.</a:t>
+            </a:r>
+          </a:p>
+          <a:p>
+            <a:pPr marL="531813"/>
+            <a:r>
+              <a:rPr lang="es-ES" dirty="0">
+                <a:solidFill>
+                  <a:schemeClr val="bg1"/>
+                </a:solidFill>
+              </a:rPr>
+              <a:t>Sistema de puntos y recompensas.</a:t>
+            </a:r>
+          </a:p>
+          <a:p>
+            <a:pPr marL="531813"/>
+            <a:r>
+              <a:rPr lang="es-ES" dirty="0">
+                <a:solidFill>
+                  <a:schemeClr val="bg1"/>
+                </a:solidFill>
+              </a:rPr>
+              <a:t>Gestión eficiente de inventario.</a:t>
+            </a:r>
+          </a:p>
+        </p:txBody>
+      </p:sp>
+    </p:spTree>
+    <p:extLst>
+      <p:ext uri="{BB962C8B-B14F-4D97-AF65-F5344CB8AC3E}">
+        <p14:creationId xmlns:p14="http://schemas.microsoft.com/office/powerpoint/2010/main" val="187988004"/>
+      </p:ext>
+    </p:extLst>
+  </p:cSld>
+  <p:clrMapOvr>
+    <a:masterClrMapping/>
+  </p:clrMapOvr>
+</p:sld>
+</file>
+
+<file path=ppt/slides/slide5.xml><?xml version="1.0" encoding="utf-8"?>
+<p:sld xmlns:a="http://schemas.openxmlformats.org/drawingml/2006/main" xmlns:r="http://schemas.openxmlformats.org/officeDocument/2006/relationships" xmlns:p="http://schemas.openxmlformats.org/presentationml/2006/main">
+  <p:cSld>
+    <p:spTree>
+      <p:nvGrpSpPr>
+        <p:cNvPr id="1" name=""/>
+        <p:cNvGrpSpPr/>
+        <p:nvPr/>
+      </p:nvGrpSpPr>
+      <p:grpSpPr>
+        <a:xfrm>
+          <a:off x="0" y="0"/>
+          <a:ext cx="0" cy="0"/>
+          <a:chOff x="0" y="0"/>
+          <a:chExt cx="0" cy="0"/>
+        </a:xfrm>
+      </p:grpSpPr>
+      <p:sp>
+        <p:nvSpPr>
+          <p:cNvPr id="2" name="Título 1">
+            <a:extLst>
+              <a:ext uri="{FF2B5EF4-FFF2-40B4-BE49-F238E27FC236}">
+                <a16:creationId xmlns:a16="http://schemas.microsoft.com/office/drawing/2014/main" id="{B1E0B04C-B8F2-B09F-7479-76B90F5B4643}"/>
+              </a:ext>
+            </a:extLst>
+          </p:cNvPr>
+          <p:cNvSpPr>
+            <a:spLocks noGrp="1"/>
+          </p:cNvSpPr>
+          <p:nvPr>
+            <p:ph type="title"/>
+          </p:nvPr>
+        </p:nvSpPr>
+        <p:spPr/>
+        <p:txBody>
+          <a:bodyPr/>
+          <a:lstStyle/>
+          <a:p>
+            <a:r>
+              <a:rPr lang="es-ES" dirty="0"/>
+              <a:t>Objetivos del proyecto</a:t>
+            </a:r>
+          </a:p>
+        </p:txBody>
+      </p:sp>
+      <p:sp>
+        <p:nvSpPr>
+          <p:cNvPr id="3" name="Marcador de contenido 2">
+            <a:extLst>
+              <a:ext uri="{FF2B5EF4-FFF2-40B4-BE49-F238E27FC236}">
+                <a16:creationId xmlns:a16="http://schemas.microsoft.com/office/drawing/2014/main" id="{6452437F-46CF-4F03-C15E-1CBC096944F7}"/>
+              </a:ext>
+            </a:extLst>
+          </p:cNvPr>
+          <p:cNvSpPr>
+            <a:spLocks noGrp="1"/>
+          </p:cNvSpPr>
+          <p:nvPr>
+            <p:ph idx="1"/>
+          </p:nvPr>
+        </p:nvSpPr>
+        <p:spPr/>
+        <p:txBody>
+          <a:bodyPr/>
+          <a:lstStyle/>
+          <a:p>
+            <a:r>
+              <a:rPr lang="es-ES" b="1" dirty="0">
+                <a:solidFill>
+                  <a:schemeClr val="bg1"/>
+                </a:solidFill>
+              </a:rPr>
+              <a:t>Objetivos Principales:</a:t>
+            </a:r>
+            <a:r>
+              <a:rPr lang="es-ES" dirty="0">
+                <a:solidFill>
+                  <a:schemeClr val="bg1"/>
+                </a:solidFill>
+              </a:rPr>
+              <a:t> </a:t>
+            </a:r>
+          </a:p>
+          <a:p>
+            <a:pPr marL="0" indent="0">
+              <a:spcAft>
+                <a:spcPts val="1200"/>
+              </a:spcAft>
+              <a:buNone/>
+            </a:pPr>
+            <a:r>
+              <a:rPr lang="es-ES" dirty="0">
+                <a:solidFill>
+                  <a:schemeClr val="bg1"/>
+                </a:solidFill>
+              </a:rPr>
+              <a:t>	✅ Desarrollar una aplicación web </a:t>
+            </a:r>
+            <a:r>
+              <a:rPr lang="es-ES" dirty="0" err="1">
+                <a:solidFill>
+                  <a:schemeClr val="bg1"/>
+                </a:solidFill>
+              </a:rPr>
+              <a:t>FullStack</a:t>
+            </a:r>
+            <a:r>
+              <a:rPr lang="es-ES" dirty="0">
+                <a:solidFill>
+                  <a:schemeClr val="bg1"/>
+                </a:solidFill>
+              </a:rPr>
+              <a:t> completa </a:t>
+            </a:r>
+          </a:p>
+          <a:p>
+            <a:pPr marL="0" indent="0">
+              <a:spcAft>
+                <a:spcPts val="1200"/>
+              </a:spcAft>
+              <a:buNone/>
+            </a:pPr>
+            <a:r>
+              <a:rPr lang="es-ES" dirty="0">
+                <a:solidFill>
+                  <a:schemeClr val="bg1"/>
+                </a:solidFill>
+              </a:rPr>
+              <a:t>	✅ Implementar sistema de autenticación seguro (JWT) </a:t>
+            </a:r>
+          </a:p>
+          <a:p>
+            <a:pPr marL="0" indent="0">
+              <a:spcAft>
+                <a:spcPts val="1200"/>
+              </a:spcAft>
+              <a:buNone/>
+            </a:pPr>
+            <a:r>
+              <a:rPr lang="es-ES" dirty="0">
+                <a:solidFill>
+                  <a:schemeClr val="bg1"/>
+                </a:solidFill>
+              </a:rPr>
+              <a:t>	✅ Crear API REST escalable con Django </a:t>
+            </a:r>
+          </a:p>
+          <a:p>
+            <a:pPr marL="0" indent="0">
+              <a:spcAft>
+                <a:spcPts val="1200"/>
+              </a:spcAft>
+              <a:buNone/>
+            </a:pPr>
+            <a:r>
+              <a:rPr lang="es-ES" dirty="0">
+                <a:solidFill>
+                  <a:schemeClr val="bg1"/>
+                </a:solidFill>
+              </a:rPr>
+              <a:t>	✅ Diseñar interfaz moderna y responsive con </a:t>
+            </a:r>
+            <a:r>
+              <a:rPr lang="es-ES" dirty="0" err="1">
+                <a:solidFill>
+                  <a:schemeClr val="bg1"/>
+                </a:solidFill>
+              </a:rPr>
+              <a:t>React</a:t>
+            </a:r>
+            <a:r>
+              <a:rPr lang="es-ES" dirty="0">
+                <a:solidFill>
+                  <a:schemeClr val="bg1"/>
+                </a:solidFill>
+              </a:rPr>
+              <a:t> 	</a:t>
+            </a:r>
+          </a:p>
+          <a:p>
+            <a:pPr marL="0" indent="0">
+              <a:spcAft>
+                <a:spcPts val="1200"/>
+              </a:spcAft>
+              <a:buNone/>
+            </a:pPr>
+            <a:r>
+              <a:rPr lang="es-ES" dirty="0">
+                <a:solidFill>
+                  <a:schemeClr val="bg1"/>
+                </a:solidFill>
+              </a:rPr>
+              <a:t>	✅ Normalizar base de datos hasta 3FN</a:t>
+            </a:r>
+          </a:p>
+        </p:txBody>
+      </p:sp>
+    </p:spTree>
+    <p:extLst>
+      <p:ext uri="{BB962C8B-B14F-4D97-AF65-F5344CB8AC3E}">
+        <p14:creationId xmlns:p14="http://schemas.microsoft.com/office/powerpoint/2010/main" val="3375810138"/>
+      </p:ext>
+    </p:extLst>
+  </p:cSld>
+  <p:clrMapOvr>
+    <a:masterClrMapping/>
+  </p:clrMapOvr>
+</p:sld>
+</file>
+
+<file path=ppt/slides/slide6.xml><?xml version="1.0" encoding="utf-8"?>
+<p:sld xmlns:a="http://schemas.openxmlformats.org/drawingml/2006/main" xmlns:r="http://schemas.openxmlformats.org/officeDocument/2006/relationships" xmlns:p="http://schemas.openxmlformats.org/presentationml/2006/main">
+  <p:cSld>
+    <p:spTree>
+      <p:nvGrpSpPr>
+        <p:cNvPr id="1" name=""/>
+        <p:cNvGrpSpPr/>
+        <p:nvPr/>
+      </p:nvGrpSpPr>
+      <p:grpSpPr>
+        <a:xfrm>
+          <a:off x="0" y="0"/>
+          <a:ext cx="0" cy="0"/>
+          <a:chOff x="0" y="0"/>
+          <a:chExt cx="0" cy="0"/>
+        </a:xfrm>
+      </p:grpSpPr>
+      <p:sp>
+        <p:nvSpPr>
+          <p:cNvPr id="2" name="Título 1">
+            <a:extLst>
+              <a:ext uri="{FF2B5EF4-FFF2-40B4-BE49-F238E27FC236}">
+                <a16:creationId xmlns:a16="http://schemas.microsoft.com/office/drawing/2014/main" id="{AE6D6022-1727-0F1C-1C71-FFD055C737B8}"/>
+              </a:ext>
+            </a:extLst>
+          </p:cNvPr>
+          <p:cNvSpPr>
+            <a:spLocks noGrp="1"/>
+          </p:cNvSpPr>
+          <p:nvPr>
+            <p:ph type="title"/>
+          </p:nvPr>
+        </p:nvSpPr>
+        <p:spPr/>
+        <p:txBody>
+          <a:bodyPr/>
+          <a:lstStyle/>
+          <a:p>
+            <a:r>
+              <a:rPr lang="es-ES" dirty="0"/>
+              <a:t>Objetivos del proyecto</a:t>
+            </a:r>
+          </a:p>
+        </p:txBody>
+      </p:sp>
+      <p:sp>
+        <p:nvSpPr>
+          <p:cNvPr id="3" name="Marcador de contenido 2">
+            <a:extLst>
+              <a:ext uri="{FF2B5EF4-FFF2-40B4-BE49-F238E27FC236}">
+                <a16:creationId xmlns:a16="http://schemas.microsoft.com/office/drawing/2014/main" id="{619D1570-B181-3D12-A159-9CC9182E79C6}"/>
+              </a:ext>
+            </a:extLst>
+          </p:cNvPr>
+          <p:cNvSpPr>
+            <a:spLocks noGrp="1"/>
+          </p:cNvSpPr>
+          <p:nvPr>
+            <p:ph idx="1"/>
+          </p:nvPr>
+        </p:nvSpPr>
+        <p:spPr>
+          <a:xfrm>
+            <a:off x="680321" y="2336873"/>
+            <a:ext cx="10505130" cy="3599316"/>
+          </a:xfrm>
+        </p:spPr>
+        <p:txBody>
+          <a:bodyPr>
+            <a:normAutofit lnSpcReduction="10000"/>
+          </a:bodyPr>
+          <a:lstStyle/>
+          <a:p>
+            <a:r>
+              <a:rPr lang="es-ES" b="1" dirty="0">
+                <a:solidFill>
+                  <a:schemeClr val="bg1"/>
+                </a:solidFill>
+              </a:rPr>
+              <a:t>Alcance Funcional:</a:t>
+            </a:r>
+          </a:p>
+          <a:p>
+            <a:pPr marL="531813"/>
+            <a:r>
+              <a:rPr lang="es-ES" dirty="0">
+                <a:solidFill>
+                  <a:schemeClr val="bg1"/>
+                </a:solidFill>
+              </a:rPr>
+              <a:t>Usuario: Registro, </a:t>
+            </a:r>
+            <a:r>
+              <a:rPr lang="es-ES" dirty="0" err="1">
+                <a:solidFill>
+                  <a:schemeClr val="bg1"/>
+                </a:solidFill>
+              </a:rPr>
+              <a:t>login</a:t>
+            </a:r>
+            <a:r>
+              <a:rPr lang="es-ES" dirty="0">
+                <a:solidFill>
+                  <a:schemeClr val="bg1"/>
+                </a:solidFill>
+              </a:rPr>
+              <a:t> (</a:t>
+            </a:r>
+            <a:r>
+              <a:rPr lang="es-ES" dirty="0" err="1">
+                <a:solidFill>
+                  <a:schemeClr val="bg1"/>
+                </a:solidFill>
+              </a:rPr>
+              <a:t>wishlist</a:t>
+            </a:r>
+            <a:r>
+              <a:rPr lang="es-ES" dirty="0">
+                <a:solidFill>
+                  <a:schemeClr val="bg1"/>
+                </a:solidFill>
+              </a:rPr>
+              <a:t>, compras, reseñas)</a:t>
+            </a:r>
+          </a:p>
+          <a:p>
+            <a:pPr marL="531813"/>
+            <a:r>
+              <a:rPr lang="es-ES" dirty="0" err="1">
+                <a:solidFill>
+                  <a:schemeClr val="bg1"/>
+                </a:solidFill>
+              </a:rPr>
+              <a:t>Admin</a:t>
+            </a:r>
+            <a:r>
+              <a:rPr lang="es-ES" dirty="0">
+                <a:solidFill>
+                  <a:schemeClr val="bg1"/>
+                </a:solidFill>
+              </a:rPr>
+              <a:t>: (Gestión productos, pedidos, usuarios)</a:t>
+            </a:r>
+          </a:p>
+          <a:p>
+            <a:pPr marL="531813"/>
+            <a:r>
+              <a:rPr lang="es-ES" dirty="0">
+                <a:solidFill>
+                  <a:schemeClr val="bg1"/>
+                </a:solidFill>
+              </a:rPr>
+              <a:t>Sistema: Carrito (filtros avanzados, </a:t>
+            </a:r>
+            <a:r>
+              <a:rPr lang="es-ES" dirty="0" err="1">
+                <a:solidFill>
+                  <a:schemeClr val="bg1"/>
+                </a:solidFill>
+              </a:rPr>
+              <a:t>checkout</a:t>
+            </a:r>
+            <a:r>
+              <a:rPr lang="es-ES" dirty="0">
+                <a:solidFill>
+                  <a:schemeClr val="bg1"/>
+                </a:solidFill>
+              </a:rPr>
+              <a:t>, sistema de puntos)</a:t>
+            </a:r>
+          </a:p>
+          <a:p>
+            <a:r>
+              <a:rPr lang="es-ES" b="1" dirty="0" err="1">
+                <a:solidFill>
+                  <a:schemeClr val="bg1"/>
+                </a:solidFill>
+              </a:rPr>
+              <a:t>Limitacones</a:t>
+            </a:r>
+            <a:r>
+              <a:rPr lang="es-ES" b="1" dirty="0">
+                <a:solidFill>
+                  <a:schemeClr val="bg1"/>
+                </a:solidFill>
+              </a:rPr>
+              <a:t>:</a:t>
+            </a:r>
+          </a:p>
+          <a:p>
+            <a:pPr marL="531813"/>
+            <a:r>
+              <a:rPr lang="es-ES" dirty="0">
+                <a:solidFill>
+                  <a:schemeClr val="bg1"/>
+                </a:solidFill>
+              </a:rPr>
+              <a:t>No incluye pasarela de pago real (simulada)</a:t>
+            </a:r>
+          </a:p>
+          <a:p>
+            <a:pPr marL="531813"/>
+            <a:r>
+              <a:rPr lang="es-ES" dirty="0">
+                <a:solidFill>
+                  <a:schemeClr val="bg1"/>
+                </a:solidFill>
+              </a:rPr>
+              <a:t>Envío de emails simplificado</a:t>
+            </a:r>
+          </a:p>
+          <a:p>
+            <a:pPr marL="531813"/>
+            <a:r>
+              <a:rPr lang="es-ES" dirty="0" err="1">
+                <a:solidFill>
+                  <a:schemeClr val="bg1"/>
+                </a:solidFill>
+              </a:rPr>
+              <a:t>Deployment</a:t>
+            </a:r>
+            <a:r>
+              <a:rPr lang="es-ES" dirty="0">
+                <a:solidFill>
+                  <a:schemeClr val="bg1"/>
+                </a:solidFill>
+              </a:rPr>
+              <a:t> e entorno local</a:t>
+            </a:r>
+          </a:p>
+        </p:txBody>
+      </p:sp>
+    </p:spTree>
+    <p:extLst>
+      <p:ext uri="{BB962C8B-B14F-4D97-AF65-F5344CB8AC3E}">
+        <p14:creationId xmlns:p14="http://schemas.microsoft.com/office/powerpoint/2010/main" val="3004224431"/>
+      </p:ext>
+    </p:extLst>
+  </p:cSld>
+  <p:clrMapOvr>
+    <a:masterClrMapping/>
+  </p:clrMapOvr>
+</p:sld>
+</file>
+
+<file path=ppt/slides/slide7.xml><?xml version="1.0" encoding="utf-8"?>
+<p:sld xmlns:a="http://schemas.openxmlformats.org/drawingml/2006/main" xmlns:r="http://schemas.openxmlformats.org/officeDocument/2006/relationships" xmlns:p="http://schemas.openxmlformats.org/presentationml/2006/main">
+  <p:cSld>
+    <p:spTree>
+      <p:nvGrpSpPr>
+        <p:cNvPr id="1" name=""/>
+        <p:cNvGrpSpPr/>
+        <p:nvPr/>
+      </p:nvGrpSpPr>
+      <p:grpSpPr>
+        <a:xfrm>
+          <a:off x="0" y="0"/>
+          <a:ext cx="0" cy="0"/>
+          <a:chOff x="0" y="0"/>
+          <a:chExt cx="0" cy="0"/>
+        </a:xfrm>
+      </p:grpSpPr>
+      <p:sp>
+        <p:nvSpPr>
+          <p:cNvPr id="2" name="Título 1">
+            <a:extLst>
+              <a:ext uri="{FF2B5EF4-FFF2-40B4-BE49-F238E27FC236}">
+                <a16:creationId xmlns:a16="http://schemas.microsoft.com/office/drawing/2014/main" id="{86BB137A-BDE4-8908-0E89-FECD51BEEC10}"/>
+              </a:ext>
+            </a:extLst>
+          </p:cNvPr>
+          <p:cNvSpPr>
+            <a:spLocks noGrp="1"/>
+          </p:cNvSpPr>
+          <p:nvPr>
+            <p:ph type="title"/>
+          </p:nvPr>
+        </p:nvSpPr>
+        <p:spPr/>
+        <p:txBody>
+          <a:bodyPr/>
+          <a:lstStyle/>
+          <a:p>
+            <a:r>
+              <a:rPr lang="es-ES" dirty="0"/>
+              <a:t>Tecnologías usadas</a:t>
+            </a:r>
+          </a:p>
+        </p:txBody>
+      </p:sp>
+      <p:sp>
+        <p:nvSpPr>
+          <p:cNvPr id="3" name="Marcador de contenido 2">
+            <a:extLst>
+              <a:ext uri="{FF2B5EF4-FFF2-40B4-BE49-F238E27FC236}">
+                <a16:creationId xmlns:a16="http://schemas.microsoft.com/office/drawing/2014/main" id="{DCF9AE00-1059-B3EF-3336-383C34C15CDB}"/>
+              </a:ext>
+            </a:extLst>
+          </p:cNvPr>
+          <p:cNvSpPr>
+            <a:spLocks noGrp="1"/>
+          </p:cNvSpPr>
+          <p:nvPr>
+            <p:ph idx="1"/>
+          </p:nvPr>
+        </p:nvSpPr>
+        <p:spPr/>
+        <p:txBody>
+          <a:bodyPr>
+            <a:normAutofit/>
+          </a:bodyPr>
+          <a:lstStyle/>
+          <a:p>
+            <a:pPr>
+              <a:spcBef>
+                <a:spcPts val="600"/>
+              </a:spcBef>
+              <a:spcAft>
+                <a:spcPts val="1200"/>
+              </a:spcAft>
+            </a:pPr>
+            <a:r>
+              <a:rPr lang="es-ES" sz="3200" dirty="0" err="1">
+                <a:solidFill>
+                  <a:schemeClr val="bg1"/>
+                </a:solidFill>
+              </a:rPr>
+              <a:t>Frontend</a:t>
+            </a:r>
+            <a:r>
+              <a:rPr lang="es-ES" sz="3200" dirty="0">
+                <a:solidFill>
+                  <a:schemeClr val="bg1"/>
+                </a:solidFill>
+              </a:rPr>
+              <a:t>:</a:t>
+            </a:r>
+          </a:p>
+          <a:p>
+            <a:pPr lvl="1">
+              <a:spcBef>
+                <a:spcPts val="600"/>
+              </a:spcBef>
+              <a:spcAft>
+                <a:spcPts val="1200"/>
+              </a:spcAft>
+            </a:pPr>
+            <a:r>
+              <a:rPr lang="es-ES" sz="2800" dirty="0">
+                <a:solidFill>
+                  <a:schemeClr val="bg1"/>
+                </a:solidFill>
+              </a:rPr>
+              <a:t>⚛️ </a:t>
+            </a:r>
+            <a:r>
+              <a:rPr lang="es-ES" sz="2800" dirty="0" err="1">
+                <a:solidFill>
+                  <a:schemeClr val="bg1"/>
+                </a:solidFill>
+              </a:rPr>
+              <a:t>React</a:t>
+            </a:r>
+            <a:r>
+              <a:rPr lang="es-ES" sz="2800" dirty="0">
+                <a:solidFill>
+                  <a:schemeClr val="bg1"/>
+                </a:solidFill>
+              </a:rPr>
+              <a:t> Vite </a:t>
+            </a:r>
+          </a:p>
+          <a:p>
+            <a:pPr lvl="1">
+              <a:spcBef>
+                <a:spcPts val="600"/>
+              </a:spcBef>
+              <a:spcAft>
+                <a:spcPts val="1200"/>
+              </a:spcAft>
+            </a:pPr>
+            <a:r>
+              <a:rPr lang="es-ES" sz="2800" dirty="0">
+                <a:solidFill>
+                  <a:schemeClr val="bg1"/>
+                </a:solidFill>
+              </a:rPr>
+              <a:t>🎨</a:t>
+            </a:r>
+            <a:r>
+              <a:rPr lang="es-ES" sz="2800" dirty="0" err="1">
+                <a:solidFill>
+                  <a:schemeClr val="bg1"/>
+                </a:solidFill>
+              </a:rPr>
+              <a:t>Tailwind</a:t>
+            </a:r>
+            <a:r>
+              <a:rPr lang="es-ES" sz="2800" dirty="0">
+                <a:solidFill>
+                  <a:schemeClr val="bg1"/>
+                </a:solidFill>
+              </a:rPr>
+              <a:t> CSS</a:t>
+            </a:r>
+          </a:p>
+          <a:p>
+            <a:pPr lvl="1">
+              <a:spcBef>
+                <a:spcPts val="600"/>
+              </a:spcBef>
+              <a:spcAft>
+                <a:spcPts val="1200"/>
+              </a:spcAft>
+            </a:pPr>
+            <a:r>
+              <a:rPr lang="es-ES" sz="2800" dirty="0">
+                <a:solidFill>
+                  <a:schemeClr val="bg1"/>
+                </a:solidFill>
+              </a:rPr>
+              <a:t>🔀 </a:t>
+            </a:r>
+            <a:r>
+              <a:rPr lang="es-ES" sz="2800" dirty="0" err="1">
+                <a:solidFill>
+                  <a:schemeClr val="bg1"/>
+                </a:solidFill>
+              </a:rPr>
+              <a:t>React</a:t>
+            </a:r>
+            <a:r>
+              <a:rPr lang="es-ES" sz="2800" dirty="0">
+                <a:solidFill>
+                  <a:schemeClr val="bg1"/>
+                </a:solidFill>
+              </a:rPr>
+              <a:t> </a:t>
+            </a:r>
+            <a:r>
+              <a:rPr lang="es-ES" sz="2800" dirty="0" err="1">
+                <a:solidFill>
+                  <a:schemeClr val="bg1"/>
+                </a:solidFill>
+              </a:rPr>
+              <a:t>Router</a:t>
+            </a:r>
+            <a:r>
+              <a:rPr lang="es-ES" sz="2800" dirty="0">
+                <a:solidFill>
+                  <a:schemeClr val="bg1"/>
+                </a:solidFill>
+              </a:rPr>
+              <a:t> </a:t>
+            </a:r>
+          </a:p>
+          <a:p>
+            <a:pPr lvl="1">
+              <a:spcBef>
+                <a:spcPts val="600"/>
+              </a:spcBef>
+              <a:spcAft>
+                <a:spcPts val="1200"/>
+              </a:spcAft>
+            </a:pPr>
+            <a:r>
+              <a:rPr lang="es-ES" sz="2800" dirty="0">
+                <a:solidFill>
+                  <a:schemeClr val="bg1"/>
+                </a:solidFill>
+              </a:rPr>
+              <a:t>🌐 Axios</a:t>
+            </a:r>
+          </a:p>
+          <a:p>
+            <a:pPr lvl="1">
+              <a:spcBef>
+                <a:spcPts val="600"/>
+              </a:spcBef>
+              <a:spcAft>
+                <a:spcPts val="1200"/>
+              </a:spcAft>
+            </a:pPr>
+            <a:r>
+              <a:rPr lang="es-ES" sz="2800" dirty="0">
+                <a:solidFill>
+                  <a:schemeClr val="bg1"/>
+                </a:solidFill>
+              </a:rPr>
+              <a:t>🔄 </a:t>
+            </a:r>
+            <a:r>
+              <a:rPr lang="es-ES" sz="2800" dirty="0" err="1">
+                <a:solidFill>
+                  <a:schemeClr val="bg1"/>
+                </a:solidFill>
+              </a:rPr>
+              <a:t>React</a:t>
+            </a:r>
+            <a:r>
+              <a:rPr lang="es-ES" sz="2800" dirty="0">
+                <a:solidFill>
+                  <a:schemeClr val="bg1"/>
+                </a:solidFill>
+              </a:rPr>
+              <a:t> </a:t>
+            </a:r>
+            <a:r>
+              <a:rPr lang="es-ES" sz="2800" dirty="0" err="1">
+                <a:solidFill>
+                  <a:schemeClr val="bg1"/>
+                </a:solidFill>
+              </a:rPr>
+              <a:t>Context</a:t>
+            </a:r>
+            <a:r>
+              <a:rPr lang="es-ES" sz="2800" dirty="0">
+                <a:solidFill>
+                  <a:schemeClr val="bg1"/>
+                </a:solidFill>
+              </a:rPr>
+              <a:t> API</a:t>
+            </a:r>
+          </a:p>
+        </p:txBody>
+      </p:sp>
+    </p:spTree>
+    <p:extLst>
+      <p:ext uri="{BB962C8B-B14F-4D97-AF65-F5344CB8AC3E}">
+        <p14:creationId xmlns:p14="http://schemas.microsoft.com/office/powerpoint/2010/main" val="4048290799"/>
+      </p:ext>
+    </p:extLst>
+  </p:cSld>
+  <p:clrMapOvr>
+    <a:masterClrMapping/>
+  </p:clrMapOvr>
+</p:sld>
+</file>
+
+<file path=ppt/slides/slide8.xml><?xml version="1.0" encoding="utf-8"?>
+<p:sld xmlns:a="http://schemas.openxmlformats.org/drawingml/2006/main" xmlns:r="http://schemas.openxmlformats.org/officeDocument/2006/relationships" xmlns:p="http://schemas.openxmlformats.org/presentationml/2006/main">
+  <p:cSld>
+    <p:spTree>
+      <p:nvGrpSpPr>
+        <p:cNvPr id="1" name="">
+          <a:extLst>
+            <a:ext uri="{FF2B5EF4-FFF2-40B4-BE49-F238E27FC236}">
+              <a16:creationId xmlns:a16="http://schemas.microsoft.com/office/drawing/2014/main" id="{8CB4F352-C7F7-4539-14CF-4DD9C28DB811}"/>
+            </a:ext>
+          </a:extLst>
+        </p:cNvPr>
+        <p:cNvGrpSpPr/>
+        <p:nvPr/>
+      </p:nvGrpSpPr>
+      <p:grpSpPr>
+        <a:xfrm>
+          <a:off x="0" y="0"/>
+          <a:ext cx="0" cy="0"/>
+          <a:chOff x="0" y="0"/>
+          <a:chExt cx="0" cy="0"/>
+        </a:xfrm>
+      </p:grpSpPr>
+      <p:sp>
+        <p:nvSpPr>
+          <p:cNvPr id="2" name="Título 1">
+            <a:extLst>
+              <a:ext uri="{FF2B5EF4-FFF2-40B4-BE49-F238E27FC236}">
+                <a16:creationId xmlns:a16="http://schemas.microsoft.com/office/drawing/2014/main" id="{2E0C8FA3-BEB1-DBB4-E654-37675EB64E47}"/>
+              </a:ext>
+            </a:extLst>
+          </p:cNvPr>
+          <p:cNvSpPr>
+            <a:spLocks noGrp="1"/>
+          </p:cNvSpPr>
+          <p:nvPr>
+            <p:ph type="title"/>
+          </p:nvPr>
+        </p:nvSpPr>
+        <p:spPr/>
+        <p:txBody>
+          <a:bodyPr/>
+          <a:lstStyle/>
+          <a:p>
+            <a:r>
+              <a:rPr lang="es-ES" dirty="0"/>
+              <a:t>Tecnologías usadas</a:t>
+            </a:r>
+          </a:p>
+        </p:txBody>
+      </p:sp>
+      <p:sp>
+        <p:nvSpPr>
+          <p:cNvPr id="3" name="Marcador de contenido 2">
+            <a:extLst>
+              <a:ext uri="{FF2B5EF4-FFF2-40B4-BE49-F238E27FC236}">
+                <a16:creationId xmlns:a16="http://schemas.microsoft.com/office/drawing/2014/main" id="{614ED28C-E6C4-45B5-BC88-741464CA09AB}"/>
+              </a:ext>
+            </a:extLst>
+          </p:cNvPr>
+          <p:cNvSpPr>
+            <a:spLocks noGrp="1"/>
+          </p:cNvSpPr>
+          <p:nvPr>
+            <p:ph idx="1"/>
+          </p:nvPr>
+        </p:nvSpPr>
+        <p:spPr/>
+        <p:txBody>
+          <a:bodyPr>
+            <a:normAutofit/>
+          </a:bodyPr>
+          <a:lstStyle/>
+          <a:p>
+            <a:pPr>
+              <a:spcBef>
+                <a:spcPts val="600"/>
+              </a:spcBef>
+              <a:spcAft>
+                <a:spcPts val="1200"/>
+              </a:spcAft>
+            </a:pPr>
+            <a:r>
+              <a:rPr lang="es-ES" sz="3200" dirty="0" err="1">
+                <a:solidFill>
+                  <a:schemeClr val="bg1"/>
+                </a:solidFill>
+              </a:rPr>
+              <a:t>Backend</a:t>
+            </a:r>
+            <a:r>
+              <a:rPr lang="es-ES" sz="3200" dirty="0">
+                <a:solidFill>
+                  <a:schemeClr val="bg1"/>
+                </a:solidFill>
+              </a:rPr>
+              <a:t>:</a:t>
+            </a:r>
+          </a:p>
+          <a:p>
+            <a:pPr lvl="1">
+              <a:spcBef>
+                <a:spcPts val="600"/>
+              </a:spcBef>
+              <a:spcAft>
+                <a:spcPts val="1200"/>
+              </a:spcAft>
+            </a:pPr>
+            <a:r>
+              <a:rPr lang="es-ES" sz="2800" dirty="0">
+                <a:solidFill>
+                  <a:schemeClr val="bg1"/>
+                </a:solidFill>
+              </a:rPr>
+              <a:t>🐍 Python</a:t>
+            </a:r>
+          </a:p>
+          <a:p>
+            <a:pPr lvl="1">
+              <a:spcBef>
+                <a:spcPts val="600"/>
+              </a:spcBef>
+              <a:spcAft>
+                <a:spcPts val="1200"/>
+              </a:spcAft>
+            </a:pPr>
+            <a:r>
+              <a:rPr lang="es-ES" sz="2800" dirty="0">
+                <a:solidFill>
+                  <a:schemeClr val="bg1"/>
+                </a:solidFill>
+              </a:rPr>
+              <a:t>🎯 Django</a:t>
+            </a:r>
+          </a:p>
+          <a:p>
+            <a:pPr lvl="1">
+              <a:spcBef>
+                <a:spcPts val="600"/>
+              </a:spcBef>
+              <a:spcAft>
+                <a:spcPts val="1200"/>
+              </a:spcAft>
+            </a:pPr>
+            <a:r>
+              <a:rPr lang="es-ES" sz="2800" dirty="0">
+                <a:solidFill>
+                  <a:schemeClr val="bg1"/>
+                </a:solidFill>
+              </a:rPr>
+              <a:t>🔌 Django </a:t>
+            </a:r>
+            <a:r>
+              <a:rPr lang="es-ES" sz="2800" dirty="0" err="1">
+                <a:solidFill>
+                  <a:schemeClr val="bg1"/>
+                </a:solidFill>
+              </a:rPr>
+              <a:t>Rest</a:t>
+            </a:r>
+            <a:r>
+              <a:rPr lang="es-ES" sz="2800" dirty="0">
+                <a:solidFill>
+                  <a:schemeClr val="bg1"/>
+                </a:solidFill>
+              </a:rPr>
+              <a:t> Framework</a:t>
+            </a:r>
+          </a:p>
+          <a:p>
+            <a:pPr lvl="1">
+              <a:spcBef>
+                <a:spcPts val="600"/>
+              </a:spcBef>
+              <a:spcAft>
+                <a:spcPts val="1200"/>
+              </a:spcAft>
+            </a:pPr>
+            <a:r>
+              <a:rPr lang="es-ES" sz="2800" dirty="0">
+                <a:solidFill>
+                  <a:schemeClr val="bg1"/>
+                </a:solidFill>
+              </a:rPr>
+              <a:t>🔐 Simple JWT</a:t>
+            </a:r>
+          </a:p>
+        </p:txBody>
+      </p:sp>
+    </p:spTree>
+    <p:extLst>
+      <p:ext uri="{BB962C8B-B14F-4D97-AF65-F5344CB8AC3E}">
+        <p14:creationId xmlns:p14="http://schemas.microsoft.com/office/powerpoint/2010/main" val="3463744186"/>
+      </p:ext>
+    </p:extLst>
+  </p:cSld>
+  <p:clrMapOvr>
+    <a:masterClrMapping/>
+  </p:clrMapOvr>
+</p:sld>
+</file>
+
+<file path=ppt/slides/slide9.xml><?xml version="1.0" encoding="utf-8"?>
+<p:sld xmlns:a="http://schemas.openxmlformats.org/drawingml/2006/main" xmlns:r="http://schemas.openxmlformats.org/officeDocument/2006/relationships" xmlns:p="http://schemas.openxmlformats.org/presentationml/2006/main">
+  <p:cSld>
+    <p:spTree>
+      <p:nvGrpSpPr>
+        <p:cNvPr id="1" name="">
+          <a:extLst>
+            <a:ext uri="{FF2B5EF4-FFF2-40B4-BE49-F238E27FC236}">
+              <a16:creationId xmlns:a16="http://schemas.microsoft.com/office/drawing/2014/main" id="{CD516325-7F9B-2234-8B18-2BC3BDB4334C}"/>
+            </a:ext>
+          </a:extLst>
+        </p:cNvPr>
+        <p:cNvGrpSpPr/>
+        <p:nvPr/>
+      </p:nvGrpSpPr>
+      <p:grpSpPr>
+        <a:xfrm>
+          <a:off x="0" y="0"/>
+          <a:ext cx="0" cy="0"/>
+          <a:chOff x="0" y="0"/>
+          <a:chExt cx="0" cy="0"/>
+        </a:xfrm>
+      </p:grpSpPr>
+      <p:sp>
+        <p:nvSpPr>
+          <p:cNvPr id="2" name="Título 1">
+            <a:extLst>
+              <a:ext uri="{FF2B5EF4-FFF2-40B4-BE49-F238E27FC236}">
+                <a16:creationId xmlns:a16="http://schemas.microsoft.com/office/drawing/2014/main" id="{D9F47F88-C65F-F5FD-79CC-9D6575D15B7C}"/>
+              </a:ext>
+            </a:extLst>
+          </p:cNvPr>
+          <p:cNvSpPr>
+            <a:spLocks noGrp="1"/>
+          </p:cNvSpPr>
+          <p:nvPr>
+            <p:ph type="title"/>
+          </p:nvPr>
+        </p:nvSpPr>
+        <p:spPr/>
+        <p:txBody>
+          <a:bodyPr/>
+          <a:lstStyle/>
+          <a:p>
+            <a:r>
+              <a:rPr lang="es-ES" dirty="0"/>
+              <a:t>Tecnologías usadas</a:t>
+            </a:r>
+          </a:p>
+        </p:txBody>
+      </p:sp>
+      <p:sp>
+        <p:nvSpPr>
+          <p:cNvPr id="3" name="Marcador de contenido 2">
+            <a:extLst>
+              <a:ext uri="{FF2B5EF4-FFF2-40B4-BE49-F238E27FC236}">
+                <a16:creationId xmlns:a16="http://schemas.microsoft.com/office/drawing/2014/main" id="{C43D9634-90A3-DB70-F291-747F3BB8FE4F}"/>
+              </a:ext>
+            </a:extLst>
+          </p:cNvPr>
+          <p:cNvSpPr>
+            <a:spLocks noGrp="1"/>
+          </p:cNvSpPr>
+          <p:nvPr>
+            <p:ph idx="1"/>
+          </p:nvPr>
+        </p:nvSpPr>
+        <p:spPr>
+          <a:xfrm>
+            <a:off x="680321" y="2336872"/>
+            <a:ext cx="9613861" cy="4082977"/>
+          </a:xfrm>
+        </p:spPr>
+        <p:txBody>
+          <a:bodyPr>
+            <a:normAutofit fontScale="92500" lnSpcReduction="10000"/>
+          </a:bodyPr>
+          <a:lstStyle/>
+          <a:p>
+            <a:pPr>
+              <a:spcBef>
+                <a:spcPts val="600"/>
+              </a:spcBef>
+              <a:spcAft>
+                <a:spcPts val="1200"/>
+              </a:spcAft>
+            </a:pPr>
+            <a:r>
+              <a:rPr lang="es-ES" sz="2800" b="1" dirty="0">
+                <a:solidFill>
+                  <a:schemeClr val="bg1"/>
+                </a:solidFill>
+              </a:rPr>
+              <a:t>Base de datos:</a:t>
+            </a:r>
+          </a:p>
+          <a:p>
+            <a:pPr lvl="1">
+              <a:spcBef>
+                <a:spcPts val="600"/>
+              </a:spcBef>
+              <a:spcAft>
+                <a:spcPts val="1200"/>
+              </a:spcAft>
+            </a:pPr>
+            <a:r>
+              <a:rPr lang="es-ES" sz="2400" dirty="0">
+                <a:solidFill>
+                  <a:schemeClr val="bg1"/>
+                </a:solidFill>
+              </a:rPr>
+              <a:t>🗄️ SQLite (desarrollo) </a:t>
+            </a:r>
+          </a:p>
+          <a:p>
+            <a:pPr lvl="1">
+              <a:spcBef>
+                <a:spcPts val="600"/>
+              </a:spcBef>
+              <a:spcAft>
+                <a:spcPts val="1200"/>
+              </a:spcAft>
+            </a:pPr>
+            <a:r>
+              <a:rPr lang="es-ES" sz="2400" dirty="0">
+                <a:solidFill>
+                  <a:schemeClr val="bg1"/>
+                </a:solidFill>
+              </a:rPr>
+              <a:t>📊 Modelos relacionales normalizados</a:t>
+            </a:r>
+          </a:p>
+          <a:p>
+            <a:pPr marL="266700" lvl="1">
+              <a:spcBef>
+                <a:spcPts val="600"/>
+              </a:spcBef>
+              <a:spcAft>
+                <a:spcPts val="1200"/>
+              </a:spcAft>
+            </a:pPr>
+            <a:r>
+              <a:rPr lang="es-ES" sz="2800" b="1" dirty="0">
+                <a:solidFill>
+                  <a:schemeClr val="bg1"/>
+                </a:solidFill>
+              </a:rPr>
+              <a:t>Herramientas</a:t>
+            </a:r>
+          </a:p>
+          <a:p>
+            <a:pPr lvl="1">
+              <a:spcBef>
+                <a:spcPts val="600"/>
+              </a:spcBef>
+              <a:spcAft>
+                <a:spcPts val="1200"/>
+              </a:spcAft>
+            </a:pPr>
+            <a:r>
+              <a:rPr lang="es-ES" sz="2400" dirty="0">
+                <a:solidFill>
+                  <a:schemeClr val="bg1"/>
+                </a:solidFill>
+              </a:rPr>
+              <a:t>📋 </a:t>
+            </a:r>
+            <a:r>
+              <a:rPr lang="es-ES" sz="2400" dirty="0" err="1">
+                <a:solidFill>
+                  <a:schemeClr val="bg1"/>
+                </a:solidFill>
+              </a:rPr>
+              <a:t>Figma</a:t>
+            </a:r>
+            <a:r>
+              <a:rPr lang="es-ES" sz="2400" dirty="0">
+                <a:solidFill>
+                  <a:schemeClr val="bg1"/>
+                </a:solidFill>
+              </a:rPr>
+              <a:t> (diseño)</a:t>
+            </a:r>
+          </a:p>
+          <a:p>
+            <a:pPr lvl="1">
+              <a:spcBef>
+                <a:spcPts val="600"/>
+              </a:spcBef>
+              <a:spcAft>
+                <a:spcPts val="1200"/>
+              </a:spcAft>
+            </a:pPr>
+            <a:r>
+              <a:rPr lang="es-ES" sz="2400" dirty="0">
+                <a:solidFill>
+                  <a:schemeClr val="bg1"/>
+                </a:solidFill>
+              </a:rPr>
+              <a:t>🎨 Lucide </a:t>
+            </a:r>
+            <a:r>
+              <a:rPr lang="es-ES" sz="2400" dirty="0" err="1">
+                <a:solidFill>
+                  <a:schemeClr val="bg1"/>
+                </a:solidFill>
+              </a:rPr>
+              <a:t>Icons</a:t>
+            </a:r>
+            <a:endParaRPr lang="es-ES" sz="2400" dirty="0">
+              <a:solidFill>
+                <a:schemeClr val="bg1"/>
+              </a:solidFill>
+            </a:endParaRPr>
+          </a:p>
+          <a:p>
+            <a:pPr lvl="1">
+              <a:spcBef>
+                <a:spcPts val="600"/>
+              </a:spcBef>
+              <a:spcAft>
+                <a:spcPts val="1200"/>
+              </a:spcAft>
+            </a:pPr>
+            <a:r>
+              <a:rPr lang="es-ES" sz="2400" dirty="0">
+                <a:solidFill>
+                  <a:schemeClr val="bg1"/>
+                </a:solidFill>
+              </a:rPr>
+              <a:t>📤 </a:t>
+            </a:r>
+            <a:r>
+              <a:rPr lang="es-ES" sz="2400" dirty="0" err="1">
+                <a:solidFill>
+                  <a:schemeClr val="bg1"/>
+                </a:solidFill>
+              </a:rPr>
+              <a:t>Postman</a:t>
+            </a:r>
+            <a:r>
+              <a:rPr lang="es-ES" sz="2400" dirty="0">
+                <a:solidFill>
+                  <a:schemeClr val="bg1"/>
+                </a:solidFill>
+              </a:rPr>
+              <a:t> (</a:t>
+            </a:r>
+            <a:r>
+              <a:rPr lang="es-ES" sz="2400" dirty="0" err="1">
+                <a:solidFill>
+                  <a:schemeClr val="bg1"/>
+                </a:solidFill>
+              </a:rPr>
+              <a:t>testing</a:t>
+            </a:r>
+            <a:r>
+              <a:rPr lang="es-ES" sz="2400" dirty="0">
+                <a:solidFill>
+                  <a:schemeClr val="bg1"/>
+                </a:solidFill>
+              </a:rPr>
+              <a:t> API)</a:t>
+            </a:r>
+          </a:p>
+          <a:p>
+            <a:pPr lvl="1">
+              <a:spcBef>
+                <a:spcPts val="600"/>
+              </a:spcBef>
+              <a:spcAft>
+                <a:spcPts val="1200"/>
+              </a:spcAft>
+            </a:pPr>
+            <a:r>
+              <a:rPr lang="es-ES" sz="2400" dirty="0">
+                <a:solidFill>
+                  <a:schemeClr val="bg1"/>
+                </a:solidFill>
+              </a:rPr>
+              <a:t>🖥️ VS </a:t>
+            </a:r>
+            <a:r>
+              <a:rPr lang="es-ES" sz="2400" dirty="0" err="1">
+                <a:solidFill>
+                  <a:schemeClr val="bg1"/>
+                </a:solidFill>
+              </a:rPr>
+              <a:t>Code</a:t>
+            </a:r>
+            <a:endParaRPr lang="es-ES" sz="2400" dirty="0">
+              <a:solidFill>
+                <a:schemeClr val="bg1"/>
+              </a:solidFill>
+            </a:endParaRPr>
+          </a:p>
+        </p:txBody>
+      </p:sp>
+    </p:spTree>
+    <p:extLst>
+      <p:ext uri="{BB962C8B-B14F-4D97-AF65-F5344CB8AC3E}">
+        <p14:creationId xmlns:p14="http://schemas.microsoft.com/office/powerpoint/2010/main" val="1260737452"/>
       </p:ext>
     </p:extLst>
   </p:cSld>
